--- a/Read/Oracle/knowledge/Material/Oracle体系结构.pptx
+++ b/Read/Oracle/knowledge/Material/Oracle体系结构.pptx
@@ -7,6 +7,7 @@
   <p:sldIdLst>
     <p:sldId id="409" r:id="rId3"/>
     <p:sldId id="411" r:id="rId4"/>
+    <p:sldId id="412" r:id="rId5"/>
   </p:sldIdLst>
   <p:sldSz cx="12192000" cy="6858000"/>
   <p:notesSz cx="6858000" cy="9144000"/>
@@ -3417,7 +3418,6 @@
             <a:p>
               <a:r>
                 <a:rPr lang="zh-CN" altLang="en-US">
-                  <a:ln/>
                   <a:solidFill>
                     <a:schemeClr val="tx1"/>
                   </a:solidFill>
@@ -3432,7 +3432,6 @@
                 <a:t>实例</a:t>
               </a:r>
               <a:endParaRPr lang="zh-CN" altLang="en-US">
-                <a:ln/>
                 <a:solidFill>
                   <a:schemeClr val="tx1"/>
                 </a:solidFill>
@@ -3470,7 +3469,6 @@
             <a:p>
               <a:r>
                 <a:rPr lang="zh-CN" altLang="en-US">
-                  <a:ln/>
                   <a:solidFill>
                     <a:schemeClr val="tx1"/>
                   </a:solidFill>
@@ -3485,7 +3483,6 @@
                 <a:t>数据库</a:t>
               </a:r>
               <a:endParaRPr lang="zh-CN" altLang="en-US">
-                <a:ln/>
                 <a:solidFill>
                   <a:schemeClr val="tx1"/>
                 </a:solidFill>
@@ -3523,7 +3520,6 @@
             <a:p>
               <a:r>
                 <a:rPr lang="en-US" altLang="zh-CN" sz="1400">
-                  <a:ln/>
                   <a:solidFill>
                     <a:schemeClr val="tx1"/>
                   </a:solidFill>
@@ -3538,7 +3534,6 @@
                 <a:t>Oracle</a:t>
               </a:r>
               <a:endParaRPr lang="en-US" altLang="zh-CN" sz="1400">
-                <a:ln/>
                 <a:solidFill>
                   <a:schemeClr val="tx1"/>
                 </a:solidFill>
@@ -3554,7 +3549,6 @@
             <a:p>
               <a:r>
                 <a:rPr lang="en-US" altLang="zh-CN" sz="1400">
-                  <a:ln/>
                   <a:solidFill>
                     <a:schemeClr val="tx1"/>
                   </a:solidFill>
@@ -3569,7 +3563,6 @@
                 <a:t>Database</a:t>
               </a:r>
               <a:endParaRPr lang="en-US" altLang="zh-CN" sz="1400">
-                <a:ln/>
                 <a:solidFill>
                   <a:schemeClr val="tx1"/>
                 </a:solidFill>
@@ -3585,7 +3578,6 @@
             <a:p>
               <a:r>
                 <a:rPr lang="en-US" altLang="zh-CN" sz="1400">
-                  <a:ln/>
                   <a:solidFill>
                     <a:schemeClr val="tx1"/>
                   </a:solidFill>
@@ -3600,7 +3592,6 @@
                 <a:t>Server</a:t>
               </a:r>
               <a:endParaRPr lang="en-US" altLang="zh-CN" sz="1400">
-                <a:ln/>
                 <a:solidFill>
                   <a:schemeClr val="tx1"/>
                 </a:solidFill>
@@ -3787,7 +3778,6 @@
           <a:p>
             <a:r>
               <a:rPr lang="zh-CN" altLang="en-US">
-                <a:ln/>
                 <a:solidFill>
                   <a:schemeClr val="tx1"/>
                 </a:solidFill>
@@ -3803,7 +3793,6 @@
             </a:r>
             <a:r>
               <a:rPr lang="en-US" altLang="zh-CN">
-                <a:ln/>
                 <a:solidFill>
                   <a:schemeClr val="tx1"/>
                 </a:solidFill>
@@ -3819,7 +3808,6 @@
             </a:r>
             <a:r>
               <a:rPr lang="zh-CN" altLang="en-US">
-                <a:ln/>
                 <a:solidFill>
                   <a:schemeClr val="tx1"/>
                 </a:solidFill>
@@ -3834,7 +3822,6 @@
               <a:t>例</a:t>
             </a:r>
             <a:endParaRPr lang="zh-CN" altLang="en-US">
-              <a:ln/>
               <a:solidFill>
                 <a:schemeClr val="tx1"/>
               </a:solidFill>
@@ -3902,7 +3889,6 @@
           <a:p>
             <a:r>
               <a:rPr lang="zh-CN" altLang="en-US">
-                <a:ln/>
                 <a:solidFill>
                   <a:schemeClr val="accent1"/>
                 </a:solidFill>
@@ -3917,7 +3903,6 @@
               <a:t>数  据  库</a:t>
             </a:r>
             <a:endParaRPr lang="zh-CN" altLang="en-US">
-              <a:ln/>
               <a:solidFill>
                 <a:schemeClr val="accent1"/>
               </a:solidFill>
@@ -4001,7 +3986,6 @@
           <a:p>
             <a:r>
               <a:rPr lang="zh-CN" altLang="en-US" sz="1600">
-                <a:ln/>
                 <a:solidFill>
                   <a:schemeClr val="accent6">
                     <a:lumMod val="50000"/>
@@ -4013,7 +3997,6 @@
               <a:t>内 存 结 构</a:t>
             </a:r>
             <a:endParaRPr lang="zh-CN" altLang="en-US" sz="1600">
-              <a:ln/>
               <a:solidFill>
                 <a:schemeClr val="accent6">
                   <a:lumMod val="50000"/>
@@ -4052,7 +4035,6 @@
           <a:p>
             <a:r>
               <a:rPr lang="zh-CN" altLang="en-US">
-                <a:ln/>
                 <a:gradFill>
                   <a:gsLst>
                     <a:gs pos="0">
@@ -4080,7 +4062,6 @@
             </a:r>
             <a:r>
               <a:rPr lang="en-US" altLang="zh-CN">
-                <a:ln/>
                 <a:gradFill>
                   <a:gsLst>
                     <a:gs pos="0">
@@ -4108,7 +4089,6 @@
             </a:r>
             <a:r>
               <a:rPr lang="zh-CN" altLang="en-US">
-                <a:ln/>
                 <a:gradFill>
                   <a:gsLst>
                     <a:gs pos="0">
@@ -4135,7 +4115,6 @@
               <a:t>）</a:t>
             </a:r>
             <a:endParaRPr lang="zh-CN" altLang="en-US">
-              <a:ln/>
               <a:gradFill>
                 <a:gsLst>
                   <a:gs pos="0">
@@ -5760,6 +5739,436 @@
 </p:sld>
 </file>
 
+<file path=ppt/slides/slide3.xml><?xml version="1.0" encoding="utf-8"?>
+<p:sld xmlns:a="http://schemas.openxmlformats.org/drawingml/2006/main" xmlns:r="http://schemas.openxmlformats.org/officeDocument/2006/relationships" xmlns:p="http://schemas.openxmlformats.org/presentationml/2006/main">
+  <p:cSld>
+    <p:spTree>
+      <p:nvGrpSpPr>
+        <p:cNvPr id="1" name=""/>
+        <p:cNvGrpSpPr/>
+        <p:nvPr/>
+      </p:nvGrpSpPr>
+      <p:grpSpPr>
+        <a:xfrm>
+          <a:off x="0" y="0"/>
+          <a:ext cx="0" cy="0"/>
+          <a:chOff x="0" y="0"/>
+          <a:chExt cx="0" cy="0"/>
+        </a:xfrm>
+      </p:grpSpPr>
+      <p:sp>
+        <p:nvSpPr>
+          <p:cNvPr id="4" name="椭圆 3"/>
+          <p:cNvSpPr/>
+          <p:nvPr/>
+        </p:nvSpPr>
+        <p:spPr>
+          <a:xfrm>
+            <a:off x="3556635" y="1027430"/>
+            <a:ext cx="5078095" cy="4802505"/>
+          </a:xfrm>
+          <a:prstGeom prst="ellipse">
+            <a:avLst/>
+          </a:prstGeom>
+          <a:solidFill>
+            <a:schemeClr val="accent2">
+              <a:lumMod val="60000"/>
+              <a:lumOff val="40000"/>
+            </a:schemeClr>
+          </a:solidFill>
+          <a:ln>
+            <a:noFill/>
+          </a:ln>
+        </p:spPr>
+        <p:style>
+          <a:lnRef idx="2">
+            <a:schemeClr val="accent1">
+              <a:shade val="50000"/>
+            </a:schemeClr>
+          </a:lnRef>
+          <a:fillRef idx="1">
+            <a:schemeClr val="accent1"/>
+          </a:fillRef>
+          <a:effectRef idx="0">
+            <a:schemeClr val="accent1"/>
+          </a:effectRef>
+          <a:fontRef idx="minor">
+            <a:schemeClr val="lt1"/>
+          </a:fontRef>
+        </p:style>
+        <p:txBody>
+          <a:bodyPr rtlCol="0" anchor="ctr"/>
+          <a:p>
+            <a:pPr algn="ctr"/>
+            <a:endParaRPr lang="zh-CN" altLang="en-US"/>
+          </a:p>
+        </p:txBody>
+      </p:sp>
+      <p:sp>
+        <p:nvSpPr>
+          <p:cNvPr id="5" name="椭圆 4"/>
+          <p:cNvSpPr/>
+          <p:nvPr/>
+        </p:nvSpPr>
+        <p:spPr>
+          <a:xfrm>
+            <a:off x="4537075" y="2173605"/>
+            <a:ext cx="3726180" cy="3241675"/>
+          </a:xfrm>
+          <a:prstGeom prst="ellipse">
+            <a:avLst/>
+          </a:prstGeom>
+          <a:ln>
+            <a:noFill/>
+          </a:ln>
+        </p:spPr>
+        <p:style>
+          <a:lnRef idx="2">
+            <a:schemeClr val="accent3">
+              <a:shade val="50000"/>
+            </a:schemeClr>
+          </a:lnRef>
+          <a:fillRef idx="1">
+            <a:schemeClr val="accent3"/>
+          </a:fillRef>
+          <a:effectRef idx="0">
+            <a:schemeClr val="accent3"/>
+          </a:effectRef>
+          <a:fontRef idx="minor">
+            <a:schemeClr val="lt1"/>
+          </a:fontRef>
+        </p:style>
+        <p:txBody>
+          <a:bodyPr rtlCol="0" anchor="ctr"/>
+          <a:p>
+            <a:pPr algn="ctr"/>
+            <a:endParaRPr lang="zh-CN" altLang="en-US"/>
+          </a:p>
+        </p:txBody>
+      </p:sp>
+      <p:sp>
+        <p:nvSpPr>
+          <p:cNvPr id="6" name="椭圆 5"/>
+          <p:cNvSpPr/>
+          <p:nvPr/>
+        </p:nvSpPr>
+        <p:spPr>
+          <a:xfrm>
+            <a:off x="5162550" y="2719070"/>
+            <a:ext cx="2738755" cy="2415540"/>
+          </a:xfrm>
+          <a:prstGeom prst="ellipse">
+            <a:avLst/>
+          </a:prstGeom>
+          <a:ln>
+            <a:noFill/>
+          </a:ln>
+        </p:spPr>
+        <p:style>
+          <a:lnRef idx="2">
+            <a:schemeClr val="accent4">
+              <a:shade val="50000"/>
+            </a:schemeClr>
+          </a:lnRef>
+          <a:fillRef idx="1">
+            <a:schemeClr val="accent4"/>
+          </a:fillRef>
+          <a:effectRef idx="0">
+            <a:schemeClr val="accent4"/>
+          </a:effectRef>
+          <a:fontRef idx="minor">
+            <a:schemeClr val="lt1"/>
+          </a:fontRef>
+        </p:style>
+        <p:txBody>
+          <a:bodyPr rtlCol="0" anchor="ctr"/>
+          <a:p>
+            <a:pPr algn="ctr"/>
+            <a:endParaRPr lang="zh-CN" altLang="en-US"/>
+          </a:p>
+        </p:txBody>
+      </p:sp>
+      <p:sp>
+        <p:nvSpPr>
+          <p:cNvPr id="7" name="椭圆 6"/>
+          <p:cNvSpPr/>
+          <p:nvPr/>
+        </p:nvSpPr>
+        <p:spPr>
+          <a:xfrm>
+            <a:off x="5711190" y="3204210"/>
+            <a:ext cx="2016125" cy="1740535"/>
+          </a:xfrm>
+          <a:prstGeom prst="ellipse">
+            <a:avLst/>
+          </a:prstGeom>
+          <a:ln>
+            <a:noFill/>
+          </a:ln>
+        </p:spPr>
+        <p:style>
+          <a:lnRef idx="3">
+            <a:schemeClr val="lt1"/>
+          </a:lnRef>
+          <a:fillRef idx="1">
+            <a:schemeClr val="accent5"/>
+          </a:fillRef>
+          <a:effectRef idx="1">
+            <a:schemeClr val="accent5"/>
+          </a:effectRef>
+          <a:fontRef idx="minor">
+            <a:schemeClr val="lt1"/>
+          </a:fontRef>
+        </p:style>
+        <p:txBody>
+          <a:bodyPr rtlCol="0" anchor="ctr"/>
+          <a:p>
+            <a:pPr algn="ctr"/>
+            <a:endParaRPr lang="zh-CN" altLang="en-US"/>
+          </a:p>
+        </p:txBody>
+      </p:sp>
+      <p:sp>
+        <p:nvSpPr>
+          <p:cNvPr id="8" name="椭圆 7"/>
+          <p:cNvSpPr/>
+          <p:nvPr/>
+        </p:nvSpPr>
+        <p:spPr>
+          <a:xfrm>
+            <a:off x="6209665" y="3749040"/>
+            <a:ext cx="1293495" cy="1045845"/>
+          </a:xfrm>
+          <a:prstGeom prst="ellipse">
+            <a:avLst/>
+          </a:prstGeom>
+          <a:ln>
+            <a:noFill/>
+          </a:ln>
+        </p:spPr>
+        <p:style>
+          <a:lnRef idx="2">
+            <a:schemeClr val="accent6">
+              <a:shade val="50000"/>
+            </a:schemeClr>
+          </a:lnRef>
+          <a:fillRef idx="1">
+            <a:schemeClr val="accent6"/>
+          </a:fillRef>
+          <a:effectRef idx="0">
+            <a:schemeClr val="accent6"/>
+          </a:effectRef>
+          <a:fontRef idx="minor">
+            <a:schemeClr val="lt1"/>
+          </a:fontRef>
+        </p:style>
+        <p:txBody>
+          <a:bodyPr rtlCol="0" anchor="ctr"/>
+          <a:p>
+            <a:pPr algn="ctr"/>
+            <a:r>
+              <a:rPr lang="zh-CN" altLang="en-US"/>
+              <a:t>块</a:t>
+            </a:r>
+            <a:r>
+              <a:rPr lang="en-US" altLang="zh-CN"/>
+              <a:t>(Block)</a:t>
+            </a:r>
+            <a:endParaRPr lang="en-US" altLang="zh-CN"/>
+          </a:p>
+        </p:txBody>
+      </p:sp>
+      <p:sp>
+        <p:nvSpPr>
+          <p:cNvPr id="10" name="文本框 9"/>
+          <p:cNvSpPr txBox="1"/>
+          <p:nvPr/>
+        </p:nvSpPr>
+        <p:spPr>
+          <a:xfrm>
+            <a:off x="6101080" y="3380740"/>
+            <a:ext cx="1235710" cy="368300"/>
+          </a:xfrm>
+          <a:prstGeom prst="rect">
+            <a:avLst/>
+          </a:prstGeom>
+          <a:noFill/>
+        </p:spPr>
+        <p:txBody>
+          <a:bodyPr wrap="square" rtlCol="0">
+            <a:spAutoFit/>
+          </a:bodyPr>
+          <a:p>
+            <a:r>
+              <a:rPr lang="zh-CN" altLang="en-US">
+                <a:solidFill>
+                  <a:schemeClr val="bg1"/>
+                </a:solidFill>
+              </a:rPr>
+              <a:t>区</a:t>
+            </a:r>
+            <a:r>
+              <a:rPr lang="en-US" altLang="zh-CN">
+                <a:solidFill>
+                  <a:schemeClr val="bg1"/>
+                </a:solidFill>
+              </a:rPr>
+              <a:t>(Extent)</a:t>
+            </a:r>
+            <a:endParaRPr lang="en-US" altLang="zh-CN">
+              <a:solidFill>
+                <a:schemeClr val="bg1"/>
+              </a:solidFill>
+            </a:endParaRPr>
+          </a:p>
+        </p:txBody>
+      </p:sp>
+      <p:sp>
+        <p:nvSpPr>
+          <p:cNvPr id="11" name="文本框 10"/>
+          <p:cNvSpPr txBox="1"/>
+          <p:nvPr/>
+        </p:nvSpPr>
+        <p:spPr>
+          <a:xfrm>
+            <a:off x="5761990" y="2863850"/>
+            <a:ext cx="1569085" cy="368300"/>
+          </a:xfrm>
+          <a:prstGeom prst="rect">
+            <a:avLst/>
+          </a:prstGeom>
+          <a:noFill/>
+        </p:spPr>
+        <p:txBody>
+          <a:bodyPr wrap="square" rtlCol="0">
+            <a:spAutoFit/>
+          </a:bodyPr>
+          <a:p>
+            <a:r>
+              <a:rPr lang="zh-CN" altLang="en-US">
+                <a:solidFill>
+                  <a:schemeClr val="bg1"/>
+                </a:solidFill>
+              </a:rPr>
+              <a:t>段</a:t>
+            </a:r>
+            <a:r>
+              <a:rPr lang="en-US" altLang="zh-CN">
+                <a:solidFill>
+                  <a:schemeClr val="bg1"/>
+                </a:solidFill>
+              </a:rPr>
+              <a:t>(Segment)</a:t>
+            </a:r>
+            <a:endParaRPr lang="en-US" altLang="zh-CN">
+              <a:solidFill>
+                <a:schemeClr val="bg1"/>
+              </a:solidFill>
+            </a:endParaRPr>
+          </a:p>
+        </p:txBody>
+      </p:sp>
+      <p:sp>
+        <p:nvSpPr>
+          <p:cNvPr id="12" name="文本框 11"/>
+          <p:cNvSpPr txBox="1"/>
+          <p:nvPr/>
+        </p:nvSpPr>
+        <p:spPr>
+          <a:xfrm>
+            <a:off x="5342890" y="2377440"/>
+            <a:ext cx="2377440" cy="368300"/>
+          </a:xfrm>
+          <a:prstGeom prst="rect">
+            <a:avLst/>
+          </a:prstGeom>
+          <a:noFill/>
+        </p:spPr>
+        <p:txBody>
+          <a:bodyPr wrap="square" rtlCol="0">
+            <a:spAutoFit/>
+          </a:bodyPr>
+          <a:p>
+            <a:r>
+              <a:rPr lang="zh-CN" altLang="en-US">
+                <a:solidFill>
+                  <a:schemeClr val="bg1"/>
+                </a:solidFill>
+              </a:rPr>
+              <a:t>表空间</a:t>
+            </a:r>
+            <a:r>
+              <a:rPr lang="en-US" altLang="zh-CN">
+                <a:solidFill>
+                  <a:schemeClr val="bg1"/>
+                </a:solidFill>
+              </a:rPr>
+              <a:t>(Tablespace)</a:t>
+            </a:r>
+            <a:endParaRPr lang="en-US" altLang="zh-CN">
+              <a:solidFill>
+                <a:schemeClr val="bg1"/>
+              </a:solidFill>
+            </a:endParaRPr>
+          </a:p>
+        </p:txBody>
+      </p:sp>
+      <p:sp>
+        <p:nvSpPr>
+          <p:cNvPr id="13" name="文本框 12"/>
+          <p:cNvSpPr txBox="1"/>
+          <p:nvPr/>
+        </p:nvSpPr>
+        <p:spPr>
+          <a:xfrm>
+            <a:off x="4516755" y="1630680"/>
+            <a:ext cx="2111375" cy="368300"/>
+          </a:xfrm>
+          <a:prstGeom prst="rect">
+            <a:avLst/>
+          </a:prstGeom>
+          <a:noFill/>
+        </p:spPr>
+        <p:txBody>
+          <a:bodyPr wrap="square" rtlCol="0">
+            <a:spAutoFit/>
+          </a:bodyPr>
+          <a:p>
+            <a:r>
+              <a:rPr lang="zh-CN" altLang="en-US">
+                <a:solidFill>
+                  <a:schemeClr val="bg1"/>
+                </a:solidFill>
+              </a:rPr>
+              <a:t>数据库</a:t>
+            </a:r>
+            <a:r>
+              <a:rPr lang="en-US" altLang="zh-CN">
+                <a:solidFill>
+                  <a:schemeClr val="bg1"/>
+                </a:solidFill>
+              </a:rPr>
+              <a:t>(Database)</a:t>
+            </a:r>
+            <a:endParaRPr lang="en-US" altLang="zh-CN">
+              <a:solidFill>
+                <a:schemeClr val="bg1"/>
+              </a:solidFill>
+            </a:endParaRPr>
+          </a:p>
+        </p:txBody>
+      </p:sp>
+    </p:spTree>
+    <p:custDataLst>
+      <p:tags r:id="rId1"/>
+    </p:custDataLst>
+  </p:cSld>
+  <p:clrMapOvr>
+    <a:masterClrMapping/>
+  </p:clrMapOvr>
+</p:sld>
+</file>
+
 <file path=ppt/tags/tag1.xml><?xml version="1.0" encoding="utf-8"?>
 <p:tagLst xmlns:p="http://schemas.openxmlformats.org/presentationml/2006/main">
   <p:tag name="KSO_WM_UNIT_HIGHLIGHT" val="0"/>
@@ -6558,6 +6967,27 @@
   <p:tag name="KSO_WM_BEAUTIFY_FLAG" val="#wm#"/>
   <p:tag name="KSO_WM_TEMPLATE_CATEGORY" val="custom"/>
   <p:tag name="KSO_WM_TEMPLATE_INDEX" val="20205176"/>
+</p:tagLst>
+</file>
+
+<file path=ppt/tags/tag65.xml><?xml version="1.0" encoding="utf-8"?>
+<p:tagLst xmlns:p="http://schemas.openxmlformats.org/presentationml/2006/main">
+  <p:tag name="KSO_WM_SLIDE_ID" val="custom20205176_1"/>
+  <p:tag name="KSO_WM_TEMPLATE_SUBCATEGORY" val="19"/>
+  <p:tag name="KSO_WM_TEMPLATE_MASTER_TYPE" val="0"/>
+  <p:tag name="KSO_WM_TEMPLATE_COLOR_TYPE" val="1"/>
+  <p:tag name="KSO_WM_SLIDE_TYPE" val="title"/>
+  <p:tag name="KSO_WM_SLIDE_SUBTYPE" val="defaultBlank"/>
+  <p:tag name="KSO_WM_SLIDE_ITEM_CNT" val="0"/>
+  <p:tag name="KSO_WM_SLIDE_INDEX" val="1"/>
+  <p:tag name="KSO_WM_TAG_VERSION" val="1.0"/>
+  <p:tag name="KSO_WM_BEAUTIFY_FLAG" val="#wm#"/>
+  <p:tag name="KSO_WM_TEMPLATE_CATEGORY" val="custom"/>
+  <p:tag name="KSO_WM_TEMPLATE_INDEX" val="20205176"/>
+  <p:tag name="KSO_WM_SLIDE_LAYOUT" val="a_b"/>
+  <p:tag name="KSO_WM_SLIDE_LAYOUT_CNT" val="1_1"/>
+  <p:tag name="KSO_WM_UNIT_SHOW_EDIT_AREA_INDICATION" val="1"/>
+  <p:tag name="KSO_WM_TEMPLATE_THUMBS_INDEX" val="1、4、7、12、13、14、15、16、17、18、20、24、25、28、33、36、40、43、44"/>
 </p:tagLst>
 </file>
 

--- a/Read/Oracle/knowledge/Material/Oracle体系结构.pptx
+++ b/Read/Oracle/knowledge/Material/Oracle体系结构.pptx
@@ -8,6 +8,7 @@
     <p:sldId id="409" r:id="rId3"/>
     <p:sldId id="411" r:id="rId4"/>
     <p:sldId id="412" r:id="rId5"/>
+    <p:sldId id="413" r:id="rId6"/>
   </p:sldIdLst>
   <p:sldSz cx="12192000" cy="6858000"/>
   <p:notesSz cx="6858000" cy="9144000"/>
@@ -6169,6 +6170,419 @@
 </p:sld>
 </file>
 
+<file path=ppt/slides/slide4.xml><?xml version="1.0" encoding="utf-8"?>
+<p:sld xmlns:a="http://schemas.openxmlformats.org/drawingml/2006/main" xmlns:r="http://schemas.openxmlformats.org/officeDocument/2006/relationships" xmlns:p="http://schemas.openxmlformats.org/presentationml/2006/main">
+  <p:cSld>
+    <p:spTree>
+      <p:nvGrpSpPr>
+        <p:cNvPr id="1" name=""/>
+        <p:cNvGrpSpPr/>
+        <p:nvPr/>
+      </p:nvGrpSpPr>
+      <p:grpSpPr>
+        <a:xfrm>
+          <a:off x="0" y="0"/>
+          <a:ext cx="0" cy="0"/>
+          <a:chOff x="0" y="0"/>
+          <a:chExt cx="0" cy="0"/>
+        </a:xfrm>
+      </p:grpSpPr>
+      <p:sp>
+        <p:nvSpPr>
+          <p:cNvPr id="4" name="矩形 3"/>
+          <p:cNvSpPr/>
+          <p:nvPr/>
+        </p:nvSpPr>
+        <p:spPr>
+          <a:xfrm>
+            <a:off x="4554855" y="1221740"/>
+            <a:ext cx="2044700" cy="703580"/>
+          </a:xfrm>
+          <a:prstGeom prst="rect">
+            <a:avLst/>
+          </a:prstGeom>
+        </p:spPr>
+        <p:style>
+          <a:lnRef idx="2">
+            <a:schemeClr val="accent2">
+              <a:shade val="50000"/>
+            </a:schemeClr>
+          </a:lnRef>
+          <a:fillRef idx="1">
+            <a:schemeClr val="accent2"/>
+          </a:fillRef>
+          <a:effectRef idx="0">
+            <a:schemeClr val="accent2"/>
+          </a:effectRef>
+          <a:fontRef idx="minor">
+            <a:schemeClr val="lt1"/>
+          </a:fontRef>
+        </p:style>
+        <p:txBody>
+          <a:bodyPr rtlCol="0" anchor="ctr"/>
+          <a:p>
+            <a:pPr algn="ctr"/>
+            <a:endParaRPr lang="zh-CN" altLang="en-US"/>
+          </a:p>
+        </p:txBody>
+      </p:sp>
+      <p:sp>
+        <p:nvSpPr>
+          <p:cNvPr id="5" name="矩形 4"/>
+          <p:cNvSpPr/>
+          <p:nvPr/>
+        </p:nvSpPr>
+        <p:spPr>
+          <a:xfrm>
+            <a:off x="4554855" y="1925320"/>
+            <a:ext cx="2044700" cy="703580"/>
+          </a:xfrm>
+          <a:prstGeom prst="rect">
+            <a:avLst/>
+          </a:prstGeom>
+        </p:spPr>
+        <p:style>
+          <a:lnRef idx="2">
+            <a:schemeClr val="accent2">
+              <a:shade val="50000"/>
+            </a:schemeClr>
+          </a:lnRef>
+          <a:fillRef idx="1">
+            <a:schemeClr val="accent2"/>
+          </a:fillRef>
+          <a:effectRef idx="0">
+            <a:schemeClr val="accent2"/>
+          </a:effectRef>
+          <a:fontRef idx="minor">
+            <a:schemeClr val="lt1"/>
+          </a:fontRef>
+        </p:style>
+        <p:txBody>
+          <a:bodyPr rtlCol="0" anchor="ctr"/>
+          <a:p>
+            <a:pPr algn="ctr"/>
+            <a:endParaRPr lang="zh-CN" altLang="en-US"/>
+          </a:p>
+        </p:txBody>
+      </p:sp>
+      <p:sp>
+        <p:nvSpPr>
+          <p:cNvPr id="6" name="矩形 5"/>
+          <p:cNvSpPr/>
+          <p:nvPr/>
+        </p:nvSpPr>
+        <p:spPr>
+          <a:xfrm>
+            <a:off x="4554855" y="2628900"/>
+            <a:ext cx="2044700" cy="703580"/>
+          </a:xfrm>
+          <a:prstGeom prst="rect">
+            <a:avLst/>
+          </a:prstGeom>
+        </p:spPr>
+        <p:style>
+          <a:lnRef idx="2">
+            <a:schemeClr val="accent2">
+              <a:shade val="50000"/>
+            </a:schemeClr>
+          </a:lnRef>
+          <a:fillRef idx="1">
+            <a:schemeClr val="accent2"/>
+          </a:fillRef>
+          <a:effectRef idx="0">
+            <a:schemeClr val="accent2"/>
+          </a:effectRef>
+          <a:fontRef idx="minor">
+            <a:schemeClr val="lt1"/>
+          </a:fontRef>
+        </p:style>
+        <p:txBody>
+          <a:bodyPr rtlCol="0" anchor="ctr"/>
+          <a:p>
+            <a:pPr algn="ctr"/>
+            <a:endParaRPr lang="zh-CN" altLang="en-US"/>
+          </a:p>
+        </p:txBody>
+      </p:sp>
+      <p:sp>
+        <p:nvSpPr>
+          <p:cNvPr id="7" name="矩形 6"/>
+          <p:cNvSpPr/>
+          <p:nvPr/>
+        </p:nvSpPr>
+        <p:spPr>
+          <a:xfrm>
+            <a:off x="4554855" y="3332480"/>
+            <a:ext cx="2044700" cy="703580"/>
+          </a:xfrm>
+          <a:prstGeom prst="rect">
+            <a:avLst/>
+          </a:prstGeom>
+          <a:solidFill>
+            <a:schemeClr val="bg2">
+              <a:lumMod val="85000"/>
+            </a:schemeClr>
+          </a:solidFill>
+        </p:spPr>
+        <p:style>
+          <a:lnRef idx="2">
+            <a:schemeClr val="accent1">
+              <a:shade val="50000"/>
+            </a:schemeClr>
+          </a:lnRef>
+          <a:fillRef idx="1">
+            <a:schemeClr val="accent1"/>
+          </a:fillRef>
+          <a:effectRef idx="0">
+            <a:schemeClr val="accent1"/>
+          </a:effectRef>
+          <a:fontRef idx="minor">
+            <a:schemeClr val="lt1"/>
+          </a:fontRef>
+        </p:style>
+        <p:txBody>
+          <a:bodyPr rtlCol="0" anchor="ctr"/>
+          <a:p>
+            <a:pPr algn="ctr"/>
+            <a:endParaRPr lang="zh-CN" altLang="en-US"/>
+          </a:p>
+        </p:txBody>
+      </p:sp>
+      <p:sp>
+        <p:nvSpPr>
+          <p:cNvPr id="8" name="矩形 7"/>
+          <p:cNvSpPr/>
+          <p:nvPr/>
+        </p:nvSpPr>
+        <p:spPr>
+          <a:xfrm>
+            <a:off x="4554855" y="4036060"/>
+            <a:ext cx="2044700" cy="703580"/>
+          </a:xfrm>
+          <a:prstGeom prst="rect">
+            <a:avLst/>
+          </a:prstGeom>
+        </p:spPr>
+        <p:style>
+          <a:lnRef idx="2">
+            <a:schemeClr val="accent2">
+              <a:shade val="50000"/>
+            </a:schemeClr>
+          </a:lnRef>
+          <a:fillRef idx="1">
+            <a:schemeClr val="accent2"/>
+          </a:fillRef>
+          <a:effectRef idx="0">
+            <a:schemeClr val="accent2"/>
+          </a:effectRef>
+          <a:fontRef idx="minor">
+            <a:schemeClr val="lt1"/>
+          </a:fontRef>
+        </p:style>
+        <p:txBody>
+          <a:bodyPr rtlCol="0" anchor="ctr"/>
+          <a:p>
+            <a:pPr algn="ctr"/>
+            <a:endParaRPr lang="zh-CN" altLang="en-US"/>
+          </a:p>
+        </p:txBody>
+      </p:sp>
+      <p:sp>
+        <p:nvSpPr>
+          <p:cNvPr id="9" name="文本框 8"/>
+          <p:cNvSpPr txBox="1"/>
+          <p:nvPr/>
+        </p:nvSpPr>
+        <p:spPr>
+          <a:xfrm>
+            <a:off x="4595495" y="1275080"/>
+            <a:ext cx="538480" cy="306705"/>
+          </a:xfrm>
+          <a:prstGeom prst="rect">
+            <a:avLst/>
+          </a:prstGeom>
+          <a:noFill/>
+        </p:spPr>
+        <p:txBody>
+          <a:bodyPr wrap="none" rtlCol="0">
+            <a:spAutoFit/>
+          </a:bodyPr>
+          <a:p>
+            <a:r>
+              <a:rPr lang="zh-CN" altLang="en-US" sz="1400">
+                <a:solidFill>
+                  <a:schemeClr val="bg1"/>
+                </a:solidFill>
+              </a:rPr>
+              <a:t>块头</a:t>
+            </a:r>
+            <a:endParaRPr lang="zh-CN" altLang="en-US" sz="1400">
+              <a:solidFill>
+                <a:schemeClr val="bg1"/>
+              </a:solidFill>
+            </a:endParaRPr>
+          </a:p>
+        </p:txBody>
+      </p:sp>
+      <p:sp>
+        <p:nvSpPr>
+          <p:cNvPr id="10" name="文本框 9"/>
+          <p:cNvSpPr txBox="1"/>
+          <p:nvPr/>
+        </p:nvSpPr>
+        <p:spPr>
+          <a:xfrm>
+            <a:off x="4595495" y="1981835"/>
+            <a:ext cx="716280" cy="306705"/>
+          </a:xfrm>
+          <a:prstGeom prst="rect">
+            <a:avLst/>
+          </a:prstGeom>
+          <a:noFill/>
+        </p:spPr>
+        <p:txBody>
+          <a:bodyPr wrap="none" rtlCol="0">
+            <a:spAutoFit/>
+          </a:bodyPr>
+          <a:p>
+            <a:r>
+              <a:rPr lang="zh-CN" altLang="en-US" sz="1400">
+                <a:solidFill>
+                  <a:schemeClr val="bg1"/>
+                </a:solidFill>
+              </a:rPr>
+              <a:t>表目录</a:t>
+            </a:r>
+            <a:endParaRPr lang="zh-CN" altLang="en-US" sz="1400">
+              <a:solidFill>
+                <a:schemeClr val="bg1"/>
+              </a:solidFill>
+            </a:endParaRPr>
+          </a:p>
+        </p:txBody>
+      </p:sp>
+      <p:sp>
+        <p:nvSpPr>
+          <p:cNvPr id="11" name="文本框 10"/>
+          <p:cNvSpPr txBox="1"/>
+          <p:nvPr/>
+        </p:nvSpPr>
+        <p:spPr>
+          <a:xfrm>
+            <a:off x="4598035" y="2686685"/>
+            <a:ext cx="716280" cy="306705"/>
+          </a:xfrm>
+          <a:prstGeom prst="rect">
+            <a:avLst/>
+          </a:prstGeom>
+          <a:noFill/>
+        </p:spPr>
+        <p:txBody>
+          <a:bodyPr wrap="none" rtlCol="0">
+            <a:spAutoFit/>
+          </a:bodyPr>
+          <a:p>
+            <a:r>
+              <a:rPr lang="zh-CN" altLang="en-US" sz="1400">
+                <a:solidFill>
+                  <a:schemeClr val="bg1"/>
+                </a:solidFill>
+              </a:rPr>
+              <a:t>行目录</a:t>
+            </a:r>
+            <a:endParaRPr lang="zh-CN" altLang="en-US" sz="1400">
+              <a:solidFill>
+                <a:schemeClr val="bg1"/>
+              </a:solidFill>
+            </a:endParaRPr>
+          </a:p>
+        </p:txBody>
+      </p:sp>
+      <p:sp>
+        <p:nvSpPr>
+          <p:cNvPr id="12" name="文本框 11"/>
+          <p:cNvSpPr txBox="1"/>
+          <p:nvPr/>
+        </p:nvSpPr>
+        <p:spPr>
+          <a:xfrm>
+            <a:off x="4598035" y="3441700"/>
+            <a:ext cx="894080" cy="306705"/>
+          </a:xfrm>
+          <a:prstGeom prst="rect">
+            <a:avLst/>
+          </a:prstGeom>
+          <a:noFill/>
+        </p:spPr>
+        <p:txBody>
+          <a:bodyPr wrap="none" rtlCol="0">
+            <a:spAutoFit/>
+          </a:bodyPr>
+          <a:p>
+            <a:r>
+              <a:rPr lang="zh-CN" altLang="en-US" sz="1400">
+                <a:solidFill>
+                  <a:schemeClr val="tx1"/>
+                </a:solidFill>
+              </a:rPr>
+              <a:t>剩余空间</a:t>
+            </a:r>
+            <a:endParaRPr lang="zh-CN" altLang="en-US" sz="1400">
+              <a:solidFill>
+                <a:schemeClr val="tx1"/>
+              </a:solidFill>
+            </a:endParaRPr>
+          </a:p>
+        </p:txBody>
+      </p:sp>
+      <p:sp>
+        <p:nvSpPr>
+          <p:cNvPr id="13" name="文本框 12"/>
+          <p:cNvSpPr txBox="1"/>
+          <p:nvPr/>
+        </p:nvSpPr>
+        <p:spPr>
+          <a:xfrm>
+            <a:off x="4595495" y="4110990"/>
+            <a:ext cx="716280" cy="306705"/>
+          </a:xfrm>
+          <a:prstGeom prst="rect">
+            <a:avLst/>
+          </a:prstGeom>
+          <a:noFill/>
+        </p:spPr>
+        <p:txBody>
+          <a:bodyPr wrap="none" rtlCol="0">
+            <a:spAutoFit/>
+          </a:bodyPr>
+          <a:p>
+            <a:r>
+              <a:rPr lang="zh-CN" altLang="en-US" sz="1400">
+                <a:solidFill>
+                  <a:schemeClr val="bg1"/>
+                </a:solidFill>
+              </a:rPr>
+              <a:t>行数据</a:t>
+            </a:r>
+            <a:endParaRPr lang="zh-CN" altLang="en-US" sz="1400">
+              <a:solidFill>
+                <a:schemeClr val="bg1"/>
+              </a:solidFill>
+            </a:endParaRPr>
+          </a:p>
+        </p:txBody>
+      </p:sp>
+    </p:spTree>
+    <p:custDataLst>
+      <p:tags r:id="rId1"/>
+    </p:custDataLst>
+  </p:cSld>
+  <p:clrMapOvr>
+    <a:masterClrMapping/>
+  </p:clrMapOvr>
+</p:sld>
+</file>
+
 <file path=ppt/tags/tag1.xml><?xml version="1.0" encoding="utf-8"?>
 <p:tagLst xmlns:p="http://schemas.openxmlformats.org/presentationml/2006/main">
   <p:tag name="KSO_WM_UNIT_HIGHLIGHT" val="0"/>
@@ -6971,6 +7385,27 @@
 </file>
 
 <file path=ppt/tags/tag65.xml><?xml version="1.0" encoding="utf-8"?>
+<p:tagLst xmlns:p="http://schemas.openxmlformats.org/presentationml/2006/main">
+  <p:tag name="KSO_WM_SLIDE_ID" val="custom20205176_1"/>
+  <p:tag name="KSO_WM_TEMPLATE_SUBCATEGORY" val="19"/>
+  <p:tag name="KSO_WM_TEMPLATE_MASTER_TYPE" val="0"/>
+  <p:tag name="KSO_WM_TEMPLATE_COLOR_TYPE" val="1"/>
+  <p:tag name="KSO_WM_SLIDE_TYPE" val="title"/>
+  <p:tag name="KSO_WM_SLIDE_SUBTYPE" val="defaultBlank"/>
+  <p:tag name="KSO_WM_SLIDE_ITEM_CNT" val="0"/>
+  <p:tag name="KSO_WM_SLIDE_INDEX" val="1"/>
+  <p:tag name="KSO_WM_TAG_VERSION" val="1.0"/>
+  <p:tag name="KSO_WM_BEAUTIFY_FLAG" val="#wm#"/>
+  <p:tag name="KSO_WM_TEMPLATE_CATEGORY" val="custom"/>
+  <p:tag name="KSO_WM_TEMPLATE_INDEX" val="20205176"/>
+  <p:tag name="KSO_WM_SLIDE_LAYOUT" val="a_b"/>
+  <p:tag name="KSO_WM_SLIDE_LAYOUT_CNT" val="1_1"/>
+  <p:tag name="KSO_WM_UNIT_SHOW_EDIT_AREA_INDICATION" val="1"/>
+  <p:tag name="KSO_WM_TEMPLATE_THUMBS_INDEX" val="1、4、7、12、13、14、15、16、17、18、20、24、25、28、33、36、40、43、44"/>
+</p:tagLst>
+</file>
+
+<file path=ppt/tags/tag66.xml><?xml version="1.0" encoding="utf-8"?>
 <p:tagLst xmlns:p="http://schemas.openxmlformats.org/presentationml/2006/main">
   <p:tag name="KSO_WM_SLIDE_ID" val="custom20205176_1"/>
   <p:tag name="KSO_WM_TEMPLATE_SUBCATEGORY" val="19"/>

--- a/Read/Oracle/knowledge/Material/Oracle体系结构.pptx
+++ b/Read/Oracle/knowledge/Material/Oracle体系结构.pptx
@@ -7,8 +7,9 @@
   <p:sldIdLst>
     <p:sldId id="409" r:id="rId3"/>
     <p:sldId id="411" r:id="rId4"/>
-    <p:sldId id="412" r:id="rId5"/>
-    <p:sldId id="413" r:id="rId6"/>
+    <p:sldId id="414" r:id="rId5"/>
+    <p:sldId id="412" r:id="rId6"/>
+    <p:sldId id="413" r:id="rId7"/>
   </p:sldIdLst>
   <p:sldSz cx="12192000" cy="6858000"/>
   <p:notesSz cx="6858000" cy="9144000"/>
@@ -5759,6 +5760,3515 @@
       </p:grpSpPr>
       <p:sp>
         <p:nvSpPr>
+          <p:cNvPr id="5" name="圆角矩形 4"/>
+          <p:cNvSpPr/>
+          <p:nvPr/>
+        </p:nvSpPr>
+        <p:spPr>
+          <a:xfrm>
+            <a:off x="2506345" y="2007235"/>
+            <a:ext cx="7179945" cy="2843530"/>
+          </a:xfrm>
+          <a:prstGeom prst="roundRect">
+            <a:avLst/>
+          </a:prstGeom>
+        </p:spPr>
+        <p:style>
+          <a:lnRef idx="1">
+            <a:schemeClr val="accent5"/>
+          </a:lnRef>
+          <a:fillRef idx="2">
+            <a:schemeClr val="accent5"/>
+          </a:fillRef>
+          <a:effectRef idx="1">
+            <a:schemeClr val="accent5"/>
+          </a:effectRef>
+          <a:fontRef idx="minor">
+            <a:schemeClr val="dk1"/>
+          </a:fontRef>
+        </p:style>
+        <p:txBody>
+          <a:bodyPr rtlCol="0" anchor="ctr"/>
+          <a:p>
+            <a:pPr algn="ctr"/>
+            <a:endParaRPr lang="zh-CN" altLang="en-US"/>
+          </a:p>
+        </p:txBody>
+      </p:sp>
+      <p:sp>
+        <p:nvSpPr>
+          <p:cNvPr id="10" name="文本框 9"/>
+          <p:cNvSpPr txBox="1"/>
+          <p:nvPr/>
+        </p:nvSpPr>
+        <p:spPr>
+          <a:xfrm>
+            <a:off x="3956685" y="610235"/>
+            <a:ext cx="4279265" cy="706755"/>
+          </a:xfrm>
+          <a:prstGeom prst="rect">
+            <a:avLst/>
+          </a:prstGeom>
+          <a:noFill/>
+        </p:spPr>
+        <p:txBody>
+          <a:bodyPr wrap="square" rtlCol="0">
+            <a:spAutoFit/>
+            <a:scene3d>
+              <a:camera prst="orthographicFront"/>
+              <a:lightRig rig="soft" dir="t">
+                <a:rot lat="0" lon="0" rev="15600000"/>
+              </a:lightRig>
+            </a:scene3d>
+            <a:sp3d extrusionH="57150" prstMaterial="softEdge">
+              <a:bevelT w="25400" h="38100"/>
+            </a:sp3d>
+          </a:bodyPr>
+          <a:p>
+            <a:r>
+              <a:rPr lang="en-US" altLang="zh-CN" sz="4000">
+                <a:solidFill>
+                  <a:schemeClr val="accent6">
+                    <a:lumMod val="50000"/>
+                  </a:schemeClr>
+                </a:solidFill>
+                <a:effectLst/>
+                <a:latin typeface="+mn-ea"/>
+              </a:rPr>
+              <a:t>Oracle</a:t>
+            </a:r>
+            <a:r>
+              <a:rPr lang="zh-CN" altLang="en-US" sz="4000">
+                <a:solidFill>
+                  <a:schemeClr val="accent6">
+                    <a:lumMod val="50000"/>
+                  </a:schemeClr>
+                </a:solidFill>
+                <a:effectLst/>
+                <a:latin typeface="+mn-ea"/>
+              </a:rPr>
+              <a:t>内 存 结 构</a:t>
+            </a:r>
+            <a:endParaRPr lang="zh-CN" altLang="en-US" sz="4000">
+              <a:solidFill>
+                <a:schemeClr val="accent6">
+                  <a:lumMod val="50000"/>
+                </a:schemeClr>
+              </a:solidFill>
+              <a:effectLst/>
+              <a:latin typeface="+mn-ea"/>
+            </a:endParaRPr>
+          </a:p>
+        </p:txBody>
+      </p:sp>
+      <p:sp>
+        <p:nvSpPr>
+          <p:cNvPr id="11" name="文本框 10"/>
+          <p:cNvSpPr txBox="1"/>
+          <p:nvPr/>
+        </p:nvSpPr>
+        <p:spPr>
+          <a:xfrm>
+            <a:off x="3249295" y="2091690"/>
+            <a:ext cx="5693410" cy="460375"/>
+          </a:xfrm>
+          <a:prstGeom prst="rect">
+            <a:avLst/>
+          </a:prstGeom>
+          <a:noFill/>
+        </p:spPr>
+        <p:txBody>
+          <a:bodyPr wrap="square" rtlCol="0">
+            <a:spAutoFit/>
+            <a:scene3d>
+              <a:camera prst="orthographicFront"/>
+              <a:lightRig rig="threePt" dir="t"/>
+            </a:scene3d>
+          </a:bodyPr>
+          <a:p>
+            <a:r>
+              <a:rPr lang="zh-CN" altLang="en-US" sz="2400">
+                <a:ln w="12700">
+                  <a:solidFill>
+                    <a:schemeClr val="accent3">
+                      <a:lumMod val="50000"/>
+                    </a:schemeClr>
+                  </a:solidFill>
+                  <a:prstDash val="solid"/>
+                </a:ln>
+                <a:pattFill prst="narHorz">
+                  <a:fgClr>
+                    <a:schemeClr val="accent3"/>
+                  </a:fgClr>
+                  <a:bgClr>
+                    <a:schemeClr val="accent3">
+                      <a:lumMod val="40000"/>
+                      <a:lumOff val="60000"/>
+                    </a:schemeClr>
+                  </a:bgClr>
+                </a:pattFill>
+                <a:effectLst>
+                  <a:innerShdw blurRad="177800">
+                    <a:schemeClr val="accent3">
+                      <a:lumMod val="50000"/>
+                    </a:schemeClr>
+                  </a:innerShdw>
+                </a:effectLst>
+              </a:rPr>
+              <a:t>系统全局区（</a:t>
+            </a:r>
+            <a:r>
+              <a:rPr lang="en-US" altLang="zh-CN" sz="2400">
+                <a:ln w="12700">
+                  <a:solidFill>
+                    <a:schemeClr val="accent3">
+                      <a:lumMod val="50000"/>
+                    </a:schemeClr>
+                  </a:solidFill>
+                  <a:prstDash val="solid"/>
+                </a:ln>
+                <a:pattFill prst="narHorz">
+                  <a:fgClr>
+                    <a:schemeClr val="accent3"/>
+                  </a:fgClr>
+                  <a:bgClr>
+                    <a:schemeClr val="accent3">
+                      <a:lumMod val="40000"/>
+                      <a:lumOff val="60000"/>
+                    </a:schemeClr>
+                  </a:bgClr>
+                </a:pattFill>
+                <a:effectLst>
+                  <a:innerShdw blurRad="177800">
+                    <a:schemeClr val="accent3">
+                      <a:lumMod val="50000"/>
+                    </a:schemeClr>
+                  </a:innerShdw>
+                </a:effectLst>
+              </a:rPr>
+              <a:t>System Global Area</a:t>
+            </a:r>
+            <a:r>
+              <a:rPr lang="zh-CN" altLang="en-US" sz="2400">
+                <a:ln w="12700">
+                  <a:solidFill>
+                    <a:schemeClr val="accent3">
+                      <a:lumMod val="50000"/>
+                    </a:schemeClr>
+                  </a:solidFill>
+                  <a:prstDash val="solid"/>
+                </a:ln>
+                <a:pattFill prst="narHorz">
+                  <a:fgClr>
+                    <a:schemeClr val="accent3"/>
+                  </a:fgClr>
+                  <a:bgClr>
+                    <a:schemeClr val="accent3">
+                      <a:lumMod val="40000"/>
+                      <a:lumOff val="60000"/>
+                    </a:schemeClr>
+                  </a:bgClr>
+                </a:pattFill>
+                <a:effectLst>
+                  <a:innerShdw blurRad="177800">
+                    <a:schemeClr val="accent3">
+                      <a:lumMod val="50000"/>
+                    </a:schemeClr>
+                  </a:innerShdw>
+                </a:effectLst>
+              </a:rPr>
+              <a:t>，</a:t>
+            </a:r>
+            <a:r>
+              <a:rPr lang="en-US" altLang="zh-CN" sz="2400">
+                <a:ln w="12700">
+                  <a:solidFill>
+                    <a:schemeClr val="accent3">
+                      <a:lumMod val="50000"/>
+                    </a:schemeClr>
+                  </a:solidFill>
+                  <a:prstDash val="solid"/>
+                </a:ln>
+                <a:pattFill prst="narHorz">
+                  <a:fgClr>
+                    <a:schemeClr val="accent3"/>
+                  </a:fgClr>
+                  <a:bgClr>
+                    <a:schemeClr val="accent3">
+                      <a:lumMod val="40000"/>
+                      <a:lumOff val="60000"/>
+                    </a:schemeClr>
+                  </a:bgClr>
+                </a:pattFill>
+                <a:effectLst>
+                  <a:innerShdw blurRad="177800">
+                    <a:schemeClr val="accent3">
+                      <a:lumMod val="50000"/>
+                    </a:schemeClr>
+                  </a:innerShdw>
+                </a:effectLst>
+              </a:rPr>
+              <a:t>SGA</a:t>
+            </a:r>
+            <a:r>
+              <a:rPr lang="zh-CN" altLang="en-US" sz="2400">
+                <a:ln w="12700">
+                  <a:solidFill>
+                    <a:schemeClr val="accent3">
+                      <a:lumMod val="50000"/>
+                    </a:schemeClr>
+                  </a:solidFill>
+                  <a:prstDash val="solid"/>
+                </a:ln>
+                <a:pattFill prst="narHorz">
+                  <a:fgClr>
+                    <a:schemeClr val="accent3"/>
+                  </a:fgClr>
+                  <a:bgClr>
+                    <a:schemeClr val="accent3">
+                      <a:lumMod val="40000"/>
+                      <a:lumOff val="60000"/>
+                    </a:schemeClr>
+                  </a:bgClr>
+                </a:pattFill>
+                <a:effectLst>
+                  <a:innerShdw blurRad="177800">
+                    <a:schemeClr val="accent3">
+                      <a:lumMod val="50000"/>
+                    </a:schemeClr>
+                  </a:innerShdw>
+                </a:effectLst>
+              </a:rPr>
+              <a:t>）</a:t>
+            </a:r>
+            <a:endParaRPr lang="zh-CN" altLang="en-US" sz="2400">
+              <a:ln w="12700">
+                <a:solidFill>
+                  <a:schemeClr val="accent3">
+                    <a:lumMod val="50000"/>
+                  </a:schemeClr>
+                </a:solidFill>
+                <a:prstDash val="solid"/>
+              </a:ln>
+              <a:pattFill prst="narHorz">
+                <a:fgClr>
+                  <a:schemeClr val="accent3"/>
+                </a:fgClr>
+                <a:bgClr>
+                  <a:schemeClr val="accent3">
+                    <a:lumMod val="40000"/>
+                    <a:lumOff val="60000"/>
+                  </a:schemeClr>
+                </a:bgClr>
+              </a:pattFill>
+              <a:effectLst>
+                <a:innerShdw blurRad="177800">
+                  <a:schemeClr val="accent3">
+                    <a:lumMod val="50000"/>
+                  </a:schemeClr>
+                </a:innerShdw>
+              </a:effectLst>
+            </a:endParaRPr>
+          </a:p>
+        </p:txBody>
+      </p:sp>
+      <p:sp>
+        <p:nvSpPr>
+          <p:cNvPr id="6" name="圆角矩形 5"/>
+          <p:cNvSpPr/>
+          <p:nvPr/>
+        </p:nvSpPr>
+        <p:spPr>
+          <a:xfrm>
+            <a:off x="2701290" y="2634615"/>
+            <a:ext cx="1854200" cy="2091690"/>
+          </a:xfrm>
+          <a:prstGeom prst="roundRect">
+            <a:avLst/>
+          </a:prstGeom>
+        </p:spPr>
+        <p:style>
+          <a:lnRef idx="1">
+            <a:schemeClr val="accent4"/>
+          </a:lnRef>
+          <a:fillRef idx="2">
+            <a:schemeClr val="accent4"/>
+          </a:fillRef>
+          <a:effectRef idx="1">
+            <a:schemeClr val="accent4"/>
+          </a:effectRef>
+          <a:fontRef idx="minor">
+            <a:schemeClr val="dk1"/>
+          </a:fontRef>
+        </p:style>
+        <p:txBody>
+          <a:bodyPr rtlCol="0" anchor="ctr"/>
+          <a:p>
+            <a:pPr algn="ctr"/>
+            <a:endParaRPr lang="zh-CN" altLang="en-US"/>
+          </a:p>
+        </p:txBody>
+      </p:sp>
+      <p:sp>
+        <p:nvSpPr>
+          <p:cNvPr id="42" name="矩形 41"/>
+          <p:cNvSpPr/>
+          <p:nvPr/>
+        </p:nvSpPr>
+        <p:spPr>
+          <a:xfrm>
+            <a:off x="8235950" y="2999740"/>
+            <a:ext cx="1347470" cy="270000"/>
+          </a:xfrm>
+          <a:prstGeom prst="rect">
+            <a:avLst/>
+          </a:prstGeom>
+        </p:spPr>
+        <p:style>
+          <a:lnRef idx="1">
+            <a:schemeClr val="accent6"/>
+          </a:lnRef>
+          <a:fillRef idx="2">
+            <a:schemeClr val="accent6"/>
+          </a:fillRef>
+          <a:effectRef idx="1">
+            <a:schemeClr val="accent6"/>
+          </a:effectRef>
+          <a:fontRef idx="minor">
+            <a:schemeClr val="dk1"/>
+          </a:fontRef>
+        </p:style>
+        <p:txBody>
+          <a:bodyPr rtlCol="0" anchor="ctr"/>
+          <a:p>
+            <a:pPr algn="ctr"/>
+            <a:r>
+              <a:rPr lang="en-US" altLang="zh-CN" sz="900"/>
+              <a:t>Large Pool</a:t>
+            </a:r>
+            <a:endParaRPr lang="en-US" altLang="zh-CN" sz="900"/>
+          </a:p>
+        </p:txBody>
+      </p:sp>
+      <p:sp>
+        <p:nvSpPr>
+          <p:cNvPr id="43" name="矩形 42"/>
+          <p:cNvSpPr/>
+          <p:nvPr/>
+        </p:nvSpPr>
+        <p:spPr>
+          <a:xfrm>
+            <a:off x="8235950" y="3705985"/>
+            <a:ext cx="1347470" cy="269875"/>
+          </a:xfrm>
+          <a:prstGeom prst="rect">
+            <a:avLst/>
+          </a:prstGeom>
+        </p:spPr>
+        <p:style>
+          <a:lnRef idx="1">
+            <a:schemeClr val="accent6"/>
+          </a:lnRef>
+          <a:fillRef idx="2">
+            <a:schemeClr val="accent6"/>
+          </a:fillRef>
+          <a:effectRef idx="1">
+            <a:schemeClr val="accent6"/>
+          </a:effectRef>
+          <a:fontRef idx="minor">
+            <a:schemeClr val="dk1"/>
+          </a:fontRef>
+        </p:style>
+        <p:txBody>
+          <a:bodyPr rtlCol="0" anchor="ctr"/>
+          <a:p>
+            <a:pPr algn="ctr"/>
+            <a:r>
+              <a:rPr lang="en-US" altLang="zh-CN" sz="900"/>
+              <a:t>Streams Pool</a:t>
+            </a:r>
+            <a:endParaRPr lang="en-US" altLang="zh-CN" sz="900"/>
+          </a:p>
+        </p:txBody>
+      </p:sp>
+      <p:sp>
+        <p:nvSpPr>
+          <p:cNvPr id="44" name="矩形 43"/>
+          <p:cNvSpPr/>
+          <p:nvPr/>
+        </p:nvSpPr>
+        <p:spPr>
+          <a:xfrm>
+            <a:off x="8235950" y="3352925"/>
+            <a:ext cx="1347470" cy="269875"/>
+          </a:xfrm>
+          <a:prstGeom prst="rect">
+            <a:avLst/>
+          </a:prstGeom>
+        </p:spPr>
+        <p:style>
+          <a:lnRef idx="1">
+            <a:schemeClr val="accent6"/>
+          </a:lnRef>
+          <a:fillRef idx="2">
+            <a:schemeClr val="accent6"/>
+          </a:fillRef>
+          <a:effectRef idx="1">
+            <a:schemeClr val="accent6"/>
+          </a:effectRef>
+          <a:fontRef idx="minor">
+            <a:schemeClr val="dk1"/>
+          </a:fontRef>
+        </p:style>
+        <p:txBody>
+          <a:bodyPr rtlCol="0" anchor="ctr"/>
+          <a:p>
+            <a:pPr algn="ctr"/>
+            <a:r>
+              <a:rPr lang="en-US" altLang="zh-CN" sz="900"/>
+              <a:t>Java Pool</a:t>
+            </a:r>
+            <a:endParaRPr lang="en-US" altLang="zh-CN" sz="900"/>
+          </a:p>
+        </p:txBody>
+      </p:sp>
+      <p:sp>
+        <p:nvSpPr>
+          <p:cNvPr id="36" name="文本框 35"/>
+          <p:cNvSpPr txBox="1"/>
+          <p:nvPr/>
+        </p:nvSpPr>
+        <p:spPr>
+          <a:xfrm>
+            <a:off x="3002280" y="2735580"/>
+            <a:ext cx="1252220" cy="306705"/>
+          </a:xfrm>
+          <a:prstGeom prst="rect">
+            <a:avLst/>
+          </a:prstGeom>
+          <a:noFill/>
+        </p:spPr>
+        <p:txBody>
+          <a:bodyPr wrap="square" rtlCol="0">
+            <a:spAutoFit/>
+          </a:bodyPr>
+          <a:p>
+            <a:r>
+              <a:rPr lang="en-US" altLang="zh-CN" sz="1400"/>
+              <a:t>Shared Pool</a:t>
+            </a:r>
+            <a:endParaRPr lang="en-US" altLang="zh-CN" sz="1400"/>
+          </a:p>
+        </p:txBody>
+      </p:sp>
+      <p:sp>
+        <p:nvSpPr>
+          <p:cNvPr id="37" name="矩形 36"/>
+          <p:cNvSpPr/>
+          <p:nvPr/>
+        </p:nvSpPr>
+        <p:spPr>
+          <a:xfrm>
+            <a:off x="2830830" y="3042285"/>
+            <a:ext cx="1584325" cy="820420"/>
+          </a:xfrm>
+          <a:prstGeom prst="rect">
+            <a:avLst/>
+          </a:prstGeom>
+        </p:spPr>
+        <p:style>
+          <a:lnRef idx="1">
+            <a:schemeClr val="accent6"/>
+          </a:lnRef>
+          <a:fillRef idx="2">
+            <a:schemeClr val="accent6"/>
+          </a:fillRef>
+          <a:effectRef idx="1">
+            <a:schemeClr val="accent6"/>
+          </a:effectRef>
+          <a:fontRef idx="minor">
+            <a:schemeClr val="dk1"/>
+          </a:fontRef>
+        </p:style>
+        <p:txBody>
+          <a:bodyPr rtlCol="0" anchor="t" anchorCtr="0"/>
+          <a:p>
+            <a:pPr algn="l"/>
+            <a:r>
+              <a:rPr lang="en-US" altLang="zh-CN" sz="900"/>
+              <a:t>Library Cache</a:t>
+            </a:r>
+            <a:endParaRPr lang="en-US" altLang="zh-CN" sz="900"/>
+          </a:p>
+        </p:txBody>
+      </p:sp>
+      <p:sp>
+        <p:nvSpPr>
+          <p:cNvPr id="8" name="圆角矩形 7"/>
+          <p:cNvSpPr/>
+          <p:nvPr/>
+        </p:nvSpPr>
+        <p:spPr>
+          <a:xfrm>
+            <a:off x="2877185" y="3288030"/>
+            <a:ext cx="1502410" cy="227965"/>
+          </a:xfrm>
+          <a:prstGeom prst="roundRect">
+            <a:avLst/>
+          </a:prstGeom>
+        </p:spPr>
+        <p:style>
+          <a:lnRef idx="1">
+            <a:schemeClr val="accent2"/>
+          </a:lnRef>
+          <a:fillRef idx="2">
+            <a:schemeClr val="accent2"/>
+          </a:fillRef>
+          <a:effectRef idx="1">
+            <a:schemeClr val="accent2"/>
+          </a:effectRef>
+          <a:fontRef idx="minor">
+            <a:schemeClr val="dk1"/>
+          </a:fontRef>
+        </p:style>
+        <p:txBody>
+          <a:bodyPr rtlCol="0" anchor="ctr"/>
+          <a:p>
+            <a:pPr algn="ctr"/>
+            <a:r>
+              <a:rPr lang="en-US" altLang="zh-CN" sz="1200"/>
+              <a:t>Shared SQL Area</a:t>
+            </a:r>
+            <a:endParaRPr lang="en-US" altLang="zh-CN" sz="1200"/>
+          </a:p>
+        </p:txBody>
+      </p:sp>
+      <p:sp>
+        <p:nvSpPr>
+          <p:cNvPr id="12" name="圆角矩形 11"/>
+          <p:cNvSpPr/>
+          <p:nvPr/>
+        </p:nvSpPr>
+        <p:spPr>
+          <a:xfrm>
+            <a:off x="2933700" y="3566795"/>
+            <a:ext cx="1378585" cy="227965"/>
+          </a:xfrm>
+          <a:prstGeom prst="roundRect">
+            <a:avLst/>
+          </a:prstGeom>
+        </p:spPr>
+        <p:style>
+          <a:lnRef idx="1">
+            <a:schemeClr val="accent2"/>
+          </a:lnRef>
+          <a:fillRef idx="2">
+            <a:schemeClr val="accent2"/>
+          </a:fillRef>
+          <a:effectRef idx="1">
+            <a:schemeClr val="accent2"/>
+          </a:effectRef>
+          <a:fontRef idx="minor">
+            <a:schemeClr val="dk1"/>
+          </a:fontRef>
+        </p:style>
+        <p:txBody>
+          <a:bodyPr rtlCol="0" anchor="ctr"/>
+          <a:p>
+            <a:pPr algn="ctr"/>
+            <a:r>
+              <a:rPr lang="en-US" altLang="zh-CN" sz="1200"/>
+              <a:t>Private SQL Area</a:t>
+            </a:r>
+            <a:endParaRPr lang="en-US" altLang="zh-CN" sz="1200"/>
+          </a:p>
+        </p:txBody>
+      </p:sp>
+      <p:sp>
+        <p:nvSpPr>
+          <p:cNvPr id="13" name="矩形 12"/>
+          <p:cNvSpPr/>
+          <p:nvPr/>
+        </p:nvSpPr>
+        <p:spPr>
+          <a:xfrm>
+            <a:off x="4726940" y="2634615"/>
+            <a:ext cx="1320165" cy="2092325"/>
+          </a:xfrm>
+          <a:prstGeom prst="rect">
+            <a:avLst/>
+          </a:prstGeom>
+        </p:spPr>
+        <p:style>
+          <a:lnRef idx="1">
+            <a:schemeClr val="accent4"/>
+          </a:lnRef>
+          <a:fillRef idx="2">
+            <a:schemeClr val="accent4"/>
+          </a:fillRef>
+          <a:effectRef idx="1">
+            <a:schemeClr val="accent4"/>
+          </a:effectRef>
+          <a:fontRef idx="minor">
+            <a:schemeClr val="dk1"/>
+          </a:fontRef>
+        </p:style>
+        <p:txBody>
+          <a:bodyPr rtlCol="0" anchor="ctr"/>
+          <a:p>
+            <a:pPr algn="ctr"/>
+            <a:endParaRPr lang="zh-CN" altLang="en-US"/>
+          </a:p>
+        </p:txBody>
+      </p:sp>
+      <p:sp>
+        <p:nvSpPr>
+          <p:cNvPr id="14" name="文本框 13"/>
+          <p:cNvSpPr txBox="1"/>
+          <p:nvPr/>
+        </p:nvSpPr>
+        <p:spPr>
+          <a:xfrm>
+            <a:off x="4769485" y="2766060"/>
+            <a:ext cx="1235710" cy="521970"/>
+          </a:xfrm>
+          <a:prstGeom prst="rect">
+            <a:avLst/>
+          </a:prstGeom>
+          <a:noFill/>
+        </p:spPr>
+        <p:txBody>
+          <a:bodyPr wrap="square" rtlCol="0">
+            <a:spAutoFit/>
+          </a:bodyPr>
+          <a:p>
+            <a:pPr algn="ctr"/>
+            <a:r>
+              <a:rPr lang="en-US" altLang="zh-CN" sz="1400"/>
+              <a:t>Database Buffer Cache</a:t>
+            </a:r>
+            <a:endParaRPr lang="en-US" altLang="zh-CN" sz="1400"/>
+          </a:p>
+        </p:txBody>
+      </p:sp>
+      <p:graphicFrame>
+        <p:nvGraphicFramePr>
+          <p:cNvPr id="15" name="表格 14"/>
+          <p:cNvGraphicFramePr/>
+          <p:nvPr>
+            <p:custDataLst>
+              <p:tags r:id="rId1"/>
+            </p:custDataLst>
+          </p:nvPr>
+        </p:nvGraphicFramePr>
+        <p:xfrm>
+          <a:off x="4863465" y="3920490"/>
+          <a:ext cx="1010920" cy="758825"/>
+        </p:xfrm>
+        <a:graphic>
+          <a:graphicData uri="http://schemas.openxmlformats.org/drawingml/2006/table">
+            <a:tbl>
+              <a:tblPr firstRow="1" bandRow="1">
+                <a:tableStyleId>{5C22544A-7EE6-4342-B048-85BDC9FD1C3A}</a:tableStyleId>
+              </a:tblPr>
+              <a:tblGrid>
+                <a:gridCol w="126365"/>
+                <a:gridCol w="126365"/>
+                <a:gridCol w="126365"/>
+                <a:gridCol w="44450"/>
+                <a:gridCol w="208280"/>
+                <a:gridCol w="126365"/>
+                <a:gridCol w="126365"/>
+                <a:gridCol w="126365"/>
+              </a:tblGrid>
+              <a:tr h="289560">
+                <a:tc>
+                  <a:txBody>
+                    <a:bodyPr/>
+                    <a:p>
+                      <a:pPr algn="ctr">
+                        <a:lnSpc>
+                          <a:spcPct val="120000"/>
+                        </a:lnSpc>
+                        <a:spcBef>
+                          <a:spcPts val="0"/>
+                        </a:spcBef>
+                        <a:spcAft>
+                          <a:spcPts val="0"/>
+                        </a:spcAft>
+                        <a:buNone/>
+                      </a:pPr>
+                      <a:endParaRPr lang="zh-CN" altLang="en-US" sz="300" spc="60">
+                        <a:solidFill>
+                          <a:srgbClr val="FFFFFF"/>
+                        </a:solidFill>
+                        <a:latin typeface="微软雅黑" panose="020B0503020204020204" pitchFamily="34" charset="-122"/>
+                        <a:ea typeface="微软雅黑" panose="020B0503020204020204" pitchFamily="34" charset="-122"/>
+                      </a:endParaRPr>
+                    </a:p>
+                  </a:txBody>
+                  <a:tcPr marL="12700" marR="12700" marT="12700" marB="12700" anchor="ctr">
+                    <a:lnL>
+                      <a:noFill/>
+                    </a:lnL>
+                    <a:lnR>
+                      <a:noFill/>
+                    </a:lnR>
+                    <a:lnT>
+                      <a:noFill/>
+                    </a:lnT>
+                    <a:lnB>
+                      <a:noFill/>
+                    </a:lnB>
+                    <a:solidFill>
+                      <a:srgbClr val="595959"/>
+                    </a:solidFill>
+                  </a:tcPr>
+                </a:tc>
+                <a:tc>
+                  <a:txBody>
+                    <a:bodyPr/>
+                    <a:p>
+                      <a:pPr algn="ctr">
+                        <a:lnSpc>
+                          <a:spcPct val="120000"/>
+                        </a:lnSpc>
+                        <a:spcBef>
+                          <a:spcPts val="0"/>
+                        </a:spcBef>
+                        <a:spcAft>
+                          <a:spcPts val="0"/>
+                        </a:spcAft>
+                        <a:buNone/>
+                      </a:pPr>
+                      <a:endParaRPr lang="zh-CN" altLang="en-US" sz="300" spc="60">
+                        <a:solidFill>
+                          <a:srgbClr val="FFFFFF"/>
+                        </a:solidFill>
+                        <a:latin typeface="微软雅黑" panose="020B0503020204020204" pitchFamily="34" charset="-122"/>
+                        <a:ea typeface="微软雅黑" panose="020B0503020204020204" pitchFamily="34" charset="-122"/>
+                      </a:endParaRPr>
+                    </a:p>
+                  </a:txBody>
+                  <a:tcPr marL="12700" marR="12700" marT="12700" marB="12700" anchor="ctr">
+                    <a:lnL>
+                      <a:noFill/>
+                    </a:lnL>
+                    <a:lnR>
+                      <a:noFill/>
+                    </a:lnR>
+                    <a:lnT>
+                      <a:noFill/>
+                    </a:lnT>
+                    <a:lnB>
+                      <a:noFill/>
+                    </a:lnB>
+                    <a:solidFill>
+                      <a:srgbClr val="F98638"/>
+                    </a:solidFill>
+                  </a:tcPr>
+                </a:tc>
+                <a:tc>
+                  <a:txBody>
+                    <a:bodyPr/>
+                    <a:p>
+                      <a:pPr algn="ctr">
+                        <a:lnSpc>
+                          <a:spcPct val="120000"/>
+                        </a:lnSpc>
+                        <a:spcBef>
+                          <a:spcPts val="0"/>
+                        </a:spcBef>
+                        <a:spcAft>
+                          <a:spcPts val="0"/>
+                        </a:spcAft>
+                        <a:buNone/>
+                      </a:pPr>
+                      <a:endParaRPr lang="zh-CN" altLang="en-US" sz="300" spc="60">
+                        <a:solidFill>
+                          <a:srgbClr val="FFFFFF"/>
+                        </a:solidFill>
+                        <a:latin typeface="微软雅黑" panose="020B0503020204020204" pitchFamily="34" charset="-122"/>
+                        <a:ea typeface="微软雅黑" panose="020B0503020204020204" pitchFamily="34" charset="-122"/>
+                      </a:endParaRPr>
+                    </a:p>
+                  </a:txBody>
+                  <a:tcPr marL="12700" marR="12700" marT="12700" marB="12700" anchor="ctr">
+                    <a:lnL>
+                      <a:noFill/>
+                    </a:lnL>
+                    <a:lnR>
+                      <a:noFill/>
+                    </a:lnR>
+                    <a:lnT>
+                      <a:noFill/>
+                    </a:lnT>
+                    <a:lnB>
+                      <a:noFill/>
+                    </a:lnB>
+                    <a:solidFill>
+                      <a:srgbClr val="FFB829"/>
+                    </a:solidFill>
+                  </a:tcPr>
+                </a:tc>
+                <a:tc>
+                  <a:txBody>
+                    <a:bodyPr/>
+                    <a:p>
+                      <a:pPr algn="ctr">
+                        <a:lnSpc>
+                          <a:spcPct val="120000"/>
+                        </a:lnSpc>
+                        <a:spcBef>
+                          <a:spcPts val="0"/>
+                        </a:spcBef>
+                        <a:spcAft>
+                          <a:spcPts val="0"/>
+                        </a:spcAft>
+                        <a:buNone/>
+                      </a:pPr>
+                      <a:endParaRPr lang="zh-CN" altLang="en-US" sz="300" spc="60">
+                        <a:solidFill>
+                          <a:srgbClr val="FFFFFF"/>
+                        </a:solidFill>
+                        <a:latin typeface="微软雅黑" panose="020B0503020204020204" pitchFamily="34" charset="-122"/>
+                        <a:ea typeface="微软雅黑" panose="020B0503020204020204" pitchFamily="34" charset="-122"/>
+                      </a:endParaRPr>
+                    </a:p>
+                  </a:txBody>
+                  <a:tcPr marL="12700" marR="12700" marT="12700" marB="12700" anchor="ctr">
+                    <a:lnL>
+                      <a:noFill/>
+                    </a:lnL>
+                    <a:lnR>
+                      <a:noFill/>
+                    </a:lnR>
+                    <a:lnT>
+                      <a:noFill/>
+                    </a:lnT>
+                    <a:lnB>
+                      <a:noFill/>
+                    </a:lnB>
+                    <a:solidFill>
+                      <a:srgbClr val="37BECC"/>
+                    </a:solidFill>
+                  </a:tcPr>
+                </a:tc>
+                <a:tc>
+                  <a:txBody>
+                    <a:bodyPr/>
+                    <a:p>
+                      <a:pPr algn="ctr">
+                        <a:lnSpc>
+                          <a:spcPct val="120000"/>
+                        </a:lnSpc>
+                        <a:spcBef>
+                          <a:spcPts val="0"/>
+                        </a:spcBef>
+                        <a:spcAft>
+                          <a:spcPts val="0"/>
+                        </a:spcAft>
+                        <a:buNone/>
+                      </a:pPr>
+                      <a:endParaRPr lang="zh-CN" altLang="en-US" sz="300" spc="60">
+                        <a:solidFill>
+                          <a:srgbClr val="FFFFFF"/>
+                        </a:solidFill>
+                        <a:latin typeface="微软雅黑" panose="020B0503020204020204" pitchFamily="34" charset="-122"/>
+                        <a:ea typeface="微软雅黑" panose="020B0503020204020204" pitchFamily="34" charset="-122"/>
+                      </a:endParaRPr>
+                    </a:p>
+                  </a:txBody>
+                  <a:tcPr marL="12700" marR="12700" marT="12700" marB="12700" anchor="ctr">
+                    <a:lnL>
+                      <a:noFill/>
+                    </a:lnL>
+                    <a:lnR>
+                      <a:noFill/>
+                    </a:lnR>
+                    <a:lnT>
+                      <a:noFill/>
+                    </a:lnT>
+                    <a:lnB>
+                      <a:noFill/>
+                    </a:lnB>
+                    <a:solidFill>
+                      <a:srgbClr val="1687A5"/>
+                    </a:solidFill>
+                  </a:tcPr>
+                </a:tc>
+                <a:tc>
+                  <a:txBody>
+                    <a:bodyPr/>
+                    <a:p>
+                      <a:pPr algn="ctr">
+                        <a:lnSpc>
+                          <a:spcPct val="120000"/>
+                        </a:lnSpc>
+                        <a:spcBef>
+                          <a:spcPts val="0"/>
+                        </a:spcBef>
+                        <a:spcAft>
+                          <a:spcPts val="0"/>
+                        </a:spcAft>
+                        <a:buNone/>
+                      </a:pPr>
+                      <a:endParaRPr lang="zh-CN" altLang="en-US" sz="300" spc="60">
+                        <a:solidFill>
+                          <a:srgbClr val="FFFFFF"/>
+                        </a:solidFill>
+                        <a:latin typeface="微软雅黑" panose="020B0503020204020204" pitchFamily="34" charset="-122"/>
+                        <a:ea typeface="微软雅黑" panose="020B0503020204020204" pitchFamily="34" charset="-122"/>
+                      </a:endParaRPr>
+                    </a:p>
+                  </a:txBody>
+                  <a:tcPr marL="12700" marR="12700" marT="12700" marB="12700" anchor="ctr">
+                    <a:lnL>
+                      <a:noFill/>
+                    </a:lnL>
+                    <a:lnR>
+                      <a:noFill/>
+                    </a:lnR>
+                    <a:lnT>
+                      <a:noFill/>
+                    </a:lnT>
+                    <a:lnB>
+                      <a:noFill/>
+                    </a:lnB>
+                    <a:solidFill>
+                      <a:srgbClr val="3A3A47"/>
+                    </a:solidFill>
+                  </a:tcPr>
+                </a:tc>
+                <a:tc>
+                  <a:txBody>
+                    <a:bodyPr/>
+                    <a:p>
+                      <a:pPr algn="ctr">
+                        <a:lnSpc>
+                          <a:spcPct val="120000"/>
+                        </a:lnSpc>
+                        <a:spcBef>
+                          <a:spcPts val="0"/>
+                        </a:spcBef>
+                        <a:spcAft>
+                          <a:spcPts val="0"/>
+                        </a:spcAft>
+                        <a:buNone/>
+                      </a:pPr>
+                      <a:endParaRPr lang="zh-CN" altLang="en-US" sz="300" spc="60">
+                        <a:solidFill>
+                          <a:srgbClr val="FFFFFF"/>
+                        </a:solidFill>
+                        <a:latin typeface="微软雅黑" panose="020B0503020204020204" pitchFamily="34" charset="-122"/>
+                        <a:ea typeface="微软雅黑" panose="020B0503020204020204" pitchFamily="34" charset="-122"/>
+                      </a:endParaRPr>
+                    </a:p>
+                  </a:txBody>
+                  <a:tcPr marL="12700" marR="12700" marT="12700" marB="12700" anchor="ctr">
+                    <a:lnL>
+                      <a:noFill/>
+                    </a:lnL>
+                    <a:lnR>
+                      <a:noFill/>
+                    </a:lnR>
+                    <a:lnT>
+                      <a:noFill/>
+                    </a:lnT>
+                    <a:lnB>
+                      <a:noFill/>
+                    </a:lnB>
+                    <a:solidFill>
+                      <a:srgbClr val="C7DADD"/>
+                    </a:solidFill>
+                  </a:tcPr>
+                </a:tc>
+                <a:tc>
+                  <a:txBody>
+                    <a:bodyPr/>
+                    <a:p>
+                      <a:pPr algn="ctr">
+                        <a:lnSpc>
+                          <a:spcPct val="120000"/>
+                        </a:lnSpc>
+                        <a:spcBef>
+                          <a:spcPts val="0"/>
+                        </a:spcBef>
+                        <a:spcAft>
+                          <a:spcPts val="0"/>
+                        </a:spcAft>
+                        <a:buNone/>
+                      </a:pPr>
+                      <a:endParaRPr lang="zh-CN" altLang="en-US" sz="300" spc="60">
+                        <a:solidFill>
+                          <a:srgbClr val="FFFFFF"/>
+                        </a:solidFill>
+                        <a:latin typeface="微软雅黑" panose="020B0503020204020204" pitchFamily="34" charset="-122"/>
+                        <a:ea typeface="微软雅黑" panose="020B0503020204020204" pitchFamily="34" charset="-122"/>
+                      </a:endParaRPr>
+                    </a:p>
+                  </a:txBody>
+                  <a:tcPr marL="12700" marR="12700" marT="12700" marB="12700" anchor="ctr">
+                    <a:lnL>
+                      <a:noFill/>
+                    </a:lnL>
+                    <a:lnR>
+                      <a:noFill/>
+                    </a:lnR>
+                    <a:lnT>
+                      <a:noFill/>
+                    </a:lnT>
+                    <a:lnB>
+                      <a:noFill/>
+                    </a:lnB>
+                    <a:solidFill>
+                      <a:srgbClr val="F98638"/>
+                    </a:solidFill>
+                  </a:tcPr>
+                </a:tc>
+              </a:tr>
+              <a:tr h="156845">
+                <a:tc>
+                  <a:txBody>
+                    <a:bodyPr/>
+                    <a:p>
+                      <a:pPr algn="ctr">
+                        <a:lnSpc>
+                          <a:spcPct val="120000"/>
+                        </a:lnSpc>
+                        <a:spcBef>
+                          <a:spcPts val="0"/>
+                        </a:spcBef>
+                        <a:spcAft>
+                          <a:spcPts val="0"/>
+                        </a:spcAft>
+                        <a:buNone/>
+                      </a:pPr>
+                      <a:endParaRPr lang="zh-CN" altLang="en-US" sz="100" spc="60">
+                        <a:solidFill>
+                          <a:srgbClr val="404040"/>
+                        </a:solidFill>
+                        <a:latin typeface="微软雅黑" panose="020B0503020204020204" pitchFamily="34" charset="-122"/>
+                        <a:ea typeface="微软雅黑" panose="020B0503020204020204" pitchFamily="34" charset="-122"/>
+                      </a:endParaRPr>
+                    </a:p>
+                  </a:txBody>
+                  <a:tcPr marL="12700" marR="12700" marT="12700" marB="12700" anchor="ctr">
+                    <a:lnL>
+                      <a:noFill/>
+                    </a:lnL>
+                    <a:lnR w="12700">
+                      <a:solidFill>
+                        <a:srgbClr val="D9D9D9"/>
+                      </a:solidFill>
+                      <a:prstDash val="solid"/>
+                    </a:lnR>
+                    <a:lnT>
+                      <a:noFill/>
+                    </a:lnT>
+                    <a:lnB>
+                      <a:noFill/>
+                    </a:lnB>
+                    <a:solidFill>
+                      <a:srgbClr val="FFFFFF"/>
+                    </a:solidFill>
+                  </a:tcPr>
+                </a:tc>
+                <a:tc>
+                  <a:txBody>
+                    <a:bodyPr/>
+                    <a:p>
+                      <a:pPr algn="ctr">
+                        <a:lnSpc>
+                          <a:spcPct val="120000"/>
+                        </a:lnSpc>
+                        <a:spcBef>
+                          <a:spcPts val="0"/>
+                        </a:spcBef>
+                        <a:spcAft>
+                          <a:spcPts val="0"/>
+                        </a:spcAft>
+                        <a:buNone/>
+                      </a:pPr>
+                      <a:endParaRPr lang="zh-CN" altLang="en-US" sz="100" spc="60">
+                        <a:solidFill>
+                          <a:srgbClr val="404040"/>
+                        </a:solidFill>
+                        <a:latin typeface="微软雅黑" panose="020B0503020204020204" pitchFamily="34" charset="-122"/>
+                        <a:ea typeface="微软雅黑" panose="020B0503020204020204" pitchFamily="34" charset="-122"/>
+                      </a:endParaRPr>
+                    </a:p>
+                  </a:txBody>
+                  <a:tcPr marL="12700" marR="12700" marT="12700" marB="12700" anchor="ctr">
+                    <a:lnL w="12700">
+                      <a:solidFill>
+                        <a:srgbClr val="D9D9D9"/>
+                      </a:solidFill>
+                      <a:prstDash val="solid"/>
+                    </a:lnL>
+                    <a:lnR w="6350">
+                      <a:solidFill>
+                        <a:srgbClr val="D9D9D9"/>
+                      </a:solidFill>
+                      <a:prstDash val="solid"/>
+                    </a:lnR>
+                    <a:lnT>
+                      <a:noFill/>
+                    </a:lnT>
+                    <a:lnB>
+                      <a:noFill/>
+                    </a:lnB>
+                    <a:solidFill>
+                      <a:srgbClr val="FFFFFF"/>
+                    </a:solidFill>
+                  </a:tcPr>
+                </a:tc>
+                <a:tc>
+                  <a:txBody>
+                    <a:bodyPr/>
+                    <a:p>
+                      <a:pPr algn="ctr">
+                        <a:lnSpc>
+                          <a:spcPct val="120000"/>
+                        </a:lnSpc>
+                        <a:spcBef>
+                          <a:spcPts val="0"/>
+                        </a:spcBef>
+                        <a:spcAft>
+                          <a:spcPts val="0"/>
+                        </a:spcAft>
+                        <a:buNone/>
+                      </a:pPr>
+                      <a:endParaRPr lang="zh-CN" altLang="en-US" sz="100" spc="60">
+                        <a:solidFill>
+                          <a:srgbClr val="404040"/>
+                        </a:solidFill>
+                        <a:latin typeface="微软雅黑" panose="020B0503020204020204" pitchFamily="34" charset="-122"/>
+                        <a:ea typeface="微软雅黑" panose="020B0503020204020204" pitchFamily="34" charset="-122"/>
+                      </a:endParaRPr>
+                    </a:p>
+                  </a:txBody>
+                  <a:tcPr marL="12700" marR="12700" marT="12700" marB="12700" anchor="ctr">
+                    <a:lnL w="6350">
+                      <a:solidFill>
+                        <a:srgbClr val="D9D9D9"/>
+                      </a:solidFill>
+                      <a:prstDash val="solid"/>
+                    </a:lnL>
+                    <a:lnR w="6350">
+                      <a:solidFill>
+                        <a:srgbClr val="D9D9D9"/>
+                      </a:solidFill>
+                      <a:prstDash val="solid"/>
+                    </a:lnR>
+                    <a:lnT>
+                      <a:noFill/>
+                    </a:lnT>
+                    <a:lnB>
+                      <a:noFill/>
+                    </a:lnB>
+                    <a:solidFill>
+                      <a:srgbClr val="FFFFFF"/>
+                    </a:solidFill>
+                  </a:tcPr>
+                </a:tc>
+                <a:tc>
+                  <a:txBody>
+                    <a:bodyPr/>
+                    <a:p>
+                      <a:pPr algn="ctr">
+                        <a:lnSpc>
+                          <a:spcPct val="120000"/>
+                        </a:lnSpc>
+                        <a:spcBef>
+                          <a:spcPts val="0"/>
+                        </a:spcBef>
+                        <a:spcAft>
+                          <a:spcPts val="0"/>
+                        </a:spcAft>
+                        <a:buNone/>
+                      </a:pPr>
+                      <a:endParaRPr lang="zh-CN" altLang="en-US" sz="100" spc="60">
+                        <a:solidFill>
+                          <a:srgbClr val="404040"/>
+                        </a:solidFill>
+                        <a:latin typeface="微软雅黑" panose="020B0503020204020204" pitchFamily="34" charset="-122"/>
+                        <a:ea typeface="微软雅黑" panose="020B0503020204020204" pitchFamily="34" charset="-122"/>
+                      </a:endParaRPr>
+                    </a:p>
+                  </a:txBody>
+                  <a:tcPr marL="12700" marR="12700" marT="12700" marB="12700" anchor="ctr">
+                    <a:lnL w="6350">
+                      <a:solidFill>
+                        <a:srgbClr val="D9D9D9"/>
+                      </a:solidFill>
+                      <a:prstDash val="solid"/>
+                    </a:lnL>
+                    <a:lnR w="6350">
+                      <a:solidFill>
+                        <a:srgbClr val="D9D9D9"/>
+                      </a:solidFill>
+                      <a:prstDash val="solid"/>
+                    </a:lnR>
+                    <a:lnT>
+                      <a:noFill/>
+                    </a:lnT>
+                    <a:lnB>
+                      <a:noFill/>
+                    </a:lnB>
+                    <a:solidFill>
+                      <a:srgbClr val="FFFFFF"/>
+                    </a:solidFill>
+                  </a:tcPr>
+                </a:tc>
+                <a:tc>
+                  <a:txBody>
+                    <a:bodyPr/>
+                    <a:p>
+                      <a:pPr algn="ctr">
+                        <a:lnSpc>
+                          <a:spcPct val="120000"/>
+                        </a:lnSpc>
+                        <a:spcBef>
+                          <a:spcPts val="0"/>
+                        </a:spcBef>
+                        <a:spcAft>
+                          <a:spcPts val="0"/>
+                        </a:spcAft>
+                        <a:buNone/>
+                      </a:pPr>
+                      <a:endParaRPr lang="zh-CN" altLang="en-US" sz="100" spc="60">
+                        <a:solidFill>
+                          <a:srgbClr val="404040"/>
+                        </a:solidFill>
+                        <a:latin typeface="微软雅黑" panose="020B0503020204020204" pitchFamily="34" charset="-122"/>
+                        <a:ea typeface="微软雅黑" panose="020B0503020204020204" pitchFamily="34" charset="-122"/>
+                      </a:endParaRPr>
+                    </a:p>
+                  </a:txBody>
+                  <a:tcPr marL="12700" marR="12700" marT="12700" marB="12700" anchor="ctr">
+                    <a:lnL w="6350">
+                      <a:solidFill>
+                        <a:srgbClr val="D9D9D9"/>
+                      </a:solidFill>
+                      <a:prstDash val="solid"/>
+                    </a:lnL>
+                    <a:lnR w="6350">
+                      <a:solidFill>
+                        <a:srgbClr val="D9D9D9"/>
+                      </a:solidFill>
+                      <a:prstDash val="solid"/>
+                    </a:lnR>
+                    <a:lnT>
+                      <a:noFill/>
+                    </a:lnT>
+                    <a:lnB>
+                      <a:noFill/>
+                    </a:lnB>
+                    <a:solidFill>
+                      <a:srgbClr val="FFFFFF"/>
+                    </a:solidFill>
+                  </a:tcPr>
+                </a:tc>
+                <a:tc>
+                  <a:txBody>
+                    <a:bodyPr/>
+                    <a:p>
+                      <a:pPr algn="ctr">
+                        <a:lnSpc>
+                          <a:spcPct val="120000"/>
+                        </a:lnSpc>
+                        <a:spcBef>
+                          <a:spcPts val="0"/>
+                        </a:spcBef>
+                        <a:spcAft>
+                          <a:spcPts val="0"/>
+                        </a:spcAft>
+                        <a:buNone/>
+                      </a:pPr>
+                      <a:endParaRPr lang="zh-CN" altLang="en-US" sz="100" spc="60">
+                        <a:solidFill>
+                          <a:srgbClr val="404040"/>
+                        </a:solidFill>
+                        <a:latin typeface="微软雅黑" panose="020B0503020204020204" pitchFamily="34" charset="-122"/>
+                        <a:ea typeface="微软雅黑" panose="020B0503020204020204" pitchFamily="34" charset="-122"/>
+                      </a:endParaRPr>
+                    </a:p>
+                  </a:txBody>
+                  <a:tcPr marL="12700" marR="12700" marT="12700" marB="12700" anchor="ctr">
+                    <a:lnL w="6350">
+                      <a:solidFill>
+                        <a:srgbClr val="D9D9D9"/>
+                      </a:solidFill>
+                      <a:prstDash val="solid"/>
+                    </a:lnL>
+                    <a:lnR w="6350">
+                      <a:solidFill>
+                        <a:srgbClr val="D9D9D9"/>
+                      </a:solidFill>
+                      <a:prstDash val="solid"/>
+                    </a:lnR>
+                    <a:lnT>
+                      <a:noFill/>
+                    </a:lnT>
+                    <a:lnB>
+                      <a:noFill/>
+                    </a:lnB>
+                    <a:solidFill>
+                      <a:srgbClr val="FFFFFF"/>
+                    </a:solidFill>
+                  </a:tcPr>
+                </a:tc>
+                <a:tc>
+                  <a:txBody>
+                    <a:bodyPr/>
+                    <a:p>
+                      <a:pPr algn="ctr">
+                        <a:lnSpc>
+                          <a:spcPct val="120000"/>
+                        </a:lnSpc>
+                        <a:spcBef>
+                          <a:spcPts val="0"/>
+                        </a:spcBef>
+                        <a:spcAft>
+                          <a:spcPts val="0"/>
+                        </a:spcAft>
+                        <a:buNone/>
+                      </a:pPr>
+                      <a:endParaRPr lang="zh-CN" altLang="en-US" sz="100" spc="60">
+                        <a:solidFill>
+                          <a:srgbClr val="404040"/>
+                        </a:solidFill>
+                        <a:latin typeface="微软雅黑" panose="020B0503020204020204" pitchFamily="34" charset="-122"/>
+                        <a:ea typeface="微软雅黑" panose="020B0503020204020204" pitchFamily="34" charset="-122"/>
+                      </a:endParaRPr>
+                    </a:p>
+                  </a:txBody>
+                  <a:tcPr marL="12700" marR="12700" marT="12700" marB="12700" anchor="ctr">
+                    <a:lnL w="6350">
+                      <a:solidFill>
+                        <a:srgbClr val="D9D9D9"/>
+                      </a:solidFill>
+                      <a:prstDash val="solid"/>
+                    </a:lnL>
+                    <a:lnR w="6350">
+                      <a:solidFill>
+                        <a:srgbClr val="D9D9D9"/>
+                      </a:solidFill>
+                      <a:prstDash val="solid"/>
+                    </a:lnR>
+                    <a:lnT>
+                      <a:noFill/>
+                    </a:lnT>
+                    <a:lnB>
+                      <a:noFill/>
+                    </a:lnB>
+                    <a:solidFill>
+                      <a:srgbClr val="FFFFFF"/>
+                    </a:solidFill>
+                  </a:tcPr>
+                </a:tc>
+                <a:tc>
+                  <a:txBody>
+                    <a:bodyPr/>
+                    <a:p>
+                      <a:pPr algn="ctr">
+                        <a:lnSpc>
+                          <a:spcPct val="120000"/>
+                        </a:lnSpc>
+                        <a:spcBef>
+                          <a:spcPts val="0"/>
+                        </a:spcBef>
+                        <a:spcAft>
+                          <a:spcPts val="0"/>
+                        </a:spcAft>
+                        <a:buNone/>
+                      </a:pPr>
+                      <a:endParaRPr lang="zh-CN" altLang="en-US" sz="100" spc="60">
+                        <a:solidFill>
+                          <a:srgbClr val="404040"/>
+                        </a:solidFill>
+                        <a:latin typeface="微软雅黑" panose="020B0503020204020204" pitchFamily="34" charset="-122"/>
+                        <a:ea typeface="微软雅黑" panose="020B0503020204020204" pitchFamily="34" charset="-122"/>
+                      </a:endParaRPr>
+                    </a:p>
+                  </a:txBody>
+                  <a:tcPr marL="12700" marR="12700" marT="12700" marB="12700" anchor="ctr">
+                    <a:lnL w="6350">
+                      <a:solidFill>
+                        <a:srgbClr val="D9D9D9"/>
+                      </a:solidFill>
+                      <a:prstDash val="solid"/>
+                    </a:lnL>
+                    <a:lnR>
+                      <a:noFill/>
+                    </a:lnR>
+                    <a:lnT>
+                      <a:noFill/>
+                    </a:lnT>
+                    <a:lnB>
+                      <a:noFill/>
+                    </a:lnB>
+                    <a:solidFill>
+                      <a:srgbClr val="FFFFFF"/>
+                    </a:solidFill>
+                  </a:tcPr>
+                </a:tc>
+              </a:tr>
+              <a:tr h="156210">
+                <a:tc>
+                  <a:txBody>
+                    <a:bodyPr/>
+                    <a:p>
+                      <a:pPr algn="ctr">
+                        <a:lnSpc>
+                          <a:spcPct val="120000"/>
+                        </a:lnSpc>
+                        <a:spcBef>
+                          <a:spcPts val="0"/>
+                        </a:spcBef>
+                        <a:spcAft>
+                          <a:spcPts val="0"/>
+                        </a:spcAft>
+                        <a:buNone/>
+                      </a:pPr>
+                      <a:endParaRPr lang="zh-CN" altLang="en-US" sz="100" spc="60">
+                        <a:solidFill>
+                          <a:srgbClr val="404040"/>
+                        </a:solidFill>
+                        <a:latin typeface="微软雅黑" panose="020B0503020204020204" pitchFamily="34" charset="-122"/>
+                        <a:ea typeface="微软雅黑" panose="020B0503020204020204" pitchFamily="34" charset="-122"/>
+                      </a:endParaRPr>
+                    </a:p>
+                  </a:txBody>
+                  <a:tcPr marL="12700" marR="12700" marT="12700" marB="12700" anchor="ctr">
+                    <a:lnL>
+                      <a:noFill/>
+                    </a:lnL>
+                    <a:lnR w="12700">
+                      <a:solidFill>
+                        <a:srgbClr val="D9D9D9"/>
+                      </a:solidFill>
+                      <a:prstDash val="solid"/>
+                    </a:lnR>
+                    <a:lnT>
+                      <a:noFill/>
+                    </a:lnT>
+                    <a:lnB>
+                      <a:noFill/>
+                    </a:lnB>
+                    <a:solidFill>
+                      <a:srgbClr val="F2F2F2"/>
+                    </a:solidFill>
+                  </a:tcPr>
+                </a:tc>
+                <a:tc>
+                  <a:txBody>
+                    <a:bodyPr/>
+                    <a:p>
+                      <a:pPr algn="ctr">
+                        <a:lnSpc>
+                          <a:spcPct val="120000"/>
+                        </a:lnSpc>
+                        <a:spcBef>
+                          <a:spcPts val="0"/>
+                        </a:spcBef>
+                        <a:spcAft>
+                          <a:spcPts val="0"/>
+                        </a:spcAft>
+                        <a:buNone/>
+                      </a:pPr>
+                      <a:endParaRPr lang="zh-CN" altLang="en-US" sz="100" spc="60">
+                        <a:solidFill>
+                          <a:srgbClr val="404040"/>
+                        </a:solidFill>
+                        <a:latin typeface="微软雅黑" panose="020B0503020204020204" pitchFamily="34" charset="-122"/>
+                        <a:ea typeface="微软雅黑" panose="020B0503020204020204" pitchFamily="34" charset="-122"/>
+                      </a:endParaRPr>
+                    </a:p>
+                  </a:txBody>
+                  <a:tcPr marL="12700" marR="12700" marT="12700" marB="12700" anchor="ctr">
+                    <a:lnL w="12700">
+                      <a:solidFill>
+                        <a:srgbClr val="D9D9D9"/>
+                      </a:solidFill>
+                      <a:prstDash val="solid"/>
+                    </a:lnL>
+                    <a:lnR w="6350">
+                      <a:solidFill>
+                        <a:srgbClr val="D9D9D9"/>
+                      </a:solidFill>
+                      <a:prstDash val="solid"/>
+                    </a:lnR>
+                    <a:lnT>
+                      <a:noFill/>
+                    </a:lnT>
+                    <a:lnB>
+                      <a:noFill/>
+                    </a:lnB>
+                    <a:solidFill>
+                      <a:srgbClr val="F2F2F2"/>
+                    </a:solidFill>
+                  </a:tcPr>
+                </a:tc>
+                <a:tc>
+                  <a:txBody>
+                    <a:bodyPr/>
+                    <a:p>
+                      <a:pPr algn="ctr">
+                        <a:lnSpc>
+                          <a:spcPct val="120000"/>
+                        </a:lnSpc>
+                        <a:spcBef>
+                          <a:spcPts val="0"/>
+                        </a:spcBef>
+                        <a:spcAft>
+                          <a:spcPts val="0"/>
+                        </a:spcAft>
+                        <a:buNone/>
+                      </a:pPr>
+                      <a:endParaRPr lang="zh-CN" altLang="en-US" sz="100" spc="60">
+                        <a:solidFill>
+                          <a:srgbClr val="404040"/>
+                        </a:solidFill>
+                        <a:latin typeface="微软雅黑" panose="020B0503020204020204" pitchFamily="34" charset="-122"/>
+                        <a:ea typeface="微软雅黑" panose="020B0503020204020204" pitchFamily="34" charset="-122"/>
+                      </a:endParaRPr>
+                    </a:p>
+                  </a:txBody>
+                  <a:tcPr marL="12700" marR="12700" marT="12700" marB="12700" anchor="ctr">
+                    <a:lnL w="6350">
+                      <a:solidFill>
+                        <a:srgbClr val="D9D9D9"/>
+                      </a:solidFill>
+                      <a:prstDash val="solid"/>
+                    </a:lnL>
+                    <a:lnR w="6350">
+                      <a:solidFill>
+                        <a:srgbClr val="D9D9D9"/>
+                      </a:solidFill>
+                      <a:prstDash val="solid"/>
+                    </a:lnR>
+                    <a:lnT>
+                      <a:noFill/>
+                    </a:lnT>
+                    <a:lnB>
+                      <a:noFill/>
+                    </a:lnB>
+                    <a:solidFill>
+                      <a:srgbClr val="F2F2F2"/>
+                    </a:solidFill>
+                  </a:tcPr>
+                </a:tc>
+                <a:tc>
+                  <a:txBody>
+                    <a:bodyPr/>
+                    <a:p>
+                      <a:pPr algn="ctr">
+                        <a:lnSpc>
+                          <a:spcPct val="120000"/>
+                        </a:lnSpc>
+                        <a:spcBef>
+                          <a:spcPts val="0"/>
+                        </a:spcBef>
+                        <a:spcAft>
+                          <a:spcPts val="0"/>
+                        </a:spcAft>
+                        <a:buNone/>
+                      </a:pPr>
+                      <a:endParaRPr lang="zh-CN" altLang="en-US" sz="100" spc="60">
+                        <a:solidFill>
+                          <a:srgbClr val="404040"/>
+                        </a:solidFill>
+                        <a:latin typeface="微软雅黑" panose="020B0503020204020204" pitchFamily="34" charset="-122"/>
+                        <a:ea typeface="微软雅黑" panose="020B0503020204020204" pitchFamily="34" charset="-122"/>
+                      </a:endParaRPr>
+                    </a:p>
+                  </a:txBody>
+                  <a:tcPr marL="12700" marR="12700" marT="12700" marB="12700" anchor="ctr">
+                    <a:lnL w="6350">
+                      <a:solidFill>
+                        <a:srgbClr val="D9D9D9"/>
+                      </a:solidFill>
+                      <a:prstDash val="solid"/>
+                    </a:lnL>
+                    <a:lnR w="6350">
+                      <a:solidFill>
+                        <a:srgbClr val="D9D9D9"/>
+                      </a:solidFill>
+                      <a:prstDash val="solid"/>
+                    </a:lnR>
+                    <a:lnT>
+                      <a:noFill/>
+                    </a:lnT>
+                    <a:lnB>
+                      <a:noFill/>
+                    </a:lnB>
+                    <a:solidFill>
+                      <a:srgbClr val="F2F2F2"/>
+                    </a:solidFill>
+                  </a:tcPr>
+                </a:tc>
+                <a:tc>
+                  <a:txBody>
+                    <a:bodyPr/>
+                    <a:p>
+                      <a:pPr algn="ctr">
+                        <a:lnSpc>
+                          <a:spcPct val="120000"/>
+                        </a:lnSpc>
+                        <a:spcBef>
+                          <a:spcPts val="0"/>
+                        </a:spcBef>
+                        <a:spcAft>
+                          <a:spcPts val="0"/>
+                        </a:spcAft>
+                        <a:buNone/>
+                      </a:pPr>
+                      <a:endParaRPr lang="zh-CN" altLang="en-US" sz="100" spc="60">
+                        <a:solidFill>
+                          <a:srgbClr val="404040"/>
+                        </a:solidFill>
+                        <a:latin typeface="微软雅黑" panose="020B0503020204020204" pitchFamily="34" charset="-122"/>
+                        <a:ea typeface="微软雅黑" panose="020B0503020204020204" pitchFamily="34" charset="-122"/>
+                      </a:endParaRPr>
+                    </a:p>
+                  </a:txBody>
+                  <a:tcPr marL="12700" marR="12700" marT="12700" marB="12700" anchor="ctr">
+                    <a:lnL w="6350">
+                      <a:solidFill>
+                        <a:srgbClr val="D9D9D9"/>
+                      </a:solidFill>
+                      <a:prstDash val="solid"/>
+                    </a:lnL>
+                    <a:lnR w="6350">
+                      <a:solidFill>
+                        <a:srgbClr val="D9D9D9"/>
+                      </a:solidFill>
+                      <a:prstDash val="solid"/>
+                    </a:lnR>
+                    <a:lnT>
+                      <a:noFill/>
+                    </a:lnT>
+                    <a:lnB>
+                      <a:noFill/>
+                    </a:lnB>
+                    <a:solidFill>
+                      <a:srgbClr val="F2F2F2"/>
+                    </a:solidFill>
+                  </a:tcPr>
+                </a:tc>
+                <a:tc>
+                  <a:txBody>
+                    <a:bodyPr/>
+                    <a:p>
+                      <a:pPr algn="ctr">
+                        <a:lnSpc>
+                          <a:spcPct val="120000"/>
+                        </a:lnSpc>
+                        <a:spcBef>
+                          <a:spcPts val="0"/>
+                        </a:spcBef>
+                        <a:spcAft>
+                          <a:spcPts val="0"/>
+                        </a:spcAft>
+                        <a:buNone/>
+                      </a:pPr>
+                      <a:endParaRPr lang="zh-CN" altLang="en-US" sz="100" spc="60">
+                        <a:solidFill>
+                          <a:srgbClr val="404040"/>
+                        </a:solidFill>
+                        <a:latin typeface="微软雅黑" panose="020B0503020204020204" pitchFamily="34" charset="-122"/>
+                        <a:ea typeface="微软雅黑" panose="020B0503020204020204" pitchFamily="34" charset="-122"/>
+                      </a:endParaRPr>
+                    </a:p>
+                  </a:txBody>
+                  <a:tcPr marL="12700" marR="12700" marT="12700" marB="12700" anchor="ctr">
+                    <a:lnL w="6350">
+                      <a:solidFill>
+                        <a:srgbClr val="D9D9D9"/>
+                      </a:solidFill>
+                      <a:prstDash val="solid"/>
+                    </a:lnL>
+                    <a:lnR w="6350">
+                      <a:solidFill>
+                        <a:srgbClr val="D9D9D9"/>
+                      </a:solidFill>
+                      <a:prstDash val="solid"/>
+                    </a:lnR>
+                    <a:lnT>
+                      <a:noFill/>
+                    </a:lnT>
+                    <a:lnB>
+                      <a:noFill/>
+                    </a:lnB>
+                    <a:solidFill>
+                      <a:srgbClr val="F2F2F2"/>
+                    </a:solidFill>
+                  </a:tcPr>
+                </a:tc>
+                <a:tc>
+                  <a:txBody>
+                    <a:bodyPr/>
+                    <a:p>
+                      <a:pPr algn="ctr">
+                        <a:lnSpc>
+                          <a:spcPct val="120000"/>
+                        </a:lnSpc>
+                        <a:spcBef>
+                          <a:spcPts val="0"/>
+                        </a:spcBef>
+                        <a:spcAft>
+                          <a:spcPts val="0"/>
+                        </a:spcAft>
+                        <a:buNone/>
+                      </a:pPr>
+                      <a:endParaRPr lang="zh-CN" altLang="en-US" sz="100" spc="60">
+                        <a:solidFill>
+                          <a:srgbClr val="404040"/>
+                        </a:solidFill>
+                        <a:latin typeface="微软雅黑" panose="020B0503020204020204" pitchFamily="34" charset="-122"/>
+                        <a:ea typeface="微软雅黑" panose="020B0503020204020204" pitchFamily="34" charset="-122"/>
+                      </a:endParaRPr>
+                    </a:p>
+                  </a:txBody>
+                  <a:tcPr marL="12700" marR="12700" marT="12700" marB="12700" anchor="ctr">
+                    <a:lnL w="6350">
+                      <a:solidFill>
+                        <a:srgbClr val="D9D9D9"/>
+                      </a:solidFill>
+                      <a:prstDash val="solid"/>
+                    </a:lnL>
+                    <a:lnR w="6350">
+                      <a:solidFill>
+                        <a:srgbClr val="D9D9D9"/>
+                      </a:solidFill>
+                      <a:prstDash val="solid"/>
+                    </a:lnR>
+                    <a:lnT>
+                      <a:noFill/>
+                    </a:lnT>
+                    <a:lnB>
+                      <a:noFill/>
+                    </a:lnB>
+                    <a:solidFill>
+                      <a:srgbClr val="F2F2F2"/>
+                    </a:solidFill>
+                  </a:tcPr>
+                </a:tc>
+                <a:tc>
+                  <a:txBody>
+                    <a:bodyPr/>
+                    <a:p>
+                      <a:pPr algn="ctr">
+                        <a:lnSpc>
+                          <a:spcPct val="120000"/>
+                        </a:lnSpc>
+                        <a:spcBef>
+                          <a:spcPts val="0"/>
+                        </a:spcBef>
+                        <a:spcAft>
+                          <a:spcPts val="0"/>
+                        </a:spcAft>
+                        <a:buNone/>
+                      </a:pPr>
+                      <a:endParaRPr lang="zh-CN" altLang="en-US" sz="100" spc="60">
+                        <a:solidFill>
+                          <a:srgbClr val="404040"/>
+                        </a:solidFill>
+                        <a:latin typeface="微软雅黑" panose="020B0503020204020204" pitchFamily="34" charset="-122"/>
+                        <a:ea typeface="微软雅黑" panose="020B0503020204020204" pitchFamily="34" charset="-122"/>
+                      </a:endParaRPr>
+                    </a:p>
+                  </a:txBody>
+                  <a:tcPr marL="12700" marR="12700" marT="12700" marB="12700" anchor="ctr">
+                    <a:lnL w="6350">
+                      <a:solidFill>
+                        <a:srgbClr val="D9D9D9"/>
+                      </a:solidFill>
+                      <a:prstDash val="solid"/>
+                    </a:lnL>
+                    <a:lnR>
+                      <a:noFill/>
+                    </a:lnR>
+                    <a:lnT>
+                      <a:noFill/>
+                    </a:lnT>
+                    <a:lnB>
+                      <a:noFill/>
+                    </a:lnB>
+                    <a:solidFill>
+                      <a:srgbClr val="F2F2F2"/>
+                    </a:solidFill>
+                  </a:tcPr>
+                </a:tc>
+              </a:tr>
+              <a:tr h="156210">
+                <a:tc>
+                  <a:txBody>
+                    <a:bodyPr/>
+                    <a:p>
+                      <a:pPr algn="ctr">
+                        <a:lnSpc>
+                          <a:spcPct val="120000"/>
+                        </a:lnSpc>
+                        <a:spcBef>
+                          <a:spcPts val="0"/>
+                        </a:spcBef>
+                        <a:spcAft>
+                          <a:spcPts val="0"/>
+                        </a:spcAft>
+                        <a:buNone/>
+                      </a:pPr>
+                      <a:endParaRPr lang="zh-CN" altLang="en-US" sz="100" spc="60">
+                        <a:solidFill>
+                          <a:srgbClr val="404040"/>
+                        </a:solidFill>
+                        <a:latin typeface="微软雅黑" panose="020B0503020204020204" pitchFamily="34" charset="-122"/>
+                        <a:ea typeface="微软雅黑" panose="020B0503020204020204" pitchFamily="34" charset="-122"/>
+                      </a:endParaRPr>
+                    </a:p>
+                  </a:txBody>
+                  <a:tcPr marL="12700" marR="12700" marT="12700" marB="12700" anchor="ctr">
+                    <a:lnL>
+                      <a:noFill/>
+                    </a:lnL>
+                    <a:lnR w="12700">
+                      <a:solidFill>
+                        <a:srgbClr val="D9D9D9"/>
+                      </a:solidFill>
+                      <a:prstDash val="solid"/>
+                    </a:lnR>
+                    <a:lnT>
+                      <a:noFill/>
+                    </a:lnT>
+                    <a:lnB w="19050">
+                      <a:solidFill>
+                        <a:srgbClr val="595959"/>
+                      </a:solidFill>
+                      <a:prstDash val="solid"/>
+                    </a:lnB>
+                    <a:solidFill>
+                      <a:srgbClr val="FFFFFF"/>
+                    </a:solidFill>
+                  </a:tcPr>
+                </a:tc>
+                <a:tc>
+                  <a:txBody>
+                    <a:bodyPr/>
+                    <a:p>
+                      <a:pPr algn="ctr">
+                        <a:lnSpc>
+                          <a:spcPct val="120000"/>
+                        </a:lnSpc>
+                        <a:spcBef>
+                          <a:spcPts val="0"/>
+                        </a:spcBef>
+                        <a:spcAft>
+                          <a:spcPts val="0"/>
+                        </a:spcAft>
+                        <a:buNone/>
+                      </a:pPr>
+                      <a:endParaRPr lang="zh-CN" altLang="en-US" sz="100" spc="60">
+                        <a:solidFill>
+                          <a:srgbClr val="404040"/>
+                        </a:solidFill>
+                        <a:latin typeface="微软雅黑" panose="020B0503020204020204" pitchFamily="34" charset="-122"/>
+                        <a:ea typeface="微软雅黑" panose="020B0503020204020204" pitchFamily="34" charset="-122"/>
+                      </a:endParaRPr>
+                    </a:p>
+                  </a:txBody>
+                  <a:tcPr marL="12700" marR="12700" marT="12700" marB="12700" anchor="ctr">
+                    <a:lnL w="12700">
+                      <a:solidFill>
+                        <a:srgbClr val="D9D9D9"/>
+                      </a:solidFill>
+                      <a:prstDash val="solid"/>
+                    </a:lnL>
+                    <a:lnR w="6350">
+                      <a:solidFill>
+                        <a:srgbClr val="D9D9D9"/>
+                      </a:solidFill>
+                      <a:prstDash val="solid"/>
+                    </a:lnR>
+                    <a:lnT>
+                      <a:noFill/>
+                    </a:lnT>
+                    <a:lnB w="19050">
+                      <a:solidFill>
+                        <a:srgbClr val="595959"/>
+                      </a:solidFill>
+                      <a:prstDash val="solid"/>
+                    </a:lnB>
+                    <a:solidFill>
+                      <a:srgbClr val="FFFFFF"/>
+                    </a:solidFill>
+                  </a:tcPr>
+                </a:tc>
+                <a:tc>
+                  <a:txBody>
+                    <a:bodyPr/>
+                    <a:p>
+                      <a:pPr algn="ctr">
+                        <a:lnSpc>
+                          <a:spcPct val="120000"/>
+                        </a:lnSpc>
+                        <a:spcBef>
+                          <a:spcPts val="0"/>
+                        </a:spcBef>
+                        <a:spcAft>
+                          <a:spcPts val="0"/>
+                        </a:spcAft>
+                        <a:buNone/>
+                      </a:pPr>
+                      <a:endParaRPr lang="zh-CN" altLang="en-US" sz="100" spc="60">
+                        <a:solidFill>
+                          <a:srgbClr val="404040"/>
+                        </a:solidFill>
+                        <a:latin typeface="微软雅黑" panose="020B0503020204020204" pitchFamily="34" charset="-122"/>
+                        <a:ea typeface="微软雅黑" panose="020B0503020204020204" pitchFamily="34" charset="-122"/>
+                      </a:endParaRPr>
+                    </a:p>
+                  </a:txBody>
+                  <a:tcPr marL="12700" marR="12700" marT="12700" marB="12700" anchor="ctr">
+                    <a:lnL w="6350">
+                      <a:solidFill>
+                        <a:srgbClr val="D9D9D9"/>
+                      </a:solidFill>
+                      <a:prstDash val="solid"/>
+                    </a:lnL>
+                    <a:lnR w="6350">
+                      <a:solidFill>
+                        <a:srgbClr val="D9D9D9"/>
+                      </a:solidFill>
+                      <a:prstDash val="solid"/>
+                    </a:lnR>
+                    <a:lnT>
+                      <a:noFill/>
+                    </a:lnT>
+                    <a:lnB w="19050">
+                      <a:solidFill>
+                        <a:srgbClr val="595959"/>
+                      </a:solidFill>
+                      <a:prstDash val="solid"/>
+                    </a:lnB>
+                    <a:solidFill>
+                      <a:srgbClr val="FFFFFF"/>
+                    </a:solidFill>
+                  </a:tcPr>
+                </a:tc>
+                <a:tc>
+                  <a:txBody>
+                    <a:bodyPr/>
+                    <a:p>
+                      <a:pPr algn="ctr">
+                        <a:lnSpc>
+                          <a:spcPct val="120000"/>
+                        </a:lnSpc>
+                        <a:spcBef>
+                          <a:spcPts val="0"/>
+                        </a:spcBef>
+                        <a:spcAft>
+                          <a:spcPts val="0"/>
+                        </a:spcAft>
+                        <a:buNone/>
+                      </a:pPr>
+                      <a:endParaRPr lang="zh-CN" altLang="en-US" sz="100" spc="60">
+                        <a:solidFill>
+                          <a:srgbClr val="404040"/>
+                        </a:solidFill>
+                        <a:latin typeface="微软雅黑" panose="020B0503020204020204" pitchFamily="34" charset="-122"/>
+                        <a:ea typeface="微软雅黑" panose="020B0503020204020204" pitchFamily="34" charset="-122"/>
+                      </a:endParaRPr>
+                    </a:p>
+                  </a:txBody>
+                  <a:tcPr marL="12700" marR="12700" marT="12700" marB="12700" anchor="ctr">
+                    <a:lnL w="6350">
+                      <a:solidFill>
+                        <a:srgbClr val="D9D9D9"/>
+                      </a:solidFill>
+                      <a:prstDash val="solid"/>
+                    </a:lnL>
+                    <a:lnR w="6350">
+                      <a:solidFill>
+                        <a:srgbClr val="D9D9D9"/>
+                      </a:solidFill>
+                      <a:prstDash val="solid"/>
+                    </a:lnR>
+                    <a:lnT>
+                      <a:noFill/>
+                    </a:lnT>
+                    <a:lnB w="19050">
+                      <a:solidFill>
+                        <a:srgbClr val="595959"/>
+                      </a:solidFill>
+                      <a:prstDash val="solid"/>
+                    </a:lnB>
+                    <a:solidFill>
+                      <a:srgbClr val="FFFFFF"/>
+                    </a:solidFill>
+                  </a:tcPr>
+                </a:tc>
+                <a:tc>
+                  <a:txBody>
+                    <a:bodyPr/>
+                    <a:p>
+                      <a:pPr algn="ctr">
+                        <a:lnSpc>
+                          <a:spcPct val="120000"/>
+                        </a:lnSpc>
+                        <a:spcBef>
+                          <a:spcPts val="0"/>
+                        </a:spcBef>
+                        <a:spcAft>
+                          <a:spcPts val="0"/>
+                        </a:spcAft>
+                        <a:buNone/>
+                      </a:pPr>
+                      <a:endParaRPr lang="zh-CN" altLang="en-US" sz="100" spc="60">
+                        <a:solidFill>
+                          <a:srgbClr val="404040"/>
+                        </a:solidFill>
+                        <a:latin typeface="微软雅黑" panose="020B0503020204020204" pitchFamily="34" charset="-122"/>
+                        <a:ea typeface="微软雅黑" panose="020B0503020204020204" pitchFamily="34" charset="-122"/>
+                      </a:endParaRPr>
+                    </a:p>
+                  </a:txBody>
+                  <a:tcPr marL="12700" marR="12700" marT="12700" marB="12700" anchor="ctr">
+                    <a:lnL w="6350">
+                      <a:solidFill>
+                        <a:srgbClr val="D9D9D9"/>
+                      </a:solidFill>
+                      <a:prstDash val="solid"/>
+                    </a:lnL>
+                    <a:lnR w="6350">
+                      <a:solidFill>
+                        <a:srgbClr val="D9D9D9"/>
+                      </a:solidFill>
+                      <a:prstDash val="solid"/>
+                    </a:lnR>
+                    <a:lnT>
+                      <a:noFill/>
+                    </a:lnT>
+                    <a:lnB w="19050">
+                      <a:solidFill>
+                        <a:srgbClr val="595959"/>
+                      </a:solidFill>
+                      <a:prstDash val="solid"/>
+                    </a:lnB>
+                    <a:solidFill>
+                      <a:srgbClr val="FFFFFF"/>
+                    </a:solidFill>
+                  </a:tcPr>
+                </a:tc>
+                <a:tc>
+                  <a:txBody>
+                    <a:bodyPr/>
+                    <a:p>
+                      <a:pPr algn="ctr">
+                        <a:lnSpc>
+                          <a:spcPct val="120000"/>
+                        </a:lnSpc>
+                        <a:spcBef>
+                          <a:spcPts val="0"/>
+                        </a:spcBef>
+                        <a:spcAft>
+                          <a:spcPts val="0"/>
+                        </a:spcAft>
+                        <a:buNone/>
+                      </a:pPr>
+                      <a:endParaRPr lang="zh-CN" altLang="en-US" sz="100" spc="60">
+                        <a:solidFill>
+                          <a:srgbClr val="404040"/>
+                        </a:solidFill>
+                        <a:latin typeface="微软雅黑" panose="020B0503020204020204" pitchFamily="34" charset="-122"/>
+                        <a:ea typeface="微软雅黑" panose="020B0503020204020204" pitchFamily="34" charset="-122"/>
+                      </a:endParaRPr>
+                    </a:p>
+                  </a:txBody>
+                  <a:tcPr marL="12700" marR="12700" marT="12700" marB="12700" anchor="ctr">
+                    <a:lnL w="6350">
+                      <a:solidFill>
+                        <a:srgbClr val="D9D9D9"/>
+                      </a:solidFill>
+                      <a:prstDash val="solid"/>
+                    </a:lnL>
+                    <a:lnR w="6350">
+                      <a:solidFill>
+                        <a:srgbClr val="D9D9D9"/>
+                      </a:solidFill>
+                      <a:prstDash val="solid"/>
+                    </a:lnR>
+                    <a:lnT>
+                      <a:noFill/>
+                    </a:lnT>
+                    <a:lnB w="19050">
+                      <a:solidFill>
+                        <a:srgbClr val="595959"/>
+                      </a:solidFill>
+                      <a:prstDash val="solid"/>
+                    </a:lnB>
+                    <a:solidFill>
+                      <a:srgbClr val="FFFFFF"/>
+                    </a:solidFill>
+                  </a:tcPr>
+                </a:tc>
+                <a:tc>
+                  <a:txBody>
+                    <a:bodyPr/>
+                    <a:p>
+                      <a:pPr algn="ctr">
+                        <a:lnSpc>
+                          <a:spcPct val="120000"/>
+                        </a:lnSpc>
+                        <a:spcBef>
+                          <a:spcPts val="0"/>
+                        </a:spcBef>
+                        <a:spcAft>
+                          <a:spcPts val="0"/>
+                        </a:spcAft>
+                        <a:buNone/>
+                      </a:pPr>
+                      <a:endParaRPr lang="zh-CN" altLang="en-US" sz="100" spc="60">
+                        <a:solidFill>
+                          <a:srgbClr val="404040"/>
+                        </a:solidFill>
+                        <a:latin typeface="微软雅黑" panose="020B0503020204020204" pitchFamily="34" charset="-122"/>
+                        <a:ea typeface="微软雅黑" panose="020B0503020204020204" pitchFamily="34" charset="-122"/>
+                      </a:endParaRPr>
+                    </a:p>
+                  </a:txBody>
+                  <a:tcPr marL="12700" marR="12700" marT="12700" marB="12700" anchor="ctr">
+                    <a:lnL w="6350">
+                      <a:solidFill>
+                        <a:srgbClr val="D9D9D9"/>
+                      </a:solidFill>
+                      <a:prstDash val="solid"/>
+                    </a:lnL>
+                    <a:lnR w="6350">
+                      <a:solidFill>
+                        <a:srgbClr val="D9D9D9"/>
+                      </a:solidFill>
+                      <a:prstDash val="solid"/>
+                    </a:lnR>
+                    <a:lnT>
+                      <a:noFill/>
+                    </a:lnT>
+                    <a:lnB w="19050">
+                      <a:solidFill>
+                        <a:srgbClr val="595959"/>
+                      </a:solidFill>
+                      <a:prstDash val="solid"/>
+                    </a:lnB>
+                    <a:solidFill>
+                      <a:srgbClr val="FFFFFF"/>
+                    </a:solidFill>
+                  </a:tcPr>
+                </a:tc>
+                <a:tc>
+                  <a:txBody>
+                    <a:bodyPr/>
+                    <a:p>
+                      <a:pPr algn="ctr">
+                        <a:lnSpc>
+                          <a:spcPct val="120000"/>
+                        </a:lnSpc>
+                        <a:spcBef>
+                          <a:spcPts val="0"/>
+                        </a:spcBef>
+                        <a:spcAft>
+                          <a:spcPts val="0"/>
+                        </a:spcAft>
+                        <a:buNone/>
+                      </a:pPr>
+                      <a:endParaRPr lang="zh-CN" altLang="en-US" sz="100" spc="60">
+                        <a:solidFill>
+                          <a:srgbClr val="404040"/>
+                        </a:solidFill>
+                        <a:latin typeface="微软雅黑" panose="020B0503020204020204" pitchFamily="34" charset="-122"/>
+                        <a:ea typeface="微软雅黑" panose="020B0503020204020204" pitchFamily="34" charset="-122"/>
+                      </a:endParaRPr>
+                    </a:p>
+                  </a:txBody>
+                  <a:tcPr marL="12700" marR="12700" marT="12700" marB="12700" anchor="ctr">
+                    <a:lnL w="6350">
+                      <a:solidFill>
+                        <a:srgbClr val="D9D9D9"/>
+                      </a:solidFill>
+                      <a:prstDash val="solid"/>
+                    </a:lnL>
+                    <a:lnR>
+                      <a:noFill/>
+                    </a:lnR>
+                    <a:lnT>
+                      <a:noFill/>
+                    </a:lnT>
+                    <a:lnB w="19050">
+                      <a:solidFill>
+                        <a:srgbClr val="595959"/>
+                      </a:solidFill>
+                      <a:prstDash val="solid"/>
+                    </a:lnB>
+                    <a:solidFill>
+                      <a:srgbClr val="FFFFFF"/>
+                    </a:solidFill>
+                  </a:tcPr>
+                </a:tc>
+              </a:tr>
+            </a:tbl>
+          </a:graphicData>
+        </a:graphic>
+      </p:graphicFrame>
+      <p:graphicFrame>
+        <p:nvGraphicFramePr>
+          <p:cNvPr id="17" name="表格 16"/>
+          <p:cNvGraphicFramePr/>
+          <p:nvPr>
+            <p:custDataLst>
+              <p:tags r:id="rId2"/>
+            </p:custDataLst>
+          </p:nvPr>
+        </p:nvGraphicFramePr>
+        <p:xfrm>
+          <a:off x="4774565" y="3308350"/>
+          <a:ext cx="1234440" cy="533400"/>
+        </p:xfrm>
+        <a:graphic>
+          <a:graphicData uri="http://schemas.openxmlformats.org/drawingml/2006/table">
+            <a:tbl>
+              <a:tblPr firstRow="1" bandRow="1">
+                <a:tableStyleId>{5C22544A-7EE6-4342-B048-85BDC9FD1C3A}</a:tableStyleId>
+              </a:tblPr>
+              <a:tblGrid>
+                <a:gridCol w="154305"/>
+                <a:gridCol w="154305"/>
+                <a:gridCol w="154305"/>
+                <a:gridCol w="154305"/>
+                <a:gridCol w="154305"/>
+                <a:gridCol w="154305"/>
+                <a:gridCol w="154305"/>
+                <a:gridCol w="154305"/>
+              </a:tblGrid>
+              <a:tr h="346710">
+                <a:tc>
+                  <a:txBody>
+                    <a:bodyPr/>
+                    <a:p>
+                      <a:pPr algn="ctr">
+                        <a:lnSpc>
+                          <a:spcPct val="120000"/>
+                        </a:lnSpc>
+                        <a:spcBef>
+                          <a:spcPts val="0"/>
+                        </a:spcBef>
+                        <a:spcAft>
+                          <a:spcPts val="0"/>
+                        </a:spcAft>
+                        <a:buNone/>
+                      </a:pPr>
+                      <a:endParaRPr lang="zh-CN" altLang="en-US" sz="300" spc="60">
+                        <a:solidFill>
+                          <a:srgbClr val="FFFFFF"/>
+                        </a:solidFill>
+                        <a:latin typeface="微软雅黑" panose="020B0503020204020204" pitchFamily="34" charset="-122"/>
+                        <a:ea typeface="微软雅黑" panose="020B0503020204020204" pitchFamily="34" charset="-122"/>
+                      </a:endParaRPr>
+                    </a:p>
+                  </a:txBody>
+                  <a:tcPr marL="12700" marR="12700" marT="12700" marB="12700" anchor="ctr">
+                    <a:lnL>
+                      <a:noFill/>
+                    </a:lnL>
+                    <a:lnR>
+                      <a:noFill/>
+                    </a:lnR>
+                    <a:lnT>
+                      <a:noFill/>
+                    </a:lnT>
+                    <a:lnB>
+                      <a:noFill/>
+                    </a:lnB>
+                    <a:solidFill>
+                      <a:srgbClr val="595959"/>
+                    </a:solidFill>
+                  </a:tcPr>
+                </a:tc>
+                <a:tc>
+                  <a:txBody>
+                    <a:bodyPr/>
+                    <a:p>
+                      <a:pPr algn="ctr">
+                        <a:lnSpc>
+                          <a:spcPct val="120000"/>
+                        </a:lnSpc>
+                        <a:spcBef>
+                          <a:spcPts val="0"/>
+                        </a:spcBef>
+                        <a:spcAft>
+                          <a:spcPts val="0"/>
+                        </a:spcAft>
+                        <a:buNone/>
+                      </a:pPr>
+                      <a:endParaRPr lang="zh-CN" altLang="en-US" sz="300" spc="60">
+                        <a:solidFill>
+                          <a:srgbClr val="FFFFFF"/>
+                        </a:solidFill>
+                        <a:latin typeface="微软雅黑" panose="020B0503020204020204" pitchFamily="34" charset="-122"/>
+                        <a:ea typeface="微软雅黑" panose="020B0503020204020204" pitchFamily="34" charset="-122"/>
+                      </a:endParaRPr>
+                    </a:p>
+                  </a:txBody>
+                  <a:tcPr marL="12700" marR="12700" marT="12700" marB="12700" anchor="ctr">
+                    <a:lnL>
+                      <a:noFill/>
+                    </a:lnL>
+                    <a:lnR>
+                      <a:noFill/>
+                    </a:lnR>
+                    <a:lnT>
+                      <a:noFill/>
+                    </a:lnT>
+                    <a:lnB>
+                      <a:noFill/>
+                    </a:lnB>
+                    <a:solidFill>
+                      <a:srgbClr val="FFA79D"/>
+                    </a:solidFill>
+                  </a:tcPr>
+                </a:tc>
+                <a:tc>
+                  <a:txBody>
+                    <a:bodyPr/>
+                    <a:p>
+                      <a:pPr algn="ctr">
+                        <a:lnSpc>
+                          <a:spcPct val="120000"/>
+                        </a:lnSpc>
+                        <a:spcBef>
+                          <a:spcPts val="0"/>
+                        </a:spcBef>
+                        <a:spcAft>
+                          <a:spcPts val="0"/>
+                        </a:spcAft>
+                        <a:buNone/>
+                      </a:pPr>
+                      <a:endParaRPr lang="zh-CN" altLang="en-US" sz="300" spc="60">
+                        <a:solidFill>
+                          <a:srgbClr val="FFFFFF"/>
+                        </a:solidFill>
+                        <a:latin typeface="微软雅黑" panose="020B0503020204020204" pitchFamily="34" charset="-122"/>
+                        <a:ea typeface="微软雅黑" panose="020B0503020204020204" pitchFamily="34" charset="-122"/>
+                      </a:endParaRPr>
+                    </a:p>
+                  </a:txBody>
+                  <a:tcPr marL="12700" marR="12700" marT="12700" marB="12700" anchor="ctr">
+                    <a:lnL>
+                      <a:noFill/>
+                    </a:lnL>
+                    <a:lnR>
+                      <a:noFill/>
+                    </a:lnR>
+                    <a:lnT>
+                      <a:noFill/>
+                    </a:lnT>
+                    <a:lnB>
+                      <a:noFill/>
+                    </a:lnB>
+                    <a:solidFill>
+                      <a:srgbClr val="FED585"/>
+                    </a:solidFill>
+                  </a:tcPr>
+                </a:tc>
+                <a:tc>
+                  <a:txBody>
+                    <a:bodyPr/>
+                    <a:p>
+                      <a:pPr algn="ctr">
+                        <a:lnSpc>
+                          <a:spcPct val="120000"/>
+                        </a:lnSpc>
+                        <a:spcBef>
+                          <a:spcPts val="0"/>
+                        </a:spcBef>
+                        <a:spcAft>
+                          <a:spcPts val="0"/>
+                        </a:spcAft>
+                        <a:buNone/>
+                      </a:pPr>
+                      <a:endParaRPr lang="zh-CN" altLang="en-US" sz="300" spc="60">
+                        <a:solidFill>
+                          <a:srgbClr val="FFFFFF"/>
+                        </a:solidFill>
+                        <a:latin typeface="微软雅黑" panose="020B0503020204020204" pitchFamily="34" charset="-122"/>
+                        <a:ea typeface="微软雅黑" panose="020B0503020204020204" pitchFamily="34" charset="-122"/>
+                      </a:endParaRPr>
+                    </a:p>
+                  </a:txBody>
+                  <a:tcPr marL="12700" marR="12700" marT="12700" marB="12700" anchor="ctr">
+                    <a:lnL>
+                      <a:noFill/>
+                    </a:lnL>
+                    <a:lnR>
+                      <a:noFill/>
+                    </a:lnR>
+                    <a:lnT>
+                      <a:noFill/>
+                    </a:lnT>
+                    <a:lnB>
+                      <a:noFill/>
+                    </a:lnB>
+                    <a:solidFill>
+                      <a:srgbClr val="FEF284"/>
+                    </a:solidFill>
+                  </a:tcPr>
+                </a:tc>
+                <a:tc>
+                  <a:txBody>
+                    <a:bodyPr/>
+                    <a:p>
+                      <a:pPr algn="ctr">
+                        <a:lnSpc>
+                          <a:spcPct val="120000"/>
+                        </a:lnSpc>
+                        <a:spcBef>
+                          <a:spcPts val="0"/>
+                        </a:spcBef>
+                        <a:spcAft>
+                          <a:spcPts val="0"/>
+                        </a:spcAft>
+                        <a:buNone/>
+                      </a:pPr>
+                      <a:endParaRPr lang="zh-CN" altLang="en-US" sz="300" spc="60">
+                        <a:solidFill>
+                          <a:srgbClr val="FFFFFF"/>
+                        </a:solidFill>
+                        <a:latin typeface="微软雅黑" panose="020B0503020204020204" pitchFamily="34" charset="-122"/>
+                        <a:ea typeface="微软雅黑" panose="020B0503020204020204" pitchFamily="34" charset="-122"/>
+                      </a:endParaRPr>
+                    </a:p>
+                  </a:txBody>
+                  <a:tcPr marL="12700" marR="12700" marT="12700" marB="12700" anchor="ctr">
+                    <a:lnL>
+                      <a:noFill/>
+                    </a:lnL>
+                    <a:lnR>
+                      <a:noFill/>
+                    </a:lnR>
+                    <a:lnT>
+                      <a:noFill/>
+                    </a:lnT>
+                    <a:lnB>
+                      <a:noFill/>
+                    </a:lnB>
+                    <a:solidFill>
+                      <a:srgbClr val="C3E29E"/>
+                    </a:solidFill>
+                  </a:tcPr>
+                </a:tc>
+                <a:tc>
+                  <a:txBody>
+                    <a:bodyPr/>
+                    <a:p>
+                      <a:pPr algn="ctr">
+                        <a:lnSpc>
+                          <a:spcPct val="120000"/>
+                        </a:lnSpc>
+                        <a:spcBef>
+                          <a:spcPts val="0"/>
+                        </a:spcBef>
+                        <a:spcAft>
+                          <a:spcPts val="0"/>
+                        </a:spcAft>
+                        <a:buNone/>
+                      </a:pPr>
+                      <a:endParaRPr lang="zh-CN" altLang="en-US" sz="300" spc="60">
+                        <a:solidFill>
+                          <a:srgbClr val="FFFFFF"/>
+                        </a:solidFill>
+                        <a:latin typeface="微软雅黑" panose="020B0503020204020204" pitchFamily="34" charset="-122"/>
+                        <a:ea typeface="微软雅黑" panose="020B0503020204020204" pitchFamily="34" charset="-122"/>
+                      </a:endParaRPr>
+                    </a:p>
+                  </a:txBody>
+                  <a:tcPr marL="12700" marR="12700" marT="12700" marB="12700" anchor="ctr">
+                    <a:lnL>
+                      <a:noFill/>
+                    </a:lnL>
+                    <a:lnR>
+                      <a:noFill/>
+                    </a:lnR>
+                    <a:lnT>
+                      <a:noFill/>
+                    </a:lnT>
+                    <a:lnB>
+                      <a:noFill/>
+                    </a:lnB>
+                    <a:solidFill>
+                      <a:srgbClr val="ABE9FE"/>
+                    </a:solidFill>
+                  </a:tcPr>
+                </a:tc>
+                <a:tc>
+                  <a:txBody>
+                    <a:bodyPr/>
+                    <a:p>
+                      <a:pPr algn="ctr">
+                        <a:lnSpc>
+                          <a:spcPct val="120000"/>
+                        </a:lnSpc>
+                        <a:spcBef>
+                          <a:spcPts val="0"/>
+                        </a:spcBef>
+                        <a:spcAft>
+                          <a:spcPts val="0"/>
+                        </a:spcAft>
+                        <a:buNone/>
+                      </a:pPr>
+                      <a:endParaRPr lang="zh-CN" altLang="en-US" sz="300" spc="60">
+                        <a:solidFill>
+                          <a:srgbClr val="FFFFFF"/>
+                        </a:solidFill>
+                        <a:latin typeface="微软雅黑" panose="020B0503020204020204" pitchFamily="34" charset="-122"/>
+                        <a:ea typeface="微软雅黑" panose="020B0503020204020204" pitchFamily="34" charset="-122"/>
+                      </a:endParaRPr>
+                    </a:p>
+                  </a:txBody>
+                  <a:tcPr marL="12700" marR="12700" marT="12700" marB="12700" anchor="ctr">
+                    <a:lnL>
+                      <a:noFill/>
+                    </a:lnL>
+                    <a:lnR>
+                      <a:noFill/>
+                    </a:lnR>
+                    <a:lnT>
+                      <a:noFill/>
+                    </a:lnT>
+                    <a:lnB>
+                      <a:noFill/>
+                    </a:lnB>
+                    <a:solidFill>
+                      <a:srgbClr val="96AFEF"/>
+                    </a:solidFill>
+                  </a:tcPr>
+                </a:tc>
+                <a:tc>
+                  <a:txBody>
+                    <a:bodyPr/>
+                    <a:p>
+                      <a:pPr algn="ctr">
+                        <a:lnSpc>
+                          <a:spcPct val="120000"/>
+                        </a:lnSpc>
+                        <a:spcBef>
+                          <a:spcPts val="0"/>
+                        </a:spcBef>
+                        <a:spcAft>
+                          <a:spcPts val="0"/>
+                        </a:spcAft>
+                        <a:buNone/>
+                      </a:pPr>
+                      <a:endParaRPr lang="zh-CN" altLang="en-US" sz="300" spc="60">
+                        <a:solidFill>
+                          <a:srgbClr val="FFFFFF"/>
+                        </a:solidFill>
+                        <a:latin typeface="微软雅黑" panose="020B0503020204020204" pitchFamily="34" charset="-122"/>
+                        <a:ea typeface="微软雅黑" panose="020B0503020204020204" pitchFamily="34" charset="-122"/>
+                      </a:endParaRPr>
+                    </a:p>
+                  </a:txBody>
+                  <a:tcPr marL="12700" marR="12700" marT="12700" marB="12700" anchor="ctr">
+                    <a:lnL>
+                      <a:noFill/>
+                    </a:lnL>
+                    <a:lnR>
+                      <a:noFill/>
+                    </a:lnR>
+                    <a:lnT>
+                      <a:noFill/>
+                    </a:lnT>
+                    <a:lnB>
+                      <a:noFill/>
+                    </a:lnB>
+                    <a:solidFill>
+                      <a:srgbClr val="FFA79D"/>
+                    </a:solidFill>
+                  </a:tcPr>
+                </a:tc>
+              </a:tr>
+              <a:tr h="186690">
+                <a:tc>
+                  <a:txBody>
+                    <a:bodyPr/>
+                    <a:p>
+                      <a:pPr algn="ctr">
+                        <a:lnSpc>
+                          <a:spcPct val="120000"/>
+                        </a:lnSpc>
+                        <a:spcBef>
+                          <a:spcPts val="0"/>
+                        </a:spcBef>
+                        <a:spcAft>
+                          <a:spcPts val="0"/>
+                        </a:spcAft>
+                        <a:buNone/>
+                      </a:pPr>
+                      <a:endParaRPr lang="zh-CN" altLang="en-US" sz="100" spc="60">
+                        <a:solidFill>
+                          <a:srgbClr val="404040"/>
+                        </a:solidFill>
+                        <a:latin typeface="微软雅黑" panose="020B0503020204020204" pitchFamily="34" charset="-122"/>
+                        <a:ea typeface="微软雅黑" panose="020B0503020204020204" pitchFamily="34" charset="-122"/>
+                      </a:endParaRPr>
+                    </a:p>
+                  </a:txBody>
+                  <a:tcPr marL="12700" marR="12700" marT="12700" marB="12700" anchor="ctr">
+                    <a:lnL>
+                      <a:noFill/>
+                    </a:lnL>
+                    <a:lnR w="12700">
+                      <a:solidFill>
+                        <a:srgbClr val="D9D9D9"/>
+                      </a:solidFill>
+                      <a:prstDash val="solid"/>
+                    </a:lnR>
+                    <a:lnT>
+                      <a:noFill/>
+                    </a:lnT>
+                    <a:lnB w="19050">
+                      <a:solidFill>
+                        <a:srgbClr val="595959"/>
+                      </a:solidFill>
+                      <a:prstDash val="solid"/>
+                    </a:lnB>
+                    <a:solidFill>
+                      <a:srgbClr val="FFFFFF"/>
+                    </a:solidFill>
+                  </a:tcPr>
+                </a:tc>
+                <a:tc>
+                  <a:txBody>
+                    <a:bodyPr/>
+                    <a:p>
+                      <a:pPr algn="ctr">
+                        <a:lnSpc>
+                          <a:spcPct val="120000"/>
+                        </a:lnSpc>
+                        <a:spcBef>
+                          <a:spcPts val="0"/>
+                        </a:spcBef>
+                        <a:spcAft>
+                          <a:spcPts val="0"/>
+                        </a:spcAft>
+                        <a:buNone/>
+                      </a:pPr>
+                      <a:endParaRPr lang="zh-CN" altLang="en-US" sz="100" spc="60">
+                        <a:solidFill>
+                          <a:srgbClr val="404040"/>
+                        </a:solidFill>
+                        <a:latin typeface="微软雅黑" panose="020B0503020204020204" pitchFamily="34" charset="-122"/>
+                        <a:ea typeface="微软雅黑" panose="020B0503020204020204" pitchFamily="34" charset="-122"/>
+                      </a:endParaRPr>
+                    </a:p>
+                  </a:txBody>
+                  <a:tcPr marL="12700" marR="12700" marT="12700" marB="12700" anchor="ctr">
+                    <a:lnL w="12700">
+                      <a:solidFill>
+                        <a:srgbClr val="D9D9D9"/>
+                      </a:solidFill>
+                      <a:prstDash val="solid"/>
+                    </a:lnL>
+                    <a:lnR w="6350">
+                      <a:solidFill>
+                        <a:srgbClr val="D9D9D9"/>
+                      </a:solidFill>
+                      <a:prstDash val="solid"/>
+                    </a:lnR>
+                    <a:lnT>
+                      <a:noFill/>
+                    </a:lnT>
+                    <a:lnB w="19050">
+                      <a:solidFill>
+                        <a:srgbClr val="595959"/>
+                      </a:solidFill>
+                      <a:prstDash val="solid"/>
+                    </a:lnB>
+                    <a:solidFill>
+                      <a:srgbClr val="FFFFFF"/>
+                    </a:solidFill>
+                  </a:tcPr>
+                </a:tc>
+                <a:tc>
+                  <a:txBody>
+                    <a:bodyPr/>
+                    <a:p>
+                      <a:pPr algn="ctr">
+                        <a:lnSpc>
+                          <a:spcPct val="120000"/>
+                        </a:lnSpc>
+                        <a:spcBef>
+                          <a:spcPts val="0"/>
+                        </a:spcBef>
+                        <a:spcAft>
+                          <a:spcPts val="0"/>
+                        </a:spcAft>
+                        <a:buNone/>
+                      </a:pPr>
+                      <a:endParaRPr lang="zh-CN" altLang="en-US" sz="100" spc="60">
+                        <a:solidFill>
+                          <a:srgbClr val="404040"/>
+                        </a:solidFill>
+                        <a:latin typeface="微软雅黑" panose="020B0503020204020204" pitchFamily="34" charset="-122"/>
+                        <a:ea typeface="微软雅黑" panose="020B0503020204020204" pitchFamily="34" charset="-122"/>
+                      </a:endParaRPr>
+                    </a:p>
+                  </a:txBody>
+                  <a:tcPr marL="12700" marR="12700" marT="12700" marB="12700" anchor="ctr">
+                    <a:lnL w="6350">
+                      <a:solidFill>
+                        <a:srgbClr val="D9D9D9"/>
+                      </a:solidFill>
+                      <a:prstDash val="solid"/>
+                    </a:lnL>
+                    <a:lnR w="6350">
+                      <a:solidFill>
+                        <a:srgbClr val="D9D9D9"/>
+                      </a:solidFill>
+                      <a:prstDash val="solid"/>
+                    </a:lnR>
+                    <a:lnT>
+                      <a:noFill/>
+                    </a:lnT>
+                    <a:lnB w="19050">
+                      <a:solidFill>
+                        <a:srgbClr val="595959"/>
+                      </a:solidFill>
+                      <a:prstDash val="solid"/>
+                    </a:lnB>
+                    <a:solidFill>
+                      <a:srgbClr val="FFFFFF"/>
+                    </a:solidFill>
+                  </a:tcPr>
+                </a:tc>
+                <a:tc>
+                  <a:txBody>
+                    <a:bodyPr/>
+                    <a:p>
+                      <a:pPr algn="ctr">
+                        <a:lnSpc>
+                          <a:spcPct val="120000"/>
+                        </a:lnSpc>
+                        <a:spcBef>
+                          <a:spcPts val="0"/>
+                        </a:spcBef>
+                        <a:spcAft>
+                          <a:spcPts val="0"/>
+                        </a:spcAft>
+                        <a:buNone/>
+                      </a:pPr>
+                      <a:endParaRPr lang="zh-CN" altLang="en-US" sz="100" spc="60">
+                        <a:solidFill>
+                          <a:srgbClr val="404040"/>
+                        </a:solidFill>
+                        <a:latin typeface="微软雅黑" panose="020B0503020204020204" pitchFamily="34" charset="-122"/>
+                        <a:ea typeface="微软雅黑" panose="020B0503020204020204" pitchFamily="34" charset="-122"/>
+                      </a:endParaRPr>
+                    </a:p>
+                  </a:txBody>
+                  <a:tcPr marL="12700" marR="12700" marT="12700" marB="12700" anchor="ctr">
+                    <a:lnL w="6350">
+                      <a:solidFill>
+                        <a:srgbClr val="D9D9D9"/>
+                      </a:solidFill>
+                      <a:prstDash val="solid"/>
+                    </a:lnL>
+                    <a:lnR w="6350">
+                      <a:solidFill>
+                        <a:srgbClr val="D9D9D9"/>
+                      </a:solidFill>
+                      <a:prstDash val="solid"/>
+                    </a:lnR>
+                    <a:lnT>
+                      <a:noFill/>
+                    </a:lnT>
+                    <a:lnB w="19050">
+                      <a:solidFill>
+                        <a:srgbClr val="595959"/>
+                      </a:solidFill>
+                      <a:prstDash val="solid"/>
+                    </a:lnB>
+                    <a:solidFill>
+                      <a:srgbClr val="FFFFFF"/>
+                    </a:solidFill>
+                  </a:tcPr>
+                </a:tc>
+                <a:tc>
+                  <a:txBody>
+                    <a:bodyPr/>
+                    <a:p>
+                      <a:pPr algn="ctr">
+                        <a:lnSpc>
+                          <a:spcPct val="120000"/>
+                        </a:lnSpc>
+                        <a:spcBef>
+                          <a:spcPts val="0"/>
+                        </a:spcBef>
+                        <a:spcAft>
+                          <a:spcPts val="0"/>
+                        </a:spcAft>
+                        <a:buNone/>
+                      </a:pPr>
+                      <a:endParaRPr lang="zh-CN" altLang="en-US" sz="100" spc="60">
+                        <a:solidFill>
+                          <a:srgbClr val="404040"/>
+                        </a:solidFill>
+                        <a:latin typeface="微软雅黑" panose="020B0503020204020204" pitchFamily="34" charset="-122"/>
+                        <a:ea typeface="微软雅黑" panose="020B0503020204020204" pitchFamily="34" charset="-122"/>
+                      </a:endParaRPr>
+                    </a:p>
+                  </a:txBody>
+                  <a:tcPr marL="12700" marR="12700" marT="12700" marB="12700" anchor="ctr">
+                    <a:lnL w="6350">
+                      <a:solidFill>
+                        <a:srgbClr val="D9D9D9"/>
+                      </a:solidFill>
+                      <a:prstDash val="solid"/>
+                    </a:lnL>
+                    <a:lnR w="6350">
+                      <a:solidFill>
+                        <a:srgbClr val="D9D9D9"/>
+                      </a:solidFill>
+                      <a:prstDash val="solid"/>
+                    </a:lnR>
+                    <a:lnT>
+                      <a:noFill/>
+                    </a:lnT>
+                    <a:lnB w="19050">
+                      <a:solidFill>
+                        <a:srgbClr val="595959"/>
+                      </a:solidFill>
+                      <a:prstDash val="solid"/>
+                    </a:lnB>
+                    <a:solidFill>
+                      <a:srgbClr val="FFFFFF"/>
+                    </a:solidFill>
+                  </a:tcPr>
+                </a:tc>
+                <a:tc>
+                  <a:txBody>
+                    <a:bodyPr/>
+                    <a:p>
+                      <a:pPr algn="ctr">
+                        <a:lnSpc>
+                          <a:spcPct val="120000"/>
+                        </a:lnSpc>
+                        <a:spcBef>
+                          <a:spcPts val="0"/>
+                        </a:spcBef>
+                        <a:spcAft>
+                          <a:spcPts val="0"/>
+                        </a:spcAft>
+                        <a:buNone/>
+                      </a:pPr>
+                      <a:endParaRPr lang="zh-CN" altLang="en-US" sz="100" spc="60">
+                        <a:solidFill>
+                          <a:srgbClr val="404040"/>
+                        </a:solidFill>
+                        <a:latin typeface="微软雅黑" panose="020B0503020204020204" pitchFamily="34" charset="-122"/>
+                        <a:ea typeface="微软雅黑" panose="020B0503020204020204" pitchFamily="34" charset="-122"/>
+                      </a:endParaRPr>
+                    </a:p>
+                  </a:txBody>
+                  <a:tcPr marL="12700" marR="12700" marT="12700" marB="12700" anchor="ctr">
+                    <a:lnL w="6350">
+                      <a:solidFill>
+                        <a:srgbClr val="D9D9D9"/>
+                      </a:solidFill>
+                      <a:prstDash val="solid"/>
+                    </a:lnL>
+                    <a:lnR w="6350">
+                      <a:solidFill>
+                        <a:srgbClr val="D9D9D9"/>
+                      </a:solidFill>
+                      <a:prstDash val="solid"/>
+                    </a:lnR>
+                    <a:lnT>
+                      <a:noFill/>
+                    </a:lnT>
+                    <a:lnB w="19050">
+                      <a:solidFill>
+                        <a:srgbClr val="595959"/>
+                      </a:solidFill>
+                      <a:prstDash val="solid"/>
+                    </a:lnB>
+                    <a:solidFill>
+                      <a:srgbClr val="FFFFFF"/>
+                    </a:solidFill>
+                  </a:tcPr>
+                </a:tc>
+                <a:tc>
+                  <a:txBody>
+                    <a:bodyPr/>
+                    <a:p>
+                      <a:pPr algn="ctr">
+                        <a:lnSpc>
+                          <a:spcPct val="120000"/>
+                        </a:lnSpc>
+                        <a:spcBef>
+                          <a:spcPts val="0"/>
+                        </a:spcBef>
+                        <a:spcAft>
+                          <a:spcPts val="0"/>
+                        </a:spcAft>
+                        <a:buNone/>
+                      </a:pPr>
+                      <a:endParaRPr lang="zh-CN" altLang="en-US" sz="100" spc="60">
+                        <a:solidFill>
+                          <a:srgbClr val="404040"/>
+                        </a:solidFill>
+                        <a:latin typeface="微软雅黑" panose="020B0503020204020204" pitchFamily="34" charset="-122"/>
+                        <a:ea typeface="微软雅黑" panose="020B0503020204020204" pitchFamily="34" charset="-122"/>
+                      </a:endParaRPr>
+                    </a:p>
+                  </a:txBody>
+                  <a:tcPr marL="12700" marR="12700" marT="12700" marB="12700" anchor="ctr">
+                    <a:lnL w="6350">
+                      <a:solidFill>
+                        <a:srgbClr val="D9D9D9"/>
+                      </a:solidFill>
+                      <a:prstDash val="solid"/>
+                    </a:lnL>
+                    <a:lnR w="6350">
+                      <a:solidFill>
+                        <a:srgbClr val="D9D9D9"/>
+                      </a:solidFill>
+                      <a:prstDash val="solid"/>
+                    </a:lnR>
+                    <a:lnT>
+                      <a:noFill/>
+                    </a:lnT>
+                    <a:lnB w="19050">
+                      <a:solidFill>
+                        <a:srgbClr val="595959"/>
+                      </a:solidFill>
+                      <a:prstDash val="solid"/>
+                    </a:lnB>
+                    <a:solidFill>
+                      <a:srgbClr val="FFFFFF"/>
+                    </a:solidFill>
+                  </a:tcPr>
+                </a:tc>
+                <a:tc>
+                  <a:txBody>
+                    <a:bodyPr/>
+                    <a:p>
+                      <a:pPr algn="ctr">
+                        <a:lnSpc>
+                          <a:spcPct val="120000"/>
+                        </a:lnSpc>
+                        <a:spcBef>
+                          <a:spcPts val="0"/>
+                        </a:spcBef>
+                        <a:spcAft>
+                          <a:spcPts val="0"/>
+                        </a:spcAft>
+                        <a:buNone/>
+                      </a:pPr>
+                      <a:endParaRPr lang="zh-CN" altLang="en-US" sz="100" spc="60">
+                        <a:solidFill>
+                          <a:srgbClr val="404040"/>
+                        </a:solidFill>
+                        <a:latin typeface="微软雅黑" panose="020B0503020204020204" pitchFamily="34" charset="-122"/>
+                        <a:ea typeface="微软雅黑" panose="020B0503020204020204" pitchFamily="34" charset="-122"/>
+                      </a:endParaRPr>
+                    </a:p>
+                  </a:txBody>
+                  <a:tcPr marL="12700" marR="12700" marT="12700" marB="12700" anchor="ctr">
+                    <a:lnL w="6350">
+                      <a:solidFill>
+                        <a:srgbClr val="D9D9D9"/>
+                      </a:solidFill>
+                      <a:prstDash val="solid"/>
+                    </a:lnL>
+                    <a:lnR>
+                      <a:noFill/>
+                    </a:lnR>
+                    <a:lnT>
+                      <a:noFill/>
+                    </a:lnT>
+                    <a:lnB w="19050">
+                      <a:solidFill>
+                        <a:srgbClr val="595959"/>
+                      </a:solidFill>
+                      <a:prstDash val="solid"/>
+                    </a:lnB>
+                    <a:solidFill>
+                      <a:srgbClr val="FFFFFF"/>
+                    </a:solidFill>
+                  </a:tcPr>
+                </a:tc>
+              </a:tr>
+            </a:tbl>
+          </a:graphicData>
+        </a:graphic>
+      </p:graphicFrame>
+      <p:sp>
+        <p:nvSpPr>
+          <p:cNvPr id="18" name="椭圆 17"/>
+          <p:cNvSpPr/>
+          <p:nvPr/>
+        </p:nvSpPr>
+        <p:spPr>
+          <a:xfrm>
+            <a:off x="6247765" y="2839085"/>
+            <a:ext cx="1768475" cy="1682750"/>
+          </a:xfrm>
+          <a:prstGeom prst="ellipse">
+            <a:avLst/>
+          </a:prstGeom>
+        </p:spPr>
+        <p:style>
+          <a:lnRef idx="3">
+            <a:schemeClr val="lt1"/>
+          </a:lnRef>
+          <a:fillRef idx="1">
+            <a:schemeClr val="accent5"/>
+          </a:fillRef>
+          <a:effectRef idx="1">
+            <a:schemeClr val="accent5"/>
+          </a:effectRef>
+          <a:fontRef idx="minor">
+            <a:schemeClr val="lt1"/>
+          </a:fontRef>
+        </p:style>
+        <p:txBody>
+          <a:bodyPr rtlCol="0" anchor="ctr"/>
+          <a:p>
+            <a:pPr algn="ctr"/>
+            <a:endParaRPr lang="zh-CN" altLang="en-US"/>
+          </a:p>
+        </p:txBody>
+      </p:sp>
+      <p:cxnSp>
+        <p:nvCxnSpPr>
+          <p:cNvPr id="21" name="直接连接符 20"/>
+          <p:cNvCxnSpPr>
+            <a:stCxn id="18" idx="1"/>
+            <a:endCxn id="18" idx="5"/>
+          </p:cNvCxnSpPr>
+          <p:nvPr/>
+        </p:nvCxnSpPr>
+        <p:spPr>
+          <a:xfrm>
+            <a:off x="6506845" y="3085465"/>
+            <a:ext cx="1250315" cy="1189990"/>
+          </a:xfrm>
+          <a:prstGeom prst="line">
+            <a:avLst/>
+          </a:prstGeom>
+        </p:spPr>
+        <p:style>
+          <a:lnRef idx="3">
+            <a:schemeClr val="dk1"/>
+          </a:lnRef>
+          <a:fillRef idx="0">
+            <a:schemeClr val="dk1"/>
+          </a:fillRef>
+          <a:effectRef idx="2">
+            <a:schemeClr val="dk1"/>
+          </a:effectRef>
+          <a:fontRef idx="minor">
+            <a:schemeClr val="tx1"/>
+          </a:fontRef>
+        </p:style>
+      </p:cxnSp>
+      <p:cxnSp>
+        <p:nvCxnSpPr>
+          <p:cNvPr id="22" name="直接连接符 21"/>
+          <p:cNvCxnSpPr>
+            <a:stCxn id="18" idx="0"/>
+            <a:endCxn id="18" idx="4"/>
+          </p:cNvCxnSpPr>
+          <p:nvPr/>
+        </p:nvCxnSpPr>
+        <p:spPr>
+          <a:xfrm>
+            <a:off x="7132320" y="2839085"/>
+            <a:ext cx="0" cy="1682750"/>
+          </a:xfrm>
+          <a:prstGeom prst="line">
+            <a:avLst/>
+          </a:prstGeom>
+        </p:spPr>
+        <p:style>
+          <a:lnRef idx="3">
+            <a:schemeClr val="dk1"/>
+          </a:lnRef>
+          <a:fillRef idx="0">
+            <a:schemeClr val="dk1"/>
+          </a:fillRef>
+          <a:effectRef idx="2">
+            <a:schemeClr val="dk1"/>
+          </a:effectRef>
+          <a:fontRef idx="minor">
+            <a:schemeClr val="tx1"/>
+          </a:fontRef>
+        </p:style>
+      </p:cxnSp>
+      <p:cxnSp>
+        <p:nvCxnSpPr>
+          <p:cNvPr id="23" name="直接连接符 22"/>
+          <p:cNvCxnSpPr>
+            <a:stCxn id="18" idx="7"/>
+            <a:endCxn id="18" idx="3"/>
+          </p:cNvCxnSpPr>
+          <p:nvPr/>
+        </p:nvCxnSpPr>
+        <p:spPr>
+          <a:xfrm flipH="1">
+            <a:off x="6506845" y="3085465"/>
+            <a:ext cx="1250315" cy="1189990"/>
+          </a:xfrm>
+          <a:prstGeom prst="line">
+            <a:avLst/>
+          </a:prstGeom>
+        </p:spPr>
+        <p:style>
+          <a:lnRef idx="3">
+            <a:schemeClr val="dk1"/>
+          </a:lnRef>
+          <a:fillRef idx="0">
+            <a:schemeClr val="dk1"/>
+          </a:fillRef>
+          <a:effectRef idx="2">
+            <a:schemeClr val="dk1"/>
+          </a:effectRef>
+          <a:fontRef idx="minor">
+            <a:schemeClr val="tx1"/>
+          </a:fontRef>
+        </p:style>
+      </p:cxnSp>
+      <p:cxnSp>
+        <p:nvCxnSpPr>
+          <p:cNvPr id="24" name="直接连接符 23"/>
+          <p:cNvCxnSpPr>
+            <a:stCxn id="18" idx="6"/>
+            <a:endCxn id="18" idx="2"/>
+          </p:cNvCxnSpPr>
+          <p:nvPr/>
+        </p:nvCxnSpPr>
+        <p:spPr>
+          <a:xfrm flipH="1">
+            <a:off x="6247765" y="3680460"/>
+            <a:ext cx="1768475" cy="0"/>
+          </a:xfrm>
+          <a:prstGeom prst="line">
+            <a:avLst/>
+          </a:prstGeom>
+        </p:spPr>
+        <p:style>
+          <a:lnRef idx="3">
+            <a:schemeClr val="dk1"/>
+          </a:lnRef>
+          <a:fillRef idx="0">
+            <a:schemeClr val="dk1"/>
+          </a:fillRef>
+          <a:effectRef idx="2">
+            <a:schemeClr val="dk1"/>
+          </a:effectRef>
+          <a:fontRef idx="minor">
+            <a:schemeClr val="tx1"/>
+          </a:fontRef>
+        </p:style>
+      </p:cxnSp>
+      <p:cxnSp>
+        <p:nvCxnSpPr>
+          <p:cNvPr id="26" name="直接连接符 25"/>
+          <p:cNvCxnSpPr/>
+          <p:nvPr/>
+        </p:nvCxnSpPr>
+        <p:spPr>
+          <a:xfrm flipH="1">
+            <a:off x="6809105" y="2902585"/>
+            <a:ext cx="656590" cy="1578610"/>
+          </a:xfrm>
+          <a:prstGeom prst="line">
+            <a:avLst/>
+          </a:prstGeom>
+        </p:spPr>
+        <p:style>
+          <a:lnRef idx="3">
+            <a:schemeClr val="dk1"/>
+          </a:lnRef>
+          <a:fillRef idx="0">
+            <a:schemeClr val="dk1"/>
+          </a:fillRef>
+          <a:effectRef idx="2">
+            <a:schemeClr val="dk1"/>
+          </a:effectRef>
+          <a:fontRef idx="minor">
+            <a:schemeClr val="tx1"/>
+          </a:fontRef>
+        </p:style>
+      </p:cxnSp>
+      <p:cxnSp>
+        <p:nvCxnSpPr>
+          <p:cNvPr id="27" name="直接连接符 26"/>
+          <p:cNvCxnSpPr/>
+          <p:nvPr/>
+        </p:nvCxnSpPr>
+        <p:spPr>
+          <a:xfrm>
+            <a:off x="6774815" y="2920365"/>
+            <a:ext cx="737235" cy="1533525"/>
+          </a:xfrm>
+          <a:prstGeom prst="line">
+            <a:avLst/>
+          </a:prstGeom>
+        </p:spPr>
+        <p:style>
+          <a:lnRef idx="3">
+            <a:schemeClr val="dk1"/>
+          </a:lnRef>
+          <a:fillRef idx="0">
+            <a:schemeClr val="dk1"/>
+          </a:fillRef>
+          <a:effectRef idx="2">
+            <a:schemeClr val="dk1"/>
+          </a:effectRef>
+          <a:fontRef idx="minor">
+            <a:schemeClr val="tx1"/>
+          </a:fontRef>
+        </p:style>
+      </p:cxnSp>
+      <p:cxnSp>
+        <p:nvCxnSpPr>
+          <p:cNvPr id="28" name="直接连接符 27"/>
+          <p:cNvCxnSpPr/>
+          <p:nvPr/>
+        </p:nvCxnSpPr>
+        <p:spPr>
+          <a:xfrm flipH="1">
+            <a:off x="6322060" y="3352800"/>
+            <a:ext cx="1626235" cy="636905"/>
+          </a:xfrm>
+          <a:prstGeom prst="line">
+            <a:avLst/>
+          </a:prstGeom>
+        </p:spPr>
+        <p:style>
+          <a:lnRef idx="3">
+            <a:schemeClr val="dk1"/>
+          </a:lnRef>
+          <a:fillRef idx="0">
+            <a:schemeClr val="dk1"/>
+          </a:fillRef>
+          <a:effectRef idx="2">
+            <a:schemeClr val="dk1"/>
+          </a:effectRef>
+          <a:fontRef idx="minor">
+            <a:schemeClr val="tx1"/>
+          </a:fontRef>
+        </p:style>
+      </p:cxnSp>
+      <p:cxnSp>
+        <p:nvCxnSpPr>
+          <p:cNvPr id="29" name="直接连接符 28"/>
+          <p:cNvCxnSpPr/>
+          <p:nvPr/>
+        </p:nvCxnSpPr>
+        <p:spPr>
+          <a:xfrm flipH="1" flipV="1">
+            <a:off x="6303645" y="3361055"/>
+            <a:ext cx="1654810" cy="646430"/>
+          </a:xfrm>
+          <a:prstGeom prst="line">
+            <a:avLst/>
+          </a:prstGeom>
+        </p:spPr>
+        <p:style>
+          <a:lnRef idx="3">
+            <a:schemeClr val="dk1"/>
+          </a:lnRef>
+          <a:fillRef idx="0">
+            <a:schemeClr val="dk1"/>
+          </a:fillRef>
+          <a:effectRef idx="2">
+            <a:schemeClr val="dk1"/>
+          </a:effectRef>
+          <a:fontRef idx="minor">
+            <a:schemeClr val="tx1"/>
+          </a:fontRef>
+        </p:style>
+      </p:cxnSp>
+      <p:sp>
+        <p:nvSpPr>
+          <p:cNvPr id="30" name="椭圆 29"/>
+          <p:cNvSpPr/>
+          <p:nvPr/>
+        </p:nvSpPr>
+        <p:spPr>
+          <a:xfrm>
+            <a:off x="6506845" y="3075305"/>
+            <a:ext cx="1226820" cy="1233170"/>
+          </a:xfrm>
+          <a:prstGeom prst="ellipse">
+            <a:avLst/>
+          </a:prstGeom>
+        </p:spPr>
+        <p:style>
+          <a:lnRef idx="1">
+            <a:schemeClr val="accent4"/>
+          </a:lnRef>
+          <a:fillRef idx="2">
+            <a:schemeClr val="accent4"/>
+          </a:fillRef>
+          <a:effectRef idx="1">
+            <a:schemeClr val="accent4"/>
+          </a:effectRef>
+          <a:fontRef idx="minor">
+            <a:schemeClr val="dk1"/>
+          </a:fontRef>
+        </p:style>
+        <p:txBody>
+          <a:bodyPr rtlCol="0" anchor="ctr"/>
+          <a:p>
+            <a:pPr algn="ctr"/>
+            <a:r>
+              <a:rPr lang="en-US" altLang="zh-CN"/>
+              <a:t>Redo</a:t>
+            </a:r>
+            <a:endParaRPr lang="en-US" altLang="zh-CN"/>
+          </a:p>
+          <a:p>
+            <a:pPr algn="ctr"/>
+            <a:r>
+              <a:rPr lang="en-US" altLang="zh-CN"/>
+              <a:t>Log</a:t>
+            </a:r>
+            <a:endParaRPr lang="en-US" altLang="zh-CN"/>
+          </a:p>
+          <a:p>
+            <a:pPr algn="ctr"/>
+            <a:r>
+              <a:rPr lang="en-US" altLang="zh-CN"/>
+              <a:t>Buffer</a:t>
+            </a:r>
+            <a:endParaRPr lang="en-US" altLang="zh-CN"/>
+          </a:p>
+        </p:txBody>
+      </p:sp>
+      <p:sp>
+        <p:nvSpPr>
+          <p:cNvPr id="39" name="矩形 38"/>
+          <p:cNvSpPr/>
+          <p:nvPr/>
+        </p:nvSpPr>
+        <p:spPr>
+          <a:xfrm>
+            <a:off x="2949575" y="3989705"/>
+            <a:ext cx="1347470" cy="270000"/>
+          </a:xfrm>
+          <a:prstGeom prst="rect">
+            <a:avLst/>
+          </a:prstGeom>
+        </p:spPr>
+        <p:style>
+          <a:lnRef idx="1">
+            <a:schemeClr val="accent6"/>
+          </a:lnRef>
+          <a:fillRef idx="2">
+            <a:schemeClr val="accent6"/>
+          </a:fillRef>
+          <a:effectRef idx="1">
+            <a:schemeClr val="accent6"/>
+          </a:effectRef>
+          <a:fontRef idx="minor">
+            <a:schemeClr val="dk1"/>
+          </a:fontRef>
+        </p:style>
+        <p:txBody>
+          <a:bodyPr rtlCol="0" anchor="ctr"/>
+          <a:p>
+            <a:pPr algn="ctr"/>
+            <a:r>
+              <a:rPr lang="en-US" altLang="zh-CN" sz="900"/>
+              <a:t>Data Dictionary Cache</a:t>
+            </a:r>
+            <a:endParaRPr lang="en-US" altLang="zh-CN" sz="900"/>
+          </a:p>
+        </p:txBody>
+      </p:sp>
+      <p:sp>
+        <p:nvSpPr>
+          <p:cNvPr id="32" name="矩形 31"/>
+          <p:cNvSpPr/>
+          <p:nvPr/>
+        </p:nvSpPr>
+        <p:spPr>
+          <a:xfrm>
+            <a:off x="2954655" y="4308475"/>
+            <a:ext cx="1347470" cy="270000"/>
+          </a:xfrm>
+          <a:prstGeom prst="rect">
+            <a:avLst/>
+          </a:prstGeom>
+        </p:spPr>
+        <p:style>
+          <a:lnRef idx="1">
+            <a:schemeClr val="accent6"/>
+          </a:lnRef>
+          <a:fillRef idx="2">
+            <a:schemeClr val="accent6"/>
+          </a:fillRef>
+          <a:effectRef idx="1">
+            <a:schemeClr val="accent6"/>
+          </a:effectRef>
+          <a:fontRef idx="minor">
+            <a:schemeClr val="dk1"/>
+          </a:fontRef>
+        </p:style>
+        <p:txBody>
+          <a:bodyPr rtlCol="0" anchor="ctr"/>
+          <a:p>
+            <a:pPr algn="ctr"/>
+            <a:r>
+              <a:rPr lang="en-US" altLang="zh-CN" sz="900"/>
+              <a:t>Server Result Cache</a:t>
+            </a:r>
+            <a:endParaRPr lang="en-US" altLang="zh-CN" sz="900"/>
+          </a:p>
+        </p:txBody>
+      </p:sp>
+    </p:spTree>
+    <p:custDataLst>
+      <p:tags r:id="rId3"/>
+    </p:custDataLst>
+  </p:cSld>
+  <p:clrMapOvr>
+    <a:masterClrMapping/>
+  </p:clrMapOvr>
+</p:sld>
+</file>
+
+<file path=ppt/slides/slide4.xml><?xml version="1.0" encoding="utf-8"?>
+<p:sld xmlns:a="http://schemas.openxmlformats.org/drawingml/2006/main" xmlns:r="http://schemas.openxmlformats.org/officeDocument/2006/relationships" xmlns:p="http://schemas.openxmlformats.org/presentationml/2006/main">
+  <p:cSld>
+    <p:spTree>
+      <p:nvGrpSpPr>
+        <p:cNvPr id="1" name=""/>
+        <p:cNvGrpSpPr/>
+        <p:nvPr/>
+      </p:nvGrpSpPr>
+      <p:grpSpPr>
+        <a:xfrm>
+          <a:off x="0" y="0"/>
+          <a:ext cx="0" cy="0"/>
+          <a:chOff x="0" y="0"/>
+          <a:chExt cx="0" cy="0"/>
+        </a:xfrm>
+      </p:grpSpPr>
+      <p:sp>
+        <p:nvSpPr>
           <p:cNvPr id="4" name="椭圆 3"/>
           <p:cNvSpPr/>
           <p:nvPr/>
@@ -6170,7 +9680,7 @@
 </p:sld>
 </file>
 
-<file path=ppt/slides/slide4.xml><?xml version="1.0" encoding="utf-8"?>
+<file path=ppt/slides/slide5.xml><?xml version="1.0" encoding="utf-8"?>
 <p:sld xmlns:a="http://schemas.openxmlformats.org/drawingml/2006/main" xmlns:r="http://schemas.openxmlformats.org/officeDocument/2006/relationships" xmlns:p="http://schemas.openxmlformats.org/presentationml/2006/main">
   <p:cSld>
     <p:spTree>
@@ -7386,6 +10896,32 @@
 
 <file path=ppt/tags/tag65.xml><?xml version="1.0" encoding="utf-8"?>
 <p:tagLst xmlns:p="http://schemas.openxmlformats.org/presentationml/2006/main">
+  <p:tag name="KSO_WM_UNIT_TABLE_BEAUTIFY" val="smartTable{372f7eca-1245-4237-b1f4-0f99314756eb}"/>
+  <p:tag name="TABLE_ENDDRAG_ORIGIN_RECT" val="79*59"/>
+  <p:tag name="TABLE_ENDDRAG_RECT" val="371*278*79*59"/>
+  <p:tag name="TABLE_AUTOADJUST_FLAG" val="1"/>
+  <p:tag name="TABLE_EMPHASIZE_COLOR" val="14905447"/>
+  <p:tag name="TABLE_SKINIDX" val="3"/>
+  <p:tag name="TABLE_COLORIDX" val="7"/>
+  <p:tag name="TABLE_COLOR_RGB" val="0x000000*0xFFFFFF*0x212121*0xFFFFFF*0xF98638*0xFFB829*0x37BECC*0x1687A5*0x3A3A47*0xC7DADD"/>
+</p:tagLst>
+</file>
+
+<file path=ppt/tags/tag66.xml><?xml version="1.0" encoding="utf-8"?>
+<p:tagLst xmlns:p="http://schemas.openxmlformats.org/presentationml/2006/main">
+  <p:tag name="KSO_WM_UNIT_TABLE_BEAUTIFY" val="smartTable{b09115c8-8024-4765-83fe-712160fe2ed0}"/>
+  <p:tag name="TABLE_ENDDRAG_ORIGIN_RECT" val="97*42"/>
+  <p:tag name="TABLE_ENDDRAG_RECT" val="519*247*97*42"/>
+  <p:tag name="TABLE_AUTOADJUST_FLAG" val="1"/>
+  <p:tag name="TABLE_EMPHASIZE_COLOR" val="16754589"/>
+  <p:tag name="TABLE_SKINIDX" val="3"/>
+  <p:tag name="TABLE_COLORIDX" val="16"/>
+  <p:tag name="TABLE_COLOR_RGB" val="0x000000*0xFFFFFF*0x212121*0xFFFFFF*0xFFA79D*0xFED585*0xFEF284*0xC3E29E*0xABE9FE*0x96AFEF"/>
+</p:tagLst>
+</file>
+
+<file path=ppt/tags/tag67.xml><?xml version="1.0" encoding="utf-8"?>
+<p:tagLst xmlns:p="http://schemas.openxmlformats.org/presentationml/2006/main">
   <p:tag name="KSO_WM_SLIDE_ID" val="custom20205176_1"/>
   <p:tag name="KSO_WM_TEMPLATE_SUBCATEGORY" val="19"/>
   <p:tag name="KSO_WM_TEMPLATE_MASTER_TYPE" val="0"/>
@@ -7405,7 +10941,28 @@
 </p:tagLst>
 </file>
 
-<file path=ppt/tags/tag66.xml><?xml version="1.0" encoding="utf-8"?>
+<file path=ppt/tags/tag68.xml><?xml version="1.0" encoding="utf-8"?>
+<p:tagLst xmlns:p="http://schemas.openxmlformats.org/presentationml/2006/main">
+  <p:tag name="KSO_WM_SLIDE_ID" val="custom20205176_1"/>
+  <p:tag name="KSO_WM_TEMPLATE_SUBCATEGORY" val="19"/>
+  <p:tag name="KSO_WM_TEMPLATE_MASTER_TYPE" val="0"/>
+  <p:tag name="KSO_WM_TEMPLATE_COLOR_TYPE" val="1"/>
+  <p:tag name="KSO_WM_SLIDE_TYPE" val="title"/>
+  <p:tag name="KSO_WM_SLIDE_SUBTYPE" val="defaultBlank"/>
+  <p:tag name="KSO_WM_SLIDE_ITEM_CNT" val="0"/>
+  <p:tag name="KSO_WM_SLIDE_INDEX" val="1"/>
+  <p:tag name="KSO_WM_TAG_VERSION" val="1.0"/>
+  <p:tag name="KSO_WM_BEAUTIFY_FLAG" val="#wm#"/>
+  <p:tag name="KSO_WM_TEMPLATE_CATEGORY" val="custom"/>
+  <p:tag name="KSO_WM_TEMPLATE_INDEX" val="20205176"/>
+  <p:tag name="KSO_WM_SLIDE_LAYOUT" val="a_b"/>
+  <p:tag name="KSO_WM_SLIDE_LAYOUT_CNT" val="1_1"/>
+  <p:tag name="KSO_WM_UNIT_SHOW_EDIT_AREA_INDICATION" val="1"/>
+  <p:tag name="KSO_WM_TEMPLATE_THUMBS_INDEX" val="1、4、7、12、13、14、15、16、17、18、20、24、25、28、33、36、40、43、44"/>
+</p:tagLst>
+</file>
+
+<file path=ppt/tags/tag69.xml><?xml version="1.0" encoding="utf-8"?>
 <p:tagLst xmlns:p="http://schemas.openxmlformats.org/presentationml/2006/main">
   <p:tag name="KSO_WM_SLIDE_ID" val="custom20205176_1"/>
   <p:tag name="KSO_WM_TEMPLATE_SUBCATEGORY" val="19"/>

--- a/Read/Oracle/knowledge/Material/Oracle体系结构.pptx
+++ b/Read/Oracle/knowledge/Material/Oracle体系结构.pptx
@@ -8,8 +8,10 @@
     <p:sldId id="409" r:id="rId3"/>
     <p:sldId id="411" r:id="rId4"/>
     <p:sldId id="414" r:id="rId5"/>
-    <p:sldId id="412" r:id="rId6"/>
-    <p:sldId id="413" r:id="rId7"/>
+    <p:sldId id="417" r:id="rId6"/>
+    <p:sldId id="420" r:id="rId7"/>
+    <p:sldId id="412" r:id="rId8"/>
+    <p:sldId id="413" r:id="rId9"/>
   </p:sldIdLst>
   <p:sldSz cx="12192000" cy="6858000"/>
   <p:notesSz cx="6858000" cy="9144000"/>
@@ -5760,13 +5762,99 @@
       </p:grpSpPr>
       <p:sp>
         <p:nvSpPr>
+          <p:cNvPr id="45" name="圆角矩形 44"/>
+          <p:cNvSpPr/>
+          <p:nvPr/>
+        </p:nvSpPr>
+        <p:spPr>
+          <a:xfrm>
+            <a:off x="10319385" y="4850765"/>
+            <a:ext cx="1292860" cy="1443990"/>
+          </a:xfrm>
+          <a:prstGeom prst="roundRect">
+            <a:avLst/>
+          </a:prstGeom>
+          <a:solidFill>
+            <a:schemeClr val="bg1">
+              <a:lumMod val="95000"/>
+            </a:schemeClr>
+          </a:solidFill>
+        </p:spPr>
+        <p:style>
+          <a:lnRef idx="2">
+            <a:schemeClr val="accent1">
+              <a:shade val="50000"/>
+            </a:schemeClr>
+          </a:lnRef>
+          <a:fillRef idx="1">
+            <a:schemeClr val="accent1"/>
+          </a:fillRef>
+          <a:effectRef idx="0">
+            <a:schemeClr val="accent1"/>
+          </a:effectRef>
+          <a:fontRef idx="minor">
+            <a:schemeClr val="lt1"/>
+          </a:fontRef>
+        </p:style>
+        <p:txBody>
+          <a:bodyPr rtlCol="0" anchor="ctr"/>
+          <a:p>
+            <a:pPr algn="ctr"/>
+            <a:endParaRPr lang="zh-CN" altLang="en-US"/>
+          </a:p>
+        </p:txBody>
+      </p:sp>
+      <p:sp>
+        <p:nvSpPr>
+          <p:cNvPr id="35" name="矩形 34"/>
+          <p:cNvSpPr/>
+          <p:nvPr/>
+        </p:nvSpPr>
+        <p:spPr>
+          <a:xfrm>
+            <a:off x="633730" y="1640205"/>
+            <a:ext cx="8768715" cy="4945380"/>
+          </a:xfrm>
+          <a:prstGeom prst="rect">
+            <a:avLst/>
+          </a:prstGeom>
+          <a:solidFill>
+            <a:schemeClr val="bg1">
+              <a:lumMod val="95000"/>
+            </a:schemeClr>
+          </a:solidFill>
+        </p:spPr>
+        <p:style>
+          <a:lnRef idx="2">
+            <a:schemeClr val="dk1"/>
+          </a:lnRef>
+          <a:fillRef idx="1">
+            <a:schemeClr val="lt1"/>
+          </a:fillRef>
+          <a:effectRef idx="0">
+            <a:schemeClr val="dk1"/>
+          </a:effectRef>
+          <a:fontRef idx="minor">
+            <a:schemeClr val="dk1"/>
+          </a:fontRef>
+        </p:style>
+        <p:txBody>
+          <a:bodyPr rtlCol="0" anchor="ctr"/>
+          <a:p>
+            <a:pPr algn="ctr"/>
+            <a:endParaRPr lang="zh-CN" altLang="en-US"/>
+          </a:p>
+        </p:txBody>
+      </p:sp>
+      <p:sp>
+        <p:nvSpPr>
           <p:cNvPr id="5" name="圆角矩形 4"/>
           <p:cNvSpPr/>
           <p:nvPr/>
         </p:nvSpPr>
         <p:spPr>
           <a:xfrm>
-            <a:off x="2506345" y="2007235"/>
+            <a:off x="1315085" y="2007235"/>
             <a:ext cx="7179945" cy="2843530"/>
           </a:xfrm>
           <a:prstGeom prst="roundRect">
@@ -5803,7 +5891,7 @@
         </p:nvSpPr>
         <p:spPr>
           <a:xfrm>
-            <a:off x="3956685" y="610235"/>
+            <a:off x="3972560" y="591820"/>
             <a:ext cx="4279265" cy="706755"/>
           </a:xfrm>
           <a:prstGeom prst="rect">
@@ -5869,7 +5957,7 @@
         </p:nvSpPr>
         <p:spPr>
           <a:xfrm>
-            <a:off x="3249295" y="2091690"/>
+            <a:off x="2058035" y="2091690"/>
             <a:ext cx="5693410" cy="460375"/>
           </a:xfrm>
           <a:prstGeom prst="rect">
@@ -6080,7 +6168,7 @@
         </p:nvSpPr>
         <p:spPr>
           <a:xfrm>
-            <a:off x="2701290" y="2634615"/>
+            <a:off x="1510030" y="2634615"/>
             <a:ext cx="1854200" cy="2091690"/>
           </a:xfrm>
           <a:prstGeom prst="roundRect">
@@ -6117,7 +6205,7 @@
         </p:nvSpPr>
         <p:spPr>
           <a:xfrm>
-            <a:off x="8235950" y="2999740"/>
+            <a:off x="7044690" y="2999740"/>
             <a:ext cx="1347470" cy="270000"/>
           </a:xfrm>
           <a:prstGeom prst="rect">
@@ -6158,7 +6246,7 @@
         </p:nvSpPr>
         <p:spPr>
           <a:xfrm>
-            <a:off x="8235950" y="3705985"/>
+            <a:off x="7044690" y="3705985"/>
             <a:ext cx="1347470" cy="269875"/>
           </a:xfrm>
           <a:prstGeom prst="rect">
@@ -6199,7 +6287,7 @@
         </p:nvSpPr>
         <p:spPr>
           <a:xfrm>
-            <a:off x="8235950" y="3352925"/>
+            <a:off x="7044690" y="3352925"/>
             <a:ext cx="1347470" cy="269875"/>
           </a:xfrm>
           <a:prstGeom prst="rect">
@@ -6240,7 +6328,7 @@
         </p:nvSpPr>
         <p:spPr>
           <a:xfrm>
-            <a:off x="3002280" y="2735580"/>
+            <a:off x="1811020" y="2735580"/>
             <a:ext cx="1252220" cy="306705"/>
           </a:xfrm>
           <a:prstGeom prst="rect">
@@ -6269,7 +6357,7 @@
         </p:nvSpPr>
         <p:spPr>
           <a:xfrm>
-            <a:off x="2830830" y="3042285"/>
+            <a:off x="1639570" y="3042285"/>
             <a:ext cx="1584325" cy="820420"/>
           </a:xfrm>
           <a:prstGeom prst="rect">
@@ -6310,7 +6398,7 @@
         </p:nvSpPr>
         <p:spPr>
           <a:xfrm>
-            <a:off x="2877185" y="3288030"/>
+            <a:off x="1685925" y="3288030"/>
             <a:ext cx="1502410" cy="227965"/>
           </a:xfrm>
           <a:prstGeom prst="roundRect">
@@ -6351,7 +6439,7 @@
         </p:nvSpPr>
         <p:spPr>
           <a:xfrm>
-            <a:off x="2933700" y="3566795"/>
+            <a:off x="1742440" y="3566795"/>
             <a:ext cx="1378585" cy="227965"/>
           </a:xfrm>
           <a:prstGeom prst="roundRect">
@@ -6392,7 +6480,7 @@
         </p:nvSpPr>
         <p:spPr>
           <a:xfrm>
-            <a:off x="4726940" y="2634615"/>
+            <a:off x="3535680" y="2634615"/>
             <a:ext cx="1320165" cy="2092325"/>
           </a:xfrm>
           <a:prstGeom prst="rect">
@@ -6429,7 +6517,7 @@
         </p:nvSpPr>
         <p:spPr>
           <a:xfrm>
-            <a:off x="4769485" y="2766060"/>
+            <a:off x="3578225" y="2766060"/>
             <a:ext cx="1235710" cy="521970"/>
           </a:xfrm>
           <a:prstGeom prst="rect">
@@ -6462,7 +6550,7 @@
           </p:nvPr>
         </p:nvGraphicFramePr>
         <p:xfrm>
-          <a:off x="4863465" y="3920490"/>
+          <a:off x="3672205" y="3920490"/>
           <a:ext cx="1010920" cy="758825"/>
         </p:xfrm>
         <a:graphic>
@@ -8030,7 +8118,7 @@
           </p:nvPr>
         </p:nvGraphicFramePr>
         <p:xfrm>
-          <a:off x="4774565" y="3308350"/>
+          <a:off x="3583305" y="3308350"/>
           <a:ext cx="1234440" cy="533400"/>
         </p:xfrm>
         <a:graphic>
@@ -8819,7 +8907,7 @@
         </p:nvSpPr>
         <p:spPr>
           <a:xfrm>
-            <a:off x="6247765" y="2839085"/>
+            <a:off x="5056505" y="2839085"/>
             <a:ext cx="1768475" cy="1682750"/>
           </a:xfrm>
           <a:prstGeom prst="ellipse">
@@ -8859,7 +8947,7 @@
         </p:nvCxnSpPr>
         <p:spPr>
           <a:xfrm>
-            <a:off x="6506845" y="3085465"/>
+            <a:off x="5306695" y="3085465"/>
             <a:ext cx="1250315" cy="1189990"/>
           </a:xfrm>
           <a:prstGeom prst="line">
@@ -8892,7 +8980,7 @@
         </p:nvCxnSpPr>
         <p:spPr>
           <a:xfrm>
-            <a:off x="7132320" y="2839085"/>
+            <a:off x="5932170" y="2839085"/>
             <a:ext cx="0" cy="1682750"/>
           </a:xfrm>
           <a:prstGeom prst="line">
@@ -8925,7 +9013,7 @@
         </p:nvCxnSpPr>
         <p:spPr>
           <a:xfrm flipH="1">
-            <a:off x="6506845" y="3085465"/>
+            <a:off x="5306695" y="3085465"/>
             <a:ext cx="1250315" cy="1189990"/>
           </a:xfrm>
           <a:prstGeom prst="line">
@@ -8958,7 +9046,7 @@
         </p:nvCxnSpPr>
         <p:spPr>
           <a:xfrm flipH="1">
-            <a:off x="6247765" y="3680460"/>
+            <a:off x="5047615" y="3680460"/>
             <a:ext cx="1768475" cy="0"/>
           </a:xfrm>
           <a:prstGeom prst="line">
@@ -8988,7 +9076,7 @@
         </p:nvCxnSpPr>
         <p:spPr>
           <a:xfrm flipH="1">
-            <a:off x="6809105" y="2902585"/>
+            <a:off x="5617845" y="2902585"/>
             <a:ext cx="656590" cy="1578610"/>
           </a:xfrm>
           <a:prstGeom prst="line">
@@ -9018,7 +9106,7 @@
         </p:nvCxnSpPr>
         <p:spPr>
           <a:xfrm>
-            <a:off x="6774815" y="2920365"/>
+            <a:off x="5583555" y="2920365"/>
             <a:ext cx="737235" cy="1533525"/>
           </a:xfrm>
           <a:prstGeom prst="line">
@@ -9048,7 +9136,7 @@
         </p:nvCxnSpPr>
         <p:spPr>
           <a:xfrm flipH="1">
-            <a:off x="6322060" y="3352800"/>
+            <a:off x="5130800" y="3352800"/>
             <a:ext cx="1626235" cy="636905"/>
           </a:xfrm>
           <a:prstGeom prst="line">
@@ -9078,7 +9166,7 @@
         </p:nvCxnSpPr>
         <p:spPr>
           <a:xfrm flipH="1" flipV="1">
-            <a:off x="6303645" y="3361055"/>
+            <a:off x="5112385" y="3361055"/>
             <a:ext cx="1654810" cy="646430"/>
           </a:xfrm>
           <a:prstGeom prst="line">
@@ -9108,7 +9196,7 @@
         </p:nvSpPr>
         <p:spPr>
           <a:xfrm>
-            <a:off x="6506845" y="3075305"/>
+            <a:off x="5315585" y="3075305"/>
             <a:ext cx="1226820" cy="1233170"/>
           </a:xfrm>
           <a:prstGeom prst="ellipse">
@@ -9165,7 +9253,7 @@
         </p:nvSpPr>
         <p:spPr>
           <a:xfrm>
-            <a:off x="2949575" y="3989705"/>
+            <a:off x="1758315" y="3989705"/>
             <a:ext cx="1347470" cy="270000"/>
           </a:xfrm>
           <a:prstGeom prst="rect">
@@ -9206,7 +9294,7 @@
         </p:nvSpPr>
         <p:spPr>
           <a:xfrm>
-            <a:off x="2954655" y="4308475"/>
+            <a:off x="1763395" y="4308475"/>
             <a:ext cx="1347470" cy="270000"/>
           </a:xfrm>
           <a:prstGeom prst="rect">
@@ -9239,9 +9327,511 @@
           </a:p>
         </p:txBody>
       </p:sp>
+      <p:grpSp>
+        <p:nvGrpSpPr>
+          <p:cNvPr id="25" name="组合 24"/>
+          <p:cNvGrpSpPr/>
+          <p:nvPr/>
+        </p:nvGrpSpPr>
+        <p:grpSpPr>
+          <a:xfrm>
+            <a:off x="2012950" y="5039360"/>
+            <a:ext cx="6219825" cy="1169670"/>
+            <a:chOff x="5046" y="7772"/>
+            <a:chExt cx="9795" cy="1842"/>
+          </a:xfrm>
+        </p:grpSpPr>
+        <p:sp>
+          <p:nvSpPr>
+            <p:cNvPr id="3" name="矩形 2"/>
+            <p:cNvSpPr/>
+            <p:nvPr/>
+          </p:nvSpPr>
+          <p:spPr>
+            <a:xfrm>
+              <a:off x="9839" y="7772"/>
+              <a:ext cx="5002" cy="1842"/>
+            </a:xfrm>
+            <a:prstGeom prst="rect">
+              <a:avLst/>
+            </a:prstGeom>
+          </p:spPr>
+          <p:style>
+            <a:lnRef idx="2">
+              <a:schemeClr val="accent2">
+                <a:shade val="50000"/>
+              </a:schemeClr>
+            </a:lnRef>
+            <a:fillRef idx="1">
+              <a:schemeClr val="accent2"/>
+            </a:fillRef>
+            <a:effectRef idx="0">
+              <a:schemeClr val="accent2"/>
+            </a:effectRef>
+            <a:fontRef idx="minor">
+              <a:schemeClr val="lt1"/>
+            </a:fontRef>
+          </p:style>
+          <p:txBody>
+            <a:bodyPr rtlCol="0" anchor="ctr"/>
+            <a:p>
+              <a:pPr algn="ctr"/>
+              <a:endParaRPr lang="zh-CN" altLang="en-US"/>
+            </a:p>
+          </p:txBody>
+        </p:sp>
+        <p:sp>
+          <p:nvSpPr>
+            <p:cNvPr id="2" name="圆角矩形 1"/>
+            <p:cNvSpPr/>
+            <p:nvPr/>
+          </p:nvSpPr>
+          <p:spPr>
+            <a:xfrm>
+              <a:off x="5046" y="8049"/>
+              <a:ext cx="7578" cy="1288"/>
+            </a:xfrm>
+            <a:prstGeom prst="roundRect">
+              <a:avLst/>
+            </a:prstGeom>
+          </p:spPr>
+          <p:style>
+            <a:lnRef idx="1">
+              <a:schemeClr val="accent3"/>
+            </a:lnRef>
+            <a:fillRef idx="2">
+              <a:schemeClr val="accent3"/>
+            </a:fillRef>
+            <a:effectRef idx="1">
+              <a:schemeClr val="accent3"/>
+            </a:effectRef>
+            <a:fontRef idx="minor">
+              <a:schemeClr val="dk1"/>
+            </a:fontRef>
+          </p:style>
+          <p:txBody>
+            <a:bodyPr rtlCol="0" anchor="ctr"/>
+            <a:p>
+              <a:pPr algn="ctr"/>
+              <a:endParaRPr lang="zh-CN" altLang="en-US"/>
+            </a:p>
+          </p:txBody>
+        </p:sp>
+      </p:grpSp>
+      <p:sp>
+        <p:nvSpPr>
+          <p:cNvPr id="4" name="文本框 3"/>
+          <p:cNvSpPr txBox="1"/>
+          <p:nvPr/>
+        </p:nvSpPr>
+        <p:spPr>
+          <a:xfrm>
+            <a:off x="7044690" y="5197475"/>
+            <a:ext cx="1055370" cy="645160"/>
+          </a:xfrm>
+          <a:prstGeom prst="rect">
+            <a:avLst/>
+          </a:prstGeom>
+          <a:noFill/>
+        </p:spPr>
+        <p:txBody>
+          <a:bodyPr wrap="square" rtlCol="0">
+            <a:spAutoFit/>
+          </a:bodyPr>
+          <a:p>
+            <a:r>
+              <a:rPr lang="en-US" altLang="zh-CN"/>
+              <a:t>Server</a:t>
+            </a:r>
+            <a:br>
+              <a:rPr lang="en-US" altLang="zh-CN"/>
+            </a:br>
+            <a:r>
+              <a:rPr lang="en-US" altLang="zh-CN"/>
+              <a:t>Process</a:t>
+            </a:r>
+            <a:endParaRPr lang="en-US" altLang="zh-CN"/>
+          </a:p>
+        </p:txBody>
+      </p:sp>
+      <p:cxnSp>
+        <p:nvCxnSpPr>
+          <p:cNvPr id="7" name="直接连接符 6"/>
+          <p:cNvCxnSpPr/>
+          <p:nvPr/>
+        </p:nvCxnSpPr>
+        <p:spPr>
+          <a:xfrm>
+            <a:off x="2012950" y="5624195"/>
+            <a:ext cx="4812030" cy="0"/>
+          </a:xfrm>
+          <a:prstGeom prst="line">
+            <a:avLst/>
+          </a:prstGeom>
+        </p:spPr>
+        <p:style>
+          <a:lnRef idx="3">
+            <a:schemeClr val="accent3"/>
+          </a:lnRef>
+          <a:fillRef idx="0">
+            <a:schemeClr val="accent3"/>
+          </a:fillRef>
+          <a:effectRef idx="2">
+            <a:schemeClr val="accent3"/>
+          </a:effectRef>
+          <a:fontRef idx="minor">
+            <a:schemeClr val="tx1"/>
+          </a:fontRef>
+        </p:style>
+      </p:cxnSp>
+      <p:cxnSp>
+        <p:nvCxnSpPr>
+          <p:cNvPr id="9" name="直接连接符 8"/>
+          <p:cNvCxnSpPr/>
+          <p:nvPr/>
+        </p:nvCxnSpPr>
+        <p:spPr>
+          <a:xfrm flipV="1">
+            <a:off x="4418965" y="5614670"/>
+            <a:ext cx="0" cy="418465"/>
+          </a:xfrm>
+          <a:prstGeom prst="line">
+            <a:avLst/>
+          </a:prstGeom>
+        </p:spPr>
+        <p:style>
+          <a:lnRef idx="3">
+            <a:schemeClr val="accent3"/>
+          </a:lnRef>
+          <a:fillRef idx="0">
+            <a:schemeClr val="accent3"/>
+          </a:fillRef>
+          <a:effectRef idx="2">
+            <a:schemeClr val="accent3"/>
+          </a:effectRef>
+          <a:fontRef idx="minor">
+            <a:schemeClr val="tx1"/>
+          </a:fontRef>
+        </p:style>
+      </p:cxnSp>
+      <p:sp>
+        <p:nvSpPr>
+          <p:cNvPr id="16" name="文本框 15"/>
+          <p:cNvSpPr txBox="1"/>
+          <p:nvPr/>
+        </p:nvSpPr>
+        <p:spPr>
+          <a:xfrm>
+            <a:off x="3423285" y="5246370"/>
+            <a:ext cx="1892300" cy="368300"/>
+          </a:xfrm>
+          <a:prstGeom prst="rect">
+            <a:avLst/>
+          </a:prstGeom>
+          <a:noFill/>
+        </p:spPr>
+        <p:txBody>
+          <a:bodyPr wrap="square" rtlCol="0">
+            <a:spAutoFit/>
+          </a:bodyPr>
+          <a:p>
+            <a:r>
+              <a:rPr lang="en-US" altLang="zh-CN"/>
+              <a:t>SQL Work Areas</a:t>
+            </a:r>
+            <a:endParaRPr lang="en-US" altLang="zh-CN"/>
+          </a:p>
+        </p:txBody>
+      </p:sp>
+      <p:sp>
+        <p:nvSpPr>
+          <p:cNvPr id="19" name="文本框 18"/>
+          <p:cNvSpPr txBox="1"/>
+          <p:nvPr/>
+        </p:nvSpPr>
+        <p:spPr>
+          <a:xfrm>
+            <a:off x="2203450" y="5640070"/>
+            <a:ext cx="2006600" cy="368300"/>
+          </a:xfrm>
+          <a:prstGeom prst="rect">
+            <a:avLst/>
+          </a:prstGeom>
+          <a:noFill/>
+        </p:spPr>
+        <p:txBody>
+          <a:bodyPr wrap="square" rtlCol="0">
+            <a:spAutoFit/>
+          </a:bodyPr>
+          <a:p>
+            <a:r>
+              <a:rPr lang="en-US" altLang="zh-CN"/>
+              <a:t>Session Memory</a:t>
+            </a:r>
+            <a:endParaRPr lang="en-US" altLang="zh-CN"/>
+          </a:p>
+        </p:txBody>
+      </p:sp>
+      <p:sp>
+        <p:nvSpPr>
+          <p:cNvPr id="20" name="文本框 19"/>
+          <p:cNvSpPr txBox="1"/>
+          <p:nvPr/>
+        </p:nvSpPr>
+        <p:spPr>
+          <a:xfrm>
+            <a:off x="4599940" y="5640070"/>
+            <a:ext cx="2054225" cy="368300"/>
+          </a:xfrm>
+          <a:prstGeom prst="rect">
+            <a:avLst/>
+          </a:prstGeom>
+          <a:noFill/>
+        </p:spPr>
+        <p:txBody>
+          <a:bodyPr wrap="square" rtlCol="0">
+            <a:spAutoFit/>
+          </a:bodyPr>
+          <a:p>
+            <a:r>
+              <a:rPr lang="en-US" altLang="zh-CN"/>
+              <a:t>Private SQL Area</a:t>
+            </a:r>
+            <a:endParaRPr lang="en-US" altLang="zh-CN"/>
+          </a:p>
+        </p:txBody>
+      </p:sp>
+      <p:cxnSp>
+        <p:nvCxnSpPr>
+          <p:cNvPr id="31" name="直接箭头连接符 30"/>
+          <p:cNvCxnSpPr/>
+          <p:nvPr/>
+        </p:nvCxnSpPr>
+        <p:spPr>
+          <a:xfrm flipV="1">
+            <a:off x="6111875" y="4483735"/>
+            <a:ext cx="0" cy="551815"/>
+          </a:xfrm>
+          <a:prstGeom prst="straightConnector1">
+            <a:avLst/>
+          </a:prstGeom>
+          <a:ln>
+            <a:tailEnd type="arrow" w="med" len="med"/>
+          </a:ln>
+        </p:spPr>
+        <p:style>
+          <a:lnRef idx="3">
+            <a:schemeClr val="dk1"/>
+          </a:lnRef>
+          <a:fillRef idx="0">
+            <a:schemeClr val="dk1"/>
+          </a:fillRef>
+          <a:effectRef idx="2">
+            <a:schemeClr val="dk1"/>
+          </a:effectRef>
+          <a:fontRef idx="minor">
+            <a:schemeClr val="tx1"/>
+          </a:fontRef>
+        </p:style>
+      </p:cxnSp>
+      <p:cxnSp>
+        <p:nvCxnSpPr>
+          <p:cNvPr id="33" name="直接箭头连接符 32"/>
+          <p:cNvCxnSpPr/>
+          <p:nvPr/>
+        </p:nvCxnSpPr>
+        <p:spPr>
+          <a:xfrm flipH="1" flipV="1">
+            <a:off x="4846955" y="4502785"/>
+            <a:ext cx="618490" cy="513715"/>
+          </a:xfrm>
+          <a:prstGeom prst="straightConnector1">
+            <a:avLst/>
+          </a:prstGeom>
+          <a:ln>
+            <a:tailEnd type="arrow" w="med" len="med"/>
+          </a:ln>
+        </p:spPr>
+        <p:style>
+          <a:lnRef idx="3">
+            <a:schemeClr val="dk1"/>
+          </a:lnRef>
+          <a:fillRef idx="0">
+            <a:schemeClr val="dk1"/>
+          </a:fillRef>
+          <a:effectRef idx="2">
+            <a:schemeClr val="dk1"/>
+          </a:effectRef>
+          <a:fontRef idx="minor">
+            <a:schemeClr val="tx1"/>
+          </a:fontRef>
+        </p:style>
+      </p:cxnSp>
+      <p:sp>
+        <p:nvSpPr>
+          <p:cNvPr id="34" name="文本框 33"/>
+          <p:cNvSpPr txBox="1"/>
+          <p:nvPr/>
+        </p:nvSpPr>
+        <p:spPr>
+          <a:xfrm>
+            <a:off x="4210050" y="4850765"/>
+            <a:ext cx="1150620" cy="368300"/>
+          </a:xfrm>
+          <a:prstGeom prst="rect">
+            <a:avLst/>
+          </a:prstGeom>
+          <a:noFill/>
+        </p:spPr>
+        <p:txBody>
+          <a:bodyPr wrap="square" rtlCol="0">
+            <a:spAutoFit/>
+          </a:bodyPr>
+          <a:p>
+            <a:r>
+              <a:rPr lang="en-US" altLang="zh-CN"/>
+              <a:t>PGA</a:t>
+            </a:r>
+            <a:endParaRPr lang="en-US" altLang="zh-CN"/>
+          </a:p>
+        </p:txBody>
+      </p:sp>
+      <p:sp>
+        <p:nvSpPr>
+          <p:cNvPr id="38" name="文本框 37"/>
+          <p:cNvSpPr txBox="1"/>
+          <p:nvPr/>
+        </p:nvSpPr>
+        <p:spPr>
+          <a:xfrm>
+            <a:off x="767080" y="1697355"/>
+            <a:ext cx="1188720" cy="368300"/>
+          </a:xfrm>
+          <a:prstGeom prst="rect">
+            <a:avLst/>
+          </a:prstGeom>
+          <a:noFill/>
+        </p:spPr>
+        <p:txBody>
+          <a:bodyPr wrap="square" rtlCol="0">
+            <a:spAutoFit/>
+          </a:bodyPr>
+          <a:p>
+            <a:r>
+              <a:rPr lang="en-US" altLang="zh-CN"/>
+              <a:t>Instance</a:t>
+            </a:r>
+            <a:endParaRPr lang="en-US" altLang="zh-CN"/>
+          </a:p>
+        </p:txBody>
+      </p:sp>
+      <p:pic>
+        <p:nvPicPr>
+          <p:cNvPr id="40" name="图片 39" descr="303b32303135353738373bbcc6cbe3bbfad3f2"/>
+          <p:cNvPicPr>
+            <a:picLocks noChangeAspect="1"/>
+          </p:cNvPicPr>
+          <p:nvPr/>
+        </p:nvPicPr>
+        <p:blipFill>
+          <a:blip r:embed="rId3">
+            <a:extLst>
+              <a:ext uri="{96DAC541-7B7A-43D3-8B79-37D633B846F1}">
+                <asvg:svgBlip xmlns:asvg="http://schemas.microsoft.com/office/drawing/2016/SVG/main" r:embed="rId4"/>
+              </a:ext>
+            </a:extLst>
+          </a:blip>
+          <a:stretch>
+            <a:fillRect/>
+          </a:stretch>
+        </p:blipFill>
+        <p:spPr>
+          <a:xfrm>
+            <a:off x="10508615" y="5246370"/>
+            <a:ext cx="914400" cy="914400"/>
+          </a:xfrm>
+          <a:prstGeom prst="rect">
+            <a:avLst/>
+          </a:prstGeom>
+        </p:spPr>
+      </p:pic>
+      <p:sp>
+        <p:nvSpPr>
+          <p:cNvPr id="41" name="左右箭头 40"/>
+          <p:cNvSpPr/>
+          <p:nvPr/>
+        </p:nvSpPr>
+        <p:spPr>
+          <a:xfrm>
+            <a:off x="8495030" y="5305425"/>
+            <a:ext cx="1679575" cy="636905"/>
+          </a:xfrm>
+          <a:prstGeom prst="leftRightArrow">
+            <a:avLst/>
+          </a:prstGeom>
+          <a:solidFill>
+            <a:schemeClr val="accent2">
+              <a:lumMod val="40000"/>
+              <a:lumOff val="60000"/>
+            </a:schemeClr>
+          </a:solidFill>
+        </p:spPr>
+        <p:style>
+          <a:lnRef idx="2">
+            <a:schemeClr val="accent1">
+              <a:shade val="50000"/>
+            </a:schemeClr>
+          </a:lnRef>
+          <a:fillRef idx="1">
+            <a:schemeClr val="accent1"/>
+          </a:fillRef>
+          <a:effectRef idx="0">
+            <a:schemeClr val="accent1"/>
+          </a:effectRef>
+          <a:fontRef idx="minor">
+            <a:schemeClr val="lt1"/>
+          </a:fontRef>
+        </p:style>
+        <p:txBody>
+          <a:bodyPr rtlCol="0" anchor="ctr"/>
+          <a:p>
+            <a:pPr algn="ctr"/>
+            <a:endParaRPr lang="zh-CN" altLang="en-US"/>
+          </a:p>
+        </p:txBody>
+      </p:sp>
+      <p:sp>
+        <p:nvSpPr>
+          <p:cNvPr id="46" name="文本框 45"/>
+          <p:cNvSpPr txBox="1"/>
+          <p:nvPr/>
+        </p:nvSpPr>
+        <p:spPr>
+          <a:xfrm>
+            <a:off x="10347325" y="4939665"/>
+            <a:ext cx="1236345" cy="275590"/>
+          </a:xfrm>
+          <a:prstGeom prst="rect">
+            <a:avLst/>
+          </a:prstGeom>
+          <a:noFill/>
+        </p:spPr>
+        <p:txBody>
+          <a:bodyPr wrap="square" rtlCol="0">
+            <a:spAutoFit/>
+          </a:bodyPr>
+          <a:p>
+            <a:r>
+              <a:rPr lang="en-US" altLang="zh-CN" sz="1200"/>
+              <a:t>Client Process</a:t>
+            </a:r>
+            <a:endParaRPr lang="en-US" altLang="zh-CN" sz="1200"/>
+          </a:p>
+        </p:txBody>
+      </p:sp>
     </p:spTree>
     <p:custDataLst>
-      <p:tags r:id="rId3"/>
+      <p:tags r:id="rId5"/>
     </p:custDataLst>
   </p:cSld>
   <p:clrMapOvr>
@@ -9269,27 +9859,29 @@
       </p:grpSpPr>
       <p:sp>
         <p:nvSpPr>
-          <p:cNvPr id="4" name="椭圆 3"/>
+          <p:cNvPr id="87" name="矩形 86"/>
           <p:cNvSpPr/>
           <p:nvPr/>
         </p:nvSpPr>
         <p:spPr>
           <a:xfrm>
-            <a:off x="3556635" y="1027430"/>
-            <a:ext cx="5078095" cy="4802505"/>
-          </a:xfrm>
-          <a:prstGeom prst="ellipse">
+            <a:off x="11430" y="7620"/>
+            <a:ext cx="12204065" cy="6873240"/>
+          </a:xfrm>
+          <a:prstGeom prst="rect">
             <a:avLst/>
           </a:prstGeom>
-          <a:solidFill>
-            <a:schemeClr val="accent2">
-              <a:lumMod val="60000"/>
-              <a:lumOff val="40000"/>
-            </a:schemeClr>
-          </a:solidFill>
-          <a:ln>
-            <a:noFill/>
-          </a:ln>
+          <a:gradFill>
+            <a:gsLst>
+              <a:gs pos="0">
+                <a:srgbClr val="C1D0C9"/>
+              </a:gs>
+              <a:gs pos="100000">
+                <a:srgbClr val="878D69"/>
+              </a:gs>
+            </a:gsLst>
+            <a:lin scaled="1"/>
+          </a:gradFill>
         </p:spPr>
         <p:style>
           <a:lnRef idx="2">
@@ -9317,6 +9909,4370 @@
       </p:sp>
       <p:sp>
         <p:nvSpPr>
+          <p:cNvPr id="4" name="同侧圆角矩形 3"/>
+          <p:cNvSpPr/>
+          <p:nvPr/>
+        </p:nvSpPr>
+        <p:spPr>
+          <a:xfrm>
+            <a:off x="3075305" y="793070"/>
+            <a:ext cx="1080000" cy="540000"/>
+          </a:xfrm>
+          <a:prstGeom prst="round2SameRect">
+            <a:avLst/>
+          </a:prstGeom>
+          <a:gradFill>
+            <a:gsLst>
+              <a:gs pos="0">
+                <a:srgbClr val="14CD68"/>
+              </a:gs>
+              <a:gs pos="100000">
+                <a:srgbClr val="035C7D"/>
+              </a:gs>
+            </a:gsLst>
+            <a:lin scaled="0"/>
+          </a:gradFill>
+        </p:spPr>
+        <p:style>
+          <a:lnRef idx="1">
+            <a:schemeClr val="accent3"/>
+          </a:lnRef>
+          <a:fillRef idx="2">
+            <a:schemeClr val="accent3"/>
+          </a:fillRef>
+          <a:effectRef idx="1">
+            <a:schemeClr val="accent3"/>
+          </a:effectRef>
+          <a:fontRef idx="minor">
+            <a:schemeClr val="dk1"/>
+          </a:fontRef>
+        </p:style>
+        <p:txBody>
+          <a:bodyPr rtlCol="0" anchor="ctr"/>
+          <a:p>
+            <a:pPr algn="ctr"/>
+            <a:r>
+              <a:rPr lang="en-US" altLang="zh-CN"/>
+              <a:t>RECO</a:t>
+            </a:r>
+            <a:endParaRPr lang="en-US" altLang="zh-CN"/>
+          </a:p>
+        </p:txBody>
+      </p:sp>
+      <p:sp>
+        <p:nvSpPr>
+          <p:cNvPr id="10" name="文本框 9"/>
+          <p:cNvSpPr txBox="1"/>
+          <p:nvPr/>
+        </p:nvSpPr>
+        <p:spPr>
+          <a:xfrm>
+            <a:off x="3858260" y="86360"/>
+            <a:ext cx="4476115" cy="706755"/>
+          </a:xfrm>
+          <a:prstGeom prst="rect">
+            <a:avLst/>
+          </a:prstGeom>
+          <a:noFill/>
+        </p:spPr>
+        <p:txBody>
+          <a:bodyPr wrap="square" rtlCol="0">
+            <a:spAutoFit/>
+            <a:scene3d>
+              <a:camera prst="orthographicFront"/>
+              <a:lightRig rig="soft" dir="t">
+                <a:rot lat="0" lon="0" rev="15600000"/>
+              </a:lightRig>
+            </a:scene3d>
+            <a:sp3d extrusionH="57150" prstMaterial="softEdge">
+              <a:bevelT w="25400" h="38100"/>
+            </a:sp3d>
+          </a:bodyPr>
+          <a:p>
+            <a:r>
+              <a:rPr lang="en-US" altLang="zh-CN" sz="4000">
+                <a:solidFill>
+                  <a:schemeClr val="accent6">
+                    <a:lumMod val="50000"/>
+                  </a:schemeClr>
+                </a:solidFill>
+                <a:effectLst/>
+                <a:latin typeface="+mn-ea"/>
+              </a:rPr>
+              <a:t>Oracle </a:t>
+            </a:r>
+            <a:r>
+              <a:rPr lang="zh-CN" altLang="en-US" sz="4000">
+                <a:solidFill>
+                  <a:schemeClr val="accent6">
+                    <a:lumMod val="50000"/>
+                  </a:schemeClr>
+                </a:solidFill>
+                <a:effectLst/>
+                <a:latin typeface="+mn-ea"/>
+              </a:rPr>
+              <a:t>进 程</a:t>
+            </a:r>
+            <a:r>
+              <a:rPr lang="zh-CN" altLang="en-US" sz="4000">
+                <a:solidFill>
+                  <a:schemeClr val="accent6">
+                    <a:lumMod val="50000"/>
+                  </a:schemeClr>
+                </a:solidFill>
+                <a:effectLst/>
+                <a:latin typeface="+mn-ea"/>
+              </a:rPr>
+              <a:t> 结 构</a:t>
+            </a:r>
+            <a:endParaRPr lang="zh-CN" altLang="en-US" sz="4000">
+              <a:solidFill>
+                <a:schemeClr val="accent6">
+                  <a:lumMod val="50000"/>
+                </a:schemeClr>
+              </a:solidFill>
+              <a:effectLst/>
+              <a:latin typeface="+mn-ea"/>
+            </a:endParaRPr>
+          </a:p>
+        </p:txBody>
+      </p:sp>
+      <p:sp>
+        <p:nvSpPr>
+          <p:cNvPr id="8" name="圆角矩形 7"/>
+          <p:cNvSpPr/>
+          <p:nvPr/>
+        </p:nvSpPr>
+        <p:spPr>
+          <a:xfrm>
+            <a:off x="2659380" y="1754505"/>
+            <a:ext cx="7018655" cy="842645"/>
+          </a:xfrm>
+          <a:prstGeom prst="roundRect">
+            <a:avLst/>
+          </a:prstGeom>
+          <a:gradFill>
+            <a:gsLst>
+              <a:gs pos="50000">
+                <a:srgbClr val="ECCFCB"/>
+              </a:gs>
+              <a:gs pos="0">
+                <a:srgbClr val="F2DFDC"/>
+              </a:gs>
+              <a:gs pos="100000">
+                <a:srgbClr val="E5BEB9"/>
+              </a:gs>
+            </a:gsLst>
+            <a:lin scaled="1"/>
+          </a:gradFill>
+        </p:spPr>
+        <p:style>
+          <a:lnRef idx="1">
+            <a:schemeClr val="accent5"/>
+          </a:lnRef>
+          <a:fillRef idx="2">
+            <a:schemeClr val="accent5"/>
+          </a:fillRef>
+          <a:effectRef idx="1">
+            <a:schemeClr val="accent5"/>
+          </a:effectRef>
+          <a:fontRef idx="minor">
+            <a:schemeClr val="dk1"/>
+          </a:fontRef>
+        </p:style>
+        <p:txBody>
+          <a:bodyPr rtlCol="0" anchor="ctr"/>
+          <a:p>
+            <a:pPr algn="ctr"/>
+            <a:endParaRPr lang="zh-CN" altLang="en-US"/>
+          </a:p>
+        </p:txBody>
+      </p:sp>
+      <p:sp>
+        <p:nvSpPr>
+          <p:cNvPr id="9" name="文本框 8"/>
+          <p:cNvSpPr txBox="1"/>
+          <p:nvPr/>
+        </p:nvSpPr>
+        <p:spPr>
+          <a:xfrm>
+            <a:off x="4994275" y="1803400"/>
+            <a:ext cx="2202180" cy="368300"/>
+          </a:xfrm>
+          <a:prstGeom prst="rect">
+            <a:avLst/>
+          </a:prstGeom>
+          <a:noFill/>
+        </p:spPr>
+        <p:txBody>
+          <a:bodyPr wrap="none" rtlCol="0">
+            <a:spAutoFit/>
+          </a:bodyPr>
+          <a:p>
+            <a:r>
+              <a:rPr lang="en-US" altLang="zh-CN"/>
+              <a:t>System Global Area</a:t>
+            </a:r>
+            <a:endParaRPr lang="en-US" altLang="zh-CN"/>
+          </a:p>
+        </p:txBody>
+      </p:sp>
+      <p:sp>
+        <p:nvSpPr>
+          <p:cNvPr id="11" name="圆角矩形 10"/>
+          <p:cNvSpPr/>
+          <p:nvPr/>
+        </p:nvSpPr>
+        <p:spPr>
+          <a:xfrm>
+            <a:off x="3075305" y="2123440"/>
+            <a:ext cx="2306955" cy="437515"/>
+          </a:xfrm>
+          <a:prstGeom prst="roundRect">
+            <a:avLst/>
+          </a:prstGeom>
+          <a:gradFill>
+            <a:gsLst>
+              <a:gs pos="50000">
+                <a:srgbClr val="EBA874"/>
+              </a:gs>
+              <a:gs pos="0">
+                <a:srgbClr val="F2C5A2"/>
+              </a:gs>
+              <a:gs pos="100000">
+                <a:srgbClr val="E48B45"/>
+              </a:gs>
+            </a:gsLst>
+            <a:lin scaled="1"/>
+          </a:gradFill>
+        </p:spPr>
+        <p:style>
+          <a:lnRef idx="1">
+            <a:schemeClr val="accent4"/>
+          </a:lnRef>
+          <a:fillRef idx="2">
+            <a:schemeClr val="accent4"/>
+          </a:fillRef>
+          <a:effectRef idx="1">
+            <a:schemeClr val="accent4"/>
+          </a:effectRef>
+          <a:fontRef idx="minor">
+            <a:schemeClr val="dk1"/>
+          </a:fontRef>
+        </p:style>
+        <p:txBody>
+          <a:bodyPr rtlCol="0" anchor="ctr"/>
+          <a:p>
+            <a:pPr algn="ctr"/>
+            <a:r>
+              <a:rPr lang="en-US" altLang="zh-CN" sz="1400" b="1"/>
+              <a:t>Database Buffer Cache</a:t>
+            </a:r>
+            <a:endParaRPr lang="en-US" altLang="zh-CN" sz="1400" b="1"/>
+          </a:p>
+        </p:txBody>
+      </p:sp>
+      <p:sp>
+        <p:nvSpPr>
+          <p:cNvPr id="12" name="圆角矩形 11"/>
+          <p:cNvSpPr/>
+          <p:nvPr/>
+        </p:nvSpPr>
+        <p:spPr>
+          <a:xfrm>
+            <a:off x="6802120" y="2123440"/>
+            <a:ext cx="2306955" cy="437515"/>
+          </a:xfrm>
+          <a:prstGeom prst="roundRect">
+            <a:avLst/>
+          </a:prstGeom>
+          <a:gradFill>
+            <a:gsLst>
+              <a:gs pos="50000">
+                <a:srgbClr val="EBA874"/>
+              </a:gs>
+              <a:gs pos="0">
+                <a:srgbClr val="F2C5A2"/>
+              </a:gs>
+              <a:gs pos="100000">
+                <a:srgbClr val="E48B45"/>
+              </a:gs>
+            </a:gsLst>
+            <a:lin scaled="1"/>
+          </a:gradFill>
+        </p:spPr>
+        <p:style>
+          <a:lnRef idx="1">
+            <a:schemeClr val="accent4"/>
+          </a:lnRef>
+          <a:fillRef idx="2">
+            <a:schemeClr val="accent4"/>
+          </a:fillRef>
+          <a:effectRef idx="1">
+            <a:schemeClr val="accent4"/>
+          </a:effectRef>
+          <a:fontRef idx="minor">
+            <a:schemeClr val="dk1"/>
+          </a:fontRef>
+        </p:style>
+        <p:txBody>
+          <a:bodyPr rtlCol="0" anchor="ctr"/>
+          <a:p>
+            <a:pPr algn="ctr"/>
+            <a:r>
+              <a:rPr lang="en-US" altLang="zh-CN"/>
+              <a:t>Redo Log Buffer</a:t>
+            </a:r>
+            <a:endParaRPr lang="en-US" altLang="zh-CN"/>
+          </a:p>
+        </p:txBody>
+      </p:sp>
+      <p:sp>
+        <p:nvSpPr>
+          <p:cNvPr id="13" name="爆炸形 1 12"/>
+          <p:cNvSpPr/>
+          <p:nvPr/>
+        </p:nvSpPr>
+        <p:spPr>
+          <a:xfrm>
+            <a:off x="344170" y="2897505"/>
+            <a:ext cx="1990090" cy="1299210"/>
+          </a:xfrm>
+          <a:prstGeom prst="irregularSeal1">
+            <a:avLst/>
+          </a:prstGeom>
+          <a:gradFill>
+            <a:gsLst>
+              <a:gs pos="0">
+                <a:srgbClr val="23607C"/>
+              </a:gs>
+              <a:gs pos="100000">
+                <a:srgbClr val="0C364F"/>
+              </a:gs>
+            </a:gsLst>
+            <a:lin scaled="1"/>
+          </a:gradFill>
+        </p:spPr>
+        <p:style>
+          <a:lnRef idx="2">
+            <a:schemeClr val="accent1">
+              <a:shade val="50000"/>
+            </a:schemeClr>
+          </a:lnRef>
+          <a:fillRef idx="1">
+            <a:schemeClr val="accent1"/>
+          </a:fillRef>
+          <a:effectRef idx="0">
+            <a:schemeClr val="accent1"/>
+          </a:effectRef>
+          <a:fontRef idx="minor">
+            <a:schemeClr val="lt1"/>
+          </a:fontRef>
+        </p:style>
+        <p:txBody>
+          <a:bodyPr rtlCol="0" anchor="ctr"/>
+          <a:p>
+            <a:pPr algn="ctr"/>
+            <a:r>
+              <a:rPr lang="en-US" altLang="zh-CN"/>
+              <a:t>User Process</a:t>
+            </a:r>
+            <a:endParaRPr lang="en-US" altLang="zh-CN"/>
+          </a:p>
+        </p:txBody>
+      </p:sp>
+      <p:sp>
+        <p:nvSpPr>
+          <p:cNvPr id="14" name="矩形 13"/>
+          <p:cNvSpPr/>
+          <p:nvPr/>
+        </p:nvSpPr>
+        <p:spPr>
+          <a:xfrm>
+            <a:off x="2659380" y="3028315"/>
+            <a:ext cx="1080135" cy="692150"/>
+          </a:xfrm>
+          <a:prstGeom prst="rect">
+            <a:avLst/>
+          </a:prstGeom>
+          <a:gradFill>
+            <a:gsLst>
+              <a:gs pos="50000">
+                <a:srgbClr val="9F9967"/>
+              </a:gs>
+              <a:gs pos="0">
+                <a:srgbClr val="BFBB9A"/>
+              </a:gs>
+              <a:gs pos="100000">
+                <a:srgbClr val="7E7634"/>
+              </a:gs>
+            </a:gsLst>
+            <a:lin scaled="1"/>
+          </a:gradFill>
+        </p:spPr>
+        <p:style>
+          <a:lnRef idx="2">
+            <a:schemeClr val="accent6"/>
+          </a:lnRef>
+          <a:fillRef idx="1">
+            <a:schemeClr val="lt1"/>
+          </a:fillRef>
+          <a:effectRef idx="0">
+            <a:schemeClr val="accent6"/>
+          </a:effectRef>
+          <a:fontRef idx="minor">
+            <a:schemeClr val="dk1"/>
+          </a:fontRef>
+        </p:style>
+        <p:txBody>
+          <a:bodyPr rtlCol="0" anchor="ctr"/>
+          <a:p>
+            <a:pPr algn="ctr"/>
+            <a:r>
+              <a:rPr lang="en-US" altLang="zh-CN" sz="1600"/>
+              <a:t>Shared</a:t>
+            </a:r>
+            <a:endParaRPr lang="en-US" altLang="zh-CN" sz="1600"/>
+          </a:p>
+          <a:p>
+            <a:pPr algn="ctr"/>
+            <a:r>
+              <a:rPr lang="en-US" altLang="zh-CN" sz="1600"/>
+              <a:t>Server</a:t>
+            </a:r>
+            <a:br>
+              <a:rPr lang="en-US" altLang="zh-CN" sz="1600"/>
+            </a:br>
+            <a:r>
+              <a:rPr lang="en-US" altLang="zh-CN" sz="1600"/>
+              <a:t>Process</a:t>
+            </a:r>
+            <a:endParaRPr lang="en-US" altLang="zh-CN" sz="1600"/>
+          </a:p>
+        </p:txBody>
+      </p:sp>
+      <p:sp>
+        <p:nvSpPr>
+          <p:cNvPr id="15" name="矩形 14"/>
+          <p:cNvSpPr/>
+          <p:nvPr/>
+        </p:nvSpPr>
+        <p:spPr>
+          <a:xfrm>
+            <a:off x="3914140" y="3028315"/>
+            <a:ext cx="1164590" cy="692150"/>
+          </a:xfrm>
+          <a:prstGeom prst="rect">
+            <a:avLst/>
+          </a:prstGeom>
+          <a:gradFill>
+            <a:gsLst>
+              <a:gs pos="50000">
+                <a:srgbClr val="9F9967"/>
+              </a:gs>
+              <a:gs pos="0">
+                <a:srgbClr val="BFBB9A"/>
+              </a:gs>
+              <a:gs pos="100000">
+                <a:srgbClr val="7E7634"/>
+              </a:gs>
+            </a:gsLst>
+            <a:lin scaled="1"/>
+          </a:gradFill>
+        </p:spPr>
+        <p:style>
+          <a:lnRef idx="2">
+            <a:schemeClr val="accent6"/>
+          </a:lnRef>
+          <a:fillRef idx="1">
+            <a:schemeClr val="lt1"/>
+          </a:fillRef>
+          <a:effectRef idx="0">
+            <a:schemeClr val="accent6"/>
+          </a:effectRef>
+          <a:fontRef idx="minor">
+            <a:schemeClr val="dk1"/>
+          </a:fontRef>
+        </p:style>
+        <p:txBody>
+          <a:bodyPr rtlCol="0" anchor="ctr"/>
+          <a:p>
+            <a:pPr algn="ctr"/>
+            <a:r>
+              <a:rPr lang="en-US" altLang="zh-CN" sz="1600"/>
+              <a:t>Dedicated</a:t>
+            </a:r>
+            <a:endParaRPr lang="en-US" altLang="zh-CN" sz="1600"/>
+          </a:p>
+          <a:p>
+            <a:pPr algn="ctr"/>
+            <a:r>
+              <a:rPr lang="en-US" altLang="zh-CN" sz="1600"/>
+              <a:t>Server</a:t>
+            </a:r>
+            <a:br>
+              <a:rPr lang="en-US" altLang="zh-CN" sz="1600"/>
+            </a:br>
+            <a:r>
+              <a:rPr lang="en-US" altLang="zh-CN" sz="1600"/>
+              <a:t>Process</a:t>
+            </a:r>
+            <a:endParaRPr lang="en-US" altLang="zh-CN" sz="1600"/>
+          </a:p>
+        </p:txBody>
+      </p:sp>
+      <p:grpSp>
+        <p:nvGrpSpPr>
+          <p:cNvPr id="22" name="组合 21"/>
+          <p:cNvGrpSpPr/>
+          <p:nvPr/>
+        </p:nvGrpSpPr>
+        <p:grpSpPr>
+          <a:xfrm>
+            <a:off x="4123055" y="5562600"/>
+            <a:ext cx="1141730" cy="1376045"/>
+            <a:chOff x="7734" y="8100"/>
+            <a:chExt cx="1798" cy="2167"/>
+          </a:xfrm>
+        </p:grpSpPr>
+        <p:sp>
+          <p:nvSpPr>
+            <p:cNvPr id="20" name="圆柱形 19"/>
+            <p:cNvSpPr/>
+            <p:nvPr/>
+          </p:nvSpPr>
+          <p:spPr>
+            <a:xfrm>
+              <a:off x="7866" y="8100"/>
+              <a:ext cx="1487" cy="1587"/>
+            </a:xfrm>
+            <a:prstGeom prst="can">
+              <a:avLst/>
+            </a:prstGeom>
+            <a:gradFill>
+              <a:gsLst>
+                <a:gs pos="0">
+                  <a:srgbClr val="A0B7A5"/>
+                </a:gs>
+                <a:gs pos="94000">
+                  <a:srgbClr val="6AA18E"/>
+                </a:gs>
+              </a:gsLst>
+              <a:lin scaled="1"/>
+            </a:gradFill>
+          </p:spPr>
+          <p:style>
+            <a:lnRef idx="2">
+              <a:schemeClr val="accent1">
+                <a:shade val="50000"/>
+              </a:schemeClr>
+            </a:lnRef>
+            <a:fillRef idx="1">
+              <a:schemeClr val="accent1"/>
+            </a:fillRef>
+            <a:effectRef idx="0">
+              <a:schemeClr val="accent1"/>
+            </a:effectRef>
+            <a:fontRef idx="minor">
+              <a:schemeClr val="lt1"/>
+            </a:fontRef>
+          </p:style>
+          <p:txBody>
+            <a:bodyPr rtlCol="0" anchor="ctr"/>
+            <a:p>
+              <a:pPr algn="ctr"/>
+              <a:endParaRPr lang="zh-CN" altLang="en-US"/>
+            </a:p>
+          </p:txBody>
+        </p:sp>
+        <p:pic>
+          <p:nvPicPr>
+            <p:cNvPr id="19" name="图片 18" descr="303b333530353434363bcafdbeddbfe2c9f3bcc6"/>
+            <p:cNvPicPr>
+              <a:picLocks noChangeAspect="1"/>
+            </p:cNvPicPr>
+            <p:nvPr/>
+          </p:nvPicPr>
+          <p:blipFill>
+            <a:blip r:embed="rId1">
+              <a:extLst>
+                <a:ext uri="{96DAC541-7B7A-43D3-8B79-37D633B846F1}">
+                  <asvg:svgBlip xmlns:asvg="http://schemas.microsoft.com/office/drawing/2016/SVG/main" r:embed="rId2"/>
+                </a:ext>
+              </a:extLst>
+            </a:blip>
+            <a:stretch>
+              <a:fillRect/>
+            </a:stretch>
+          </p:blipFill>
+          <p:spPr>
+            <a:xfrm>
+              <a:off x="7913" y="8233"/>
+              <a:ext cx="1440" cy="1440"/>
+            </a:xfrm>
+            <a:prstGeom prst="rect">
+              <a:avLst/>
+            </a:prstGeom>
+          </p:spPr>
+        </p:pic>
+        <p:sp>
+          <p:nvSpPr>
+            <p:cNvPr id="21" name="文本框 20"/>
+            <p:cNvSpPr txBox="1"/>
+            <p:nvPr/>
+          </p:nvSpPr>
+          <p:spPr>
+            <a:xfrm>
+              <a:off x="7734" y="9687"/>
+              <a:ext cx="1798" cy="580"/>
+            </a:xfrm>
+            <a:prstGeom prst="rect">
+              <a:avLst/>
+            </a:prstGeom>
+            <a:noFill/>
+          </p:spPr>
+          <p:txBody>
+            <a:bodyPr wrap="square" rtlCol="0">
+              <a:spAutoFit/>
+            </a:bodyPr>
+            <a:p>
+              <a:r>
+                <a:rPr lang="en-US" altLang="zh-CN"/>
+                <a:t>Datafiles</a:t>
+              </a:r>
+              <a:endParaRPr lang="en-US" altLang="zh-CN"/>
+            </a:p>
+          </p:txBody>
+        </p:sp>
+      </p:grpSp>
+      <p:grpSp>
+        <p:nvGrpSpPr>
+          <p:cNvPr id="23" name="组合 22"/>
+          <p:cNvGrpSpPr/>
+          <p:nvPr/>
+        </p:nvGrpSpPr>
+        <p:grpSpPr>
+          <a:xfrm>
+            <a:off x="9974580" y="3134995"/>
+            <a:ext cx="1820545" cy="1337310"/>
+            <a:chOff x="7257" y="8100"/>
+            <a:chExt cx="2867" cy="2106"/>
+          </a:xfrm>
+        </p:grpSpPr>
+        <p:sp>
+          <p:nvSpPr>
+            <p:cNvPr id="24" name="圆柱形 23"/>
+            <p:cNvSpPr/>
+            <p:nvPr/>
+          </p:nvSpPr>
+          <p:spPr>
+            <a:xfrm>
+              <a:off x="7866" y="8100"/>
+              <a:ext cx="1487" cy="1587"/>
+            </a:xfrm>
+            <a:prstGeom prst="can">
+              <a:avLst/>
+            </a:prstGeom>
+            <a:gradFill>
+              <a:gsLst>
+                <a:gs pos="0">
+                  <a:srgbClr val="A0B7A5"/>
+                </a:gs>
+                <a:gs pos="94000">
+                  <a:srgbClr val="6AA18E"/>
+                </a:gs>
+              </a:gsLst>
+              <a:lin scaled="1"/>
+            </a:gradFill>
+          </p:spPr>
+          <p:style>
+            <a:lnRef idx="2">
+              <a:schemeClr val="accent1">
+                <a:shade val="50000"/>
+              </a:schemeClr>
+            </a:lnRef>
+            <a:fillRef idx="1">
+              <a:schemeClr val="accent1"/>
+            </a:fillRef>
+            <a:effectRef idx="0">
+              <a:schemeClr val="accent1"/>
+            </a:effectRef>
+            <a:fontRef idx="minor">
+              <a:schemeClr val="lt1"/>
+            </a:fontRef>
+          </p:style>
+          <p:txBody>
+            <a:bodyPr rtlCol="0" anchor="ctr"/>
+            <a:p>
+              <a:pPr algn="ctr"/>
+              <a:endParaRPr lang="zh-CN" altLang="en-US"/>
+            </a:p>
+          </p:txBody>
+        </p:sp>
+        <p:pic>
+          <p:nvPicPr>
+            <p:cNvPr id="25" name="图片 24" descr="303b333530353434363bcafdbeddbfe2c9f3bcc6"/>
+            <p:cNvPicPr>
+              <a:picLocks noChangeAspect="1"/>
+            </p:cNvPicPr>
+            <p:nvPr/>
+          </p:nvPicPr>
+          <p:blipFill>
+            <a:blip r:embed="rId1">
+              <a:extLst>
+                <a:ext uri="{96DAC541-7B7A-43D3-8B79-37D633B846F1}">
+                  <asvg:svgBlip xmlns:asvg="http://schemas.microsoft.com/office/drawing/2016/SVG/main" r:embed="rId3"/>
+                </a:ext>
+              </a:extLst>
+            </a:blip>
+            <a:stretch>
+              <a:fillRect/>
+            </a:stretch>
+          </p:blipFill>
+          <p:spPr>
+            <a:xfrm>
+              <a:off x="7913" y="8233"/>
+              <a:ext cx="1440" cy="1440"/>
+            </a:xfrm>
+            <a:prstGeom prst="rect">
+              <a:avLst/>
+            </a:prstGeom>
+          </p:spPr>
+        </p:pic>
+        <p:sp>
+          <p:nvSpPr>
+            <p:cNvPr id="26" name="文本框 25"/>
+            <p:cNvSpPr txBox="1"/>
+            <p:nvPr/>
+          </p:nvSpPr>
+          <p:spPr>
+            <a:xfrm>
+              <a:off x="7257" y="9772"/>
+              <a:ext cx="2867" cy="434"/>
+            </a:xfrm>
+            <a:prstGeom prst="rect">
+              <a:avLst/>
+            </a:prstGeom>
+            <a:noFill/>
+          </p:spPr>
+          <p:txBody>
+            <a:bodyPr wrap="square" rtlCol="0">
+              <a:spAutoFit/>
+            </a:bodyPr>
+            <a:p>
+              <a:r>
+                <a:rPr lang="en-US" altLang="zh-CN" sz="1200" b="1"/>
+                <a:t>Offline Storage Device</a:t>
+              </a:r>
+              <a:endParaRPr lang="en-US" altLang="zh-CN" sz="1200" b="1"/>
+            </a:p>
+          </p:txBody>
+        </p:sp>
+      </p:grpSp>
+      <p:grpSp>
+        <p:nvGrpSpPr>
+          <p:cNvPr id="27" name="组合 26"/>
+          <p:cNvGrpSpPr/>
+          <p:nvPr/>
+        </p:nvGrpSpPr>
+        <p:grpSpPr>
+          <a:xfrm>
+            <a:off x="9228455" y="5525135"/>
+            <a:ext cx="1543685" cy="1394460"/>
+            <a:chOff x="7394" y="8100"/>
+            <a:chExt cx="2431" cy="2196"/>
+          </a:xfrm>
+        </p:grpSpPr>
+        <p:sp>
+          <p:nvSpPr>
+            <p:cNvPr id="28" name="圆柱形 27"/>
+            <p:cNvSpPr/>
+            <p:nvPr/>
+          </p:nvSpPr>
+          <p:spPr>
+            <a:xfrm>
+              <a:off x="7866" y="8100"/>
+              <a:ext cx="1487" cy="1587"/>
+            </a:xfrm>
+            <a:prstGeom prst="can">
+              <a:avLst/>
+            </a:prstGeom>
+            <a:gradFill>
+              <a:gsLst>
+                <a:gs pos="0">
+                  <a:srgbClr val="A0B7A5"/>
+                </a:gs>
+                <a:gs pos="94000">
+                  <a:srgbClr val="6AA18E"/>
+                </a:gs>
+              </a:gsLst>
+              <a:lin scaled="1"/>
+            </a:gradFill>
+          </p:spPr>
+          <p:style>
+            <a:lnRef idx="2">
+              <a:schemeClr val="accent1">
+                <a:shade val="50000"/>
+              </a:schemeClr>
+            </a:lnRef>
+            <a:fillRef idx="1">
+              <a:schemeClr val="accent1"/>
+            </a:fillRef>
+            <a:effectRef idx="0">
+              <a:schemeClr val="accent1"/>
+            </a:effectRef>
+            <a:fontRef idx="minor">
+              <a:schemeClr val="lt1"/>
+            </a:fontRef>
+          </p:style>
+          <p:txBody>
+            <a:bodyPr rtlCol="0" anchor="ctr"/>
+            <a:p>
+              <a:pPr algn="ctr"/>
+              <a:endParaRPr lang="zh-CN" altLang="en-US"/>
+            </a:p>
+          </p:txBody>
+        </p:sp>
+        <p:pic>
+          <p:nvPicPr>
+            <p:cNvPr id="29" name="图片 28" descr="303b333530353434363bcafdbeddbfe2c9f3bcc6"/>
+            <p:cNvPicPr>
+              <a:picLocks noChangeAspect="1"/>
+            </p:cNvPicPr>
+            <p:nvPr/>
+          </p:nvPicPr>
+          <p:blipFill>
+            <a:blip r:embed="rId1">
+              <a:extLst>
+                <a:ext uri="{96DAC541-7B7A-43D3-8B79-37D633B846F1}">
+                  <asvg:svgBlip xmlns:asvg="http://schemas.microsoft.com/office/drawing/2016/SVG/main" r:embed="rId3"/>
+                </a:ext>
+              </a:extLst>
+            </a:blip>
+            <a:stretch>
+              <a:fillRect/>
+            </a:stretch>
+          </p:blipFill>
+          <p:spPr>
+            <a:xfrm>
+              <a:off x="7913" y="8233"/>
+              <a:ext cx="1440" cy="1440"/>
+            </a:xfrm>
+            <a:prstGeom prst="rect">
+              <a:avLst/>
+            </a:prstGeom>
+          </p:spPr>
+        </p:pic>
+        <p:sp>
+          <p:nvSpPr>
+            <p:cNvPr id="30" name="文本框 29"/>
+            <p:cNvSpPr txBox="1"/>
+            <p:nvPr/>
+          </p:nvSpPr>
+          <p:spPr>
+            <a:xfrm>
+              <a:off x="7394" y="9716"/>
+              <a:ext cx="2431" cy="580"/>
+            </a:xfrm>
+            <a:prstGeom prst="rect">
+              <a:avLst/>
+            </a:prstGeom>
+            <a:noFill/>
+          </p:spPr>
+          <p:txBody>
+            <a:bodyPr wrap="square" rtlCol="0">
+              <a:spAutoFit/>
+            </a:bodyPr>
+            <a:p>
+              <a:r>
+                <a:rPr lang="en-US" altLang="zh-CN"/>
+                <a:t>Control Files</a:t>
+              </a:r>
+              <a:endParaRPr lang="en-US" altLang="zh-CN"/>
+            </a:p>
+          </p:txBody>
+        </p:sp>
+      </p:grpSp>
+      <p:grpSp>
+        <p:nvGrpSpPr>
+          <p:cNvPr id="31" name="组合 30"/>
+          <p:cNvGrpSpPr/>
+          <p:nvPr/>
+        </p:nvGrpSpPr>
+        <p:grpSpPr>
+          <a:xfrm>
+            <a:off x="7037070" y="5562600"/>
+            <a:ext cx="1572260" cy="1364615"/>
+            <a:chOff x="7371" y="8100"/>
+            <a:chExt cx="2476" cy="2149"/>
+          </a:xfrm>
+        </p:grpSpPr>
+        <p:sp>
+          <p:nvSpPr>
+            <p:cNvPr id="32" name="圆柱形 31"/>
+            <p:cNvSpPr/>
+            <p:nvPr/>
+          </p:nvSpPr>
+          <p:spPr>
+            <a:xfrm>
+              <a:off x="7866" y="8100"/>
+              <a:ext cx="1487" cy="1587"/>
+            </a:xfrm>
+            <a:prstGeom prst="can">
+              <a:avLst/>
+            </a:prstGeom>
+            <a:gradFill>
+              <a:gsLst>
+                <a:gs pos="0">
+                  <a:srgbClr val="A0B7A5"/>
+                </a:gs>
+                <a:gs pos="94000">
+                  <a:srgbClr val="6AA18E"/>
+                </a:gs>
+              </a:gsLst>
+              <a:lin scaled="1"/>
+            </a:gradFill>
+          </p:spPr>
+          <p:style>
+            <a:lnRef idx="2">
+              <a:schemeClr val="accent1">
+                <a:shade val="50000"/>
+              </a:schemeClr>
+            </a:lnRef>
+            <a:fillRef idx="1">
+              <a:schemeClr val="accent1"/>
+            </a:fillRef>
+            <a:effectRef idx="0">
+              <a:schemeClr val="accent1"/>
+            </a:effectRef>
+            <a:fontRef idx="minor">
+              <a:schemeClr val="lt1"/>
+            </a:fontRef>
+          </p:style>
+          <p:txBody>
+            <a:bodyPr rtlCol="0" anchor="ctr"/>
+            <a:p>
+              <a:pPr algn="ctr"/>
+              <a:endParaRPr lang="zh-CN" altLang="en-US"/>
+            </a:p>
+          </p:txBody>
+        </p:sp>
+        <p:pic>
+          <p:nvPicPr>
+            <p:cNvPr id="33" name="图片 32" descr="303b333530353434363bcafdbeddbfe2c9f3bcc6"/>
+            <p:cNvPicPr>
+              <a:picLocks noChangeAspect="1"/>
+            </p:cNvPicPr>
+            <p:nvPr/>
+          </p:nvPicPr>
+          <p:blipFill>
+            <a:blip r:embed="rId1">
+              <a:extLst>
+                <a:ext uri="{96DAC541-7B7A-43D3-8B79-37D633B846F1}">
+                  <asvg:svgBlip xmlns:asvg="http://schemas.microsoft.com/office/drawing/2016/SVG/main" r:embed="rId3"/>
+                </a:ext>
+              </a:extLst>
+            </a:blip>
+            <a:stretch>
+              <a:fillRect/>
+            </a:stretch>
+          </p:blipFill>
+          <p:spPr>
+            <a:xfrm>
+              <a:off x="7913" y="8233"/>
+              <a:ext cx="1440" cy="1440"/>
+            </a:xfrm>
+            <a:prstGeom prst="rect">
+              <a:avLst/>
+            </a:prstGeom>
+          </p:spPr>
+        </p:pic>
+        <p:sp>
+          <p:nvSpPr>
+            <p:cNvPr id="34" name="文本框 33"/>
+            <p:cNvSpPr txBox="1"/>
+            <p:nvPr/>
+          </p:nvSpPr>
+          <p:spPr>
+            <a:xfrm>
+              <a:off x="7371" y="9718"/>
+              <a:ext cx="2476" cy="531"/>
+            </a:xfrm>
+            <a:prstGeom prst="rect">
+              <a:avLst/>
+            </a:prstGeom>
+            <a:noFill/>
+          </p:spPr>
+          <p:txBody>
+            <a:bodyPr wrap="square" rtlCol="0">
+              <a:spAutoFit/>
+            </a:bodyPr>
+            <a:p>
+              <a:r>
+                <a:rPr lang="en-US" altLang="zh-CN" sz="1600"/>
+                <a:t>Redo Log files</a:t>
+              </a:r>
+              <a:endParaRPr lang="en-US" altLang="zh-CN" sz="1600"/>
+            </a:p>
+          </p:txBody>
+        </p:sp>
+      </p:grpSp>
+      <p:sp>
+        <p:nvSpPr>
+          <p:cNvPr id="36" name="同侧圆角矩形 35"/>
+          <p:cNvSpPr/>
+          <p:nvPr/>
+        </p:nvSpPr>
+        <p:spPr>
+          <a:xfrm>
+            <a:off x="5719015" y="793070"/>
+            <a:ext cx="1080000" cy="540000"/>
+          </a:xfrm>
+          <a:prstGeom prst="round2SameRect">
+            <a:avLst/>
+          </a:prstGeom>
+          <a:gradFill>
+            <a:gsLst>
+              <a:gs pos="0">
+                <a:srgbClr val="14CD68"/>
+              </a:gs>
+              <a:gs pos="100000">
+                <a:srgbClr val="035C7D"/>
+              </a:gs>
+            </a:gsLst>
+            <a:lin scaled="0"/>
+          </a:gradFill>
+        </p:spPr>
+        <p:style>
+          <a:lnRef idx="1">
+            <a:schemeClr val="accent3"/>
+          </a:lnRef>
+          <a:fillRef idx="2">
+            <a:schemeClr val="accent3"/>
+          </a:fillRef>
+          <a:effectRef idx="1">
+            <a:schemeClr val="accent3"/>
+          </a:effectRef>
+          <a:fontRef idx="minor">
+            <a:schemeClr val="dk1"/>
+          </a:fontRef>
+        </p:style>
+        <p:txBody>
+          <a:bodyPr rtlCol="0" anchor="ctr"/>
+          <a:p>
+            <a:pPr algn="ctr"/>
+            <a:r>
+              <a:rPr lang="en-US" altLang="zh-CN"/>
+              <a:t>PMON</a:t>
+            </a:r>
+            <a:endParaRPr lang="en-US" altLang="zh-CN"/>
+          </a:p>
+        </p:txBody>
+      </p:sp>
+      <p:sp>
+        <p:nvSpPr>
+          <p:cNvPr id="37" name="同侧圆角矩形 36"/>
+          <p:cNvSpPr/>
+          <p:nvPr/>
+        </p:nvSpPr>
+        <p:spPr>
+          <a:xfrm>
+            <a:off x="8334580" y="793115"/>
+            <a:ext cx="1080000" cy="540000"/>
+          </a:xfrm>
+          <a:prstGeom prst="round2SameRect">
+            <a:avLst/>
+          </a:prstGeom>
+          <a:gradFill>
+            <a:gsLst>
+              <a:gs pos="0">
+                <a:srgbClr val="14CD68"/>
+              </a:gs>
+              <a:gs pos="100000">
+                <a:srgbClr val="035C7D"/>
+              </a:gs>
+            </a:gsLst>
+            <a:lin scaled="0"/>
+          </a:gradFill>
+        </p:spPr>
+        <p:style>
+          <a:lnRef idx="1">
+            <a:schemeClr val="accent3"/>
+          </a:lnRef>
+          <a:fillRef idx="2">
+            <a:schemeClr val="accent3"/>
+          </a:fillRef>
+          <a:effectRef idx="1">
+            <a:schemeClr val="accent3"/>
+          </a:effectRef>
+          <a:fontRef idx="minor">
+            <a:schemeClr val="dk1"/>
+          </a:fontRef>
+        </p:style>
+        <p:txBody>
+          <a:bodyPr rtlCol="0" anchor="ctr"/>
+          <a:p>
+            <a:pPr algn="ctr"/>
+            <a:r>
+              <a:rPr lang="en-US" altLang="zh-CN"/>
+              <a:t>SMON</a:t>
+            </a:r>
+            <a:endParaRPr lang="en-US" altLang="zh-CN"/>
+          </a:p>
+        </p:txBody>
+      </p:sp>
+      <p:sp>
+        <p:nvSpPr>
+          <p:cNvPr id="43" name="同侧圆角矩形 42"/>
+          <p:cNvSpPr/>
+          <p:nvPr/>
+        </p:nvSpPr>
+        <p:spPr>
+          <a:xfrm>
+            <a:off x="1793875" y="4491990"/>
+            <a:ext cx="1080000" cy="540000"/>
+          </a:xfrm>
+          <a:prstGeom prst="round2SameRect">
+            <a:avLst/>
+          </a:prstGeom>
+          <a:gradFill>
+            <a:gsLst>
+              <a:gs pos="0">
+                <a:srgbClr val="14CD68"/>
+              </a:gs>
+              <a:gs pos="100000">
+                <a:srgbClr val="035C7D"/>
+              </a:gs>
+            </a:gsLst>
+            <a:lin scaled="0"/>
+          </a:gradFill>
+        </p:spPr>
+        <p:style>
+          <a:lnRef idx="1">
+            <a:schemeClr val="accent3"/>
+          </a:lnRef>
+          <a:fillRef idx="2">
+            <a:schemeClr val="accent3"/>
+          </a:fillRef>
+          <a:effectRef idx="1">
+            <a:schemeClr val="accent3"/>
+          </a:effectRef>
+          <a:fontRef idx="minor">
+            <a:schemeClr val="dk1"/>
+          </a:fontRef>
+        </p:style>
+        <p:txBody>
+          <a:bodyPr rtlCol="0" anchor="ctr"/>
+          <a:p>
+            <a:pPr algn="ctr"/>
+            <a:r>
+              <a:rPr lang="en-US" altLang="zh-CN"/>
+              <a:t>D000</a:t>
+            </a:r>
+            <a:endParaRPr lang="en-US" altLang="zh-CN"/>
+          </a:p>
+        </p:txBody>
+      </p:sp>
+      <p:sp>
+        <p:nvSpPr>
+          <p:cNvPr id="52" name="对角圆角矩形 51"/>
+          <p:cNvSpPr/>
+          <p:nvPr/>
+        </p:nvSpPr>
+        <p:spPr>
+          <a:xfrm>
+            <a:off x="4079240" y="4886325"/>
+            <a:ext cx="915035" cy="400685"/>
+          </a:xfrm>
+          <a:prstGeom prst="round2DiagRect">
+            <a:avLst/>
+          </a:prstGeom>
+          <a:gradFill>
+            <a:gsLst>
+              <a:gs pos="0">
+                <a:srgbClr val="23607C"/>
+              </a:gs>
+              <a:gs pos="100000">
+                <a:srgbClr val="0C364F"/>
+              </a:gs>
+            </a:gsLst>
+            <a:lin scaled="1"/>
+          </a:gradFill>
+        </p:spPr>
+        <p:style>
+          <a:lnRef idx="2">
+            <a:schemeClr val="accent1">
+              <a:shade val="50000"/>
+            </a:schemeClr>
+          </a:lnRef>
+          <a:fillRef idx="1">
+            <a:schemeClr val="accent1"/>
+          </a:fillRef>
+          <a:effectRef idx="0">
+            <a:schemeClr val="accent1"/>
+          </a:effectRef>
+          <a:fontRef idx="minor">
+            <a:schemeClr val="lt1"/>
+          </a:fontRef>
+        </p:style>
+        <p:txBody>
+          <a:bodyPr vertOverflow="overflow" horzOverflow="overflow" vert="horz" wrap="square" numCol="1" spcCol="0" rtlCol="0" fromWordArt="0" anchor="ctr" anchorCtr="0" forceAA="0" compatLnSpc="1">
+            <a:noAutofit/>
+          </a:bodyPr>
+          <a:p>
+            <a:pPr lvl="0" algn="ctr">
+              <a:buClrTx/>
+              <a:buSzTx/>
+              <a:buFontTx/>
+            </a:pPr>
+            <a:r>
+              <a:rPr lang="en-US" altLang="zh-CN" sz="1400">
+                <a:sym typeface="+mn-ea"/>
+              </a:rPr>
+              <a:t>User</a:t>
+            </a:r>
+            <a:br>
+              <a:rPr lang="en-US" altLang="zh-CN" sz="1400">
+                <a:sym typeface="+mn-ea"/>
+              </a:rPr>
+            </a:br>
+            <a:r>
+              <a:rPr lang="en-US" altLang="zh-CN" sz="1400">
+                <a:sym typeface="+mn-ea"/>
+              </a:rPr>
+              <a:t>Process</a:t>
+            </a:r>
+            <a:endParaRPr lang="en-US" altLang="zh-CN" sz="1400">
+              <a:sym typeface="+mn-ea"/>
+            </a:endParaRPr>
+          </a:p>
+        </p:txBody>
+      </p:sp>
+      <p:sp>
+        <p:nvSpPr>
+          <p:cNvPr id="56" name="同侧圆角矩形 55"/>
+          <p:cNvSpPr/>
+          <p:nvPr/>
+        </p:nvSpPr>
+        <p:spPr>
+          <a:xfrm>
+            <a:off x="5078730" y="4154170"/>
+            <a:ext cx="1080000" cy="540000"/>
+          </a:xfrm>
+          <a:prstGeom prst="round2SameRect">
+            <a:avLst/>
+          </a:prstGeom>
+          <a:gradFill>
+            <a:gsLst>
+              <a:gs pos="0">
+                <a:srgbClr val="14CD68"/>
+              </a:gs>
+              <a:gs pos="100000">
+                <a:srgbClr val="035C7D"/>
+              </a:gs>
+            </a:gsLst>
+            <a:lin scaled="0"/>
+          </a:gradFill>
+        </p:spPr>
+        <p:style>
+          <a:lnRef idx="1">
+            <a:schemeClr val="accent3"/>
+          </a:lnRef>
+          <a:fillRef idx="2">
+            <a:schemeClr val="accent3"/>
+          </a:fillRef>
+          <a:effectRef idx="1">
+            <a:schemeClr val="accent3"/>
+          </a:effectRef>
+          <a:fontRef idx="minor">
+            <a:schemeClr val="dk1"/>
+          </a:fontRef>
+        </p:style>
+        <p:txBody>
+          <a:bodyPr rtlCol="0" anchor="ctr"/>
+          <a:p>
+            <a:pPr algn="ctr"/>
+            <a:r>
+              <a:rPr lang="en-US" altLang="zh-CN"/>
+              <a:t>DBWn</a:t>
+            </a:r>
+            <a:endParaRPr lang="en-US" altLang="zh-CN"/>
+          </a:p>
+        </p:txBody>
+      </p:sp>
+      <p:sp>
+        <p:nvSpPr>
+          <p:cNvPr id="59" name="同侧圆角矩形 58"/>
+          <p:cNvSpPr/>
+          <p:nvPr/>
+        </p:nvSpPr>
+        <p:spPr>
+          <a:xfrm>
+            <a:off x="5852795" y="3028315"/>
+            <a:ext cx="1080000" cy="540000"/>
+          </a:xfrm>
+          <a:prstGeom prst="round2SameRect">
+            <a:avLst/>
+          </a:prstGeom>
+          <a:gradFill>
+            <a:gsLst>
+              <a:gs pos="0">
+                <a:srgbClr val="14CD68"/>
+              </a:gs>
+              <a:gs pos="100000">
+                <a:srgbClr val="035C7D"/>
+              </a:gs>
+            </a:gsLst>
+            <a:lin scaled="0"/>
+          </a:gradFill>
+        </p:spPr>
+        <p:style>
+          <a:lnRef idx="1">
+            <a:schemeClr val="accent3"/>
+          </a:lnRef>
+          <a:fillRef idx="2">
+            <a:schemeClr val="accent3"/>
+          </a:fillRef>
+          <a:effectRef idx="1">
+            <a:schemeClr val="accent3"/>
+          </a:effectRef>
+          <a:fontRef idx="minor">
+            <a:schemeClr val="dk1"/>
+          </a:fontRef>
+        </p:style>
+        <p:txBody>
+          <a:bodyPr rtlCol="0" anchor="ctr"/>
+          <a:p>
+            <a:pPr algn="ctr"/>
+            <a:r>
+              <a:rPr lang="en-US" altLang="zh-CN"/>
+              <a:t>CKPT</a:t>
+            </a:r>
+            <a:endParaRPr lang="en-US" altLang="zh-CN"/>
+          </a:p>
+        </p:txBody>
+      </p:sp>
+      <p:cxnSp>
+        <p:nvCxnSpPr>
+          <p:cNvPr id="62" name="直接箭头连接符 61"/>
+          <p:cNvCxnSpPr>
+            <a:stCxn id="4" idx="1"/>
+          </p:cNvCxnSpPr>
+          <p:nvPr/>
+        </p:nvCxnSpPr>
+        <p:spPr>
+          <a:xfrm flipH="1">
+            <a:off x="3606165" y="1332865"/>
+            <a:ext cx="9525" cy="459740"/>
+          </a:xfrm>
+          <a:prstGeom prst="straightConnector1">
+            <a:avLst/>
+          </a:prstGeom>
+          <a:ln w="44450" cmpd="sng">
+            <a:solidFill>
+              <a:schemeClr val="tx1"/>
+            </a:solidFill>
+            <a:prstDash val="solid"/>
+            <a:headEnd type="arrow" w="med" len="med"/>
+            <a:tailEnd type="arrow" w="med" len="med"/>
+          </a:ln>
+          <a:effectLst/>
+        </p:spPr>
+        <p:style>
+          <a:lnRef idx="3">
+            <a:schemeClr val="dk1"/>
+          </a:lnRef>
+          <a:fillRef idx="0">
+            <a:schemeClr val="dk1"/>
+          </a:fillRef>
+          <a:effectRef idx="2">
+            <a:schemeClr val="dk1"/>
+          </a:effectRef>
+          <a:fontRef idx="minor">
+            <a:schemeClr val="tx1"/>
+          </a:fontRef>
+        </p:style>
+      </p:cxnSp>
+      <p:cxnSp>
+        <p:nvCxnSpPr>
+          <p:cNvPr id="65" name="直接箭头连接符 64"/>
+          <p:cNvCxnSpPr>
+            <a:stCxn id="36" idx="1"/>
+          </p:cNvCxnSpPr>
+          <p:nvPr/>
+        </p:nvCxnSpPr>
+        <p:spPr>
+          <a:xfrm>
+            <a:off x="6259195" y="1332865"/>
+            <a:ext cx="18415" cy="447675"/>
+          </a:xfrm>
+          <a:prstGeom prst="straightConnector1">
+            <a:avLst/>
+          </a:prstGeom>
+          <a:ln w="44450" cmpd="sng">
+            <a:solidFill>
+              <a:schemeClr val="tx1"/>
+            </a:solidFill>
+            <a:prstDash val="solid"/>
+            <a:headEnd type="arrow" w="med" len="med"/>
+            <a:tailEnd type="arrow" w="med" len="med"/>
+          </a:ln>
+          <a:effectLst/>
+        </p:spPr>
+        <p:style>
+          <a:lnRef idx="3">
+            <a:schemeClr val="dk1"/>
+          </a:lnRef>
+          <a:fillRef idx="0">
+            <a:schemeClr val="dk1"/>
+          </a:fillRef>
+          <a:effectRef idx="2">
+            <a:schemeClr val="dk1"/>
+          </a:effectRef>
+          <a:fontRef idx="minor">
+            <a:schemeClr val="tx1"/>
+          </a:fontRef>
+        </p:style>
+      </p:cxnSp>
+      <p:cxnSp>
+        <p:nvCxnSpPr>
+          <p:cNvPr id="66" name="直接箭头连接符 65"/>
+          <p:cNvCxnSpPr/>
+          <p:nvPr/>
+        </p:nvCxnSpPr>
+        <p:spPr>
+          <a:xfrm flipH="1">
+            <a:off x="8863965" y="1294765"/>
+            <a:ext cx="12700" cy="485775"/>
+          </a:xfrm>
+          <a:prstGeom prst="straightConnector1">
+            <a:avLst/>
+          </a:prstGeom>
+          <a:ln w="44450" cmpd="sng">
+            <a:solidFill>
+              <a:schemeClr val="tx1"/>
+            </a:solidFill>
+            <a:prstDash val="solid"/>
+            <a:headEnd type="arrow" w="med" len="med"/>
+            <a:tailEnd type="arrow" w="med" len="med"/>
+          </a:ln>
+          <a:effectLst/>
+        </p:spPr>
+        <p:style>
+          <a:lnRef idx="3">
+            <a:schemeClr val="dk1"/>
+          </a:lnRef>
+          <a:fillRef idx="0">
+            <a:schemeClr val="dk1"/>
+          </a:fillRef>
+          <a:effectRef idx="2">
+            <a:schemeClr val="dk1"/>
+          </a:effectRef>
+          <a:fontRef idx="minor">
+            <a:schemeClr val="tx1"/>
+          </a:fontRef>
+        </p:style>
+      </p:cxnSp>
+      <p:cxnSp>
+        <p:nvCxnSpPr>
+          <p:cNvPr id="69" name="直接箭头连接符 68"/>
+          <p:cNvCxnSpPr>
+            <a:stCxn id="14" idx="0"/>
+          </p:cNvCxnSpPr>
+          <p:nvPr/>
+        </p:nvCxnSpPr>
+        <p:spPr>
+          <a:xfrm flipH="1" flipV="1">
+            <a:off x="3193415" y="2627630"/>
+            <a:ext cx="6350" cy="400685"/>
+          </a:xfrm>
+          <a:prstGeom prst="straightConnector1">
+            <a:avLst/>
+          </a:prstGeom>
+          <a:ln w="44450">
+            <a:solidFill>
+              <a:schemeClr val="tx1"/>
+            </a:solidFill>
+            <a:tailEnd type="arrow"/>
+          </a:ln>
+        </p:spPr>
+        <p:style>
+          <a:lnRef idx="1">
+            <a:schemeClr val="accent1"/>
+          </a:lnRef>
+          <a:fillRef idx="0">
+            <a:schemeClr val="accent1"/>
+          </a:fillRef>
+          <a:effectRef idx="0">
+            <a:schemeClr val="accent1"/>
+          </a:effectRef>
+          <a:fontRef idx="minor">
+            <a:schemeClr val="tx1"/>
+          </a:fontRef>
+        </p:style>
+      </p:cxnSp>
+      <p:cxnSp>
+        <p:nvCxnSpPr>
+          <p:cNvPr id="70" name="直接箭头连接符 69"/>
+          <p:cNvCxnSpPr/>
+          <p:nvPr/>
+        </p:nvCxnSpPr>
+        <p:spPr>
+          <a:xfrm flipH="1" flipV="1">
+            <a:off x="4493260" y="2637790"/>
+            <a:ext cx="6350" cy="400685"/>
+          </a:xfrm>
+          <a:prstGeom prst="straightConnector1">
+            <a:avLst/>
+          </a:prstGeom>
+          <a:ln w="44450">
+            <a:solidFill>
+              <a:schemeClr val="tx1"/>
+            </a:solidFill>
+            <a:tailEnd type="arrow"/>
+          </a:ln>
+        </p:spPr>
+        <p:style>
+          <a:lnRef idx="1">
+            <a:schemeClr val="accent1"/>
+          </a:lnRef>
+          <a:fillRef idx="0">
+            <a:schemeClr val="accent1"/>
+          </a:fillRef>
+          <a:effectRef idx="0">
+            <a:schemeClr val="accent1"/>
+          </a:effectRef>
+          <a:fontRef idx="minor">
+            <a:schemeClr val="tx1"/>
+          </a:fontRef>
+        </p:style>
+      </p:cxnSp>
+      <p:cxnSp>
+        <p:nvCxnSpPr>
+          <p:cNvPr id="71" name="肘形连接符 70"/>
+          <p:cNvCxnSpPr>
+            <a:stCxn id="14" idx="2"/>
+            <a:endCxn id="43" idx="3"/>
+          </p:cNvCxnSpPr>
+          <p:nvPr/>
+        </p:nvCxnSpPr>
+        <p:spPr>
+          <a:xfrm rot="5400000">
+            <a:off x="2381250" y="3673475"/>
+            <a:ext cx="771525" cy="865505"/>
+          </a:xfrm>
+          <a:prstGeom prst="bentConnector3">
+            <a:avLst>
+              <a:gd name="adj1" fmla="val 50041"/>
+            </a:avLst>
+          </a:prstGeom>
+          <a:ln w="44450">
+            <a:solidFill>
+              <a:schemeClr val="tx1"/>
+            </a:solidFill>
+            <a:headEnd type="arrow"/>
+            <a:tailEnd type="arrow"/>
+          </a:ln>
+        </p:spPr>
+        <p:style>
+          <a:lnRef idx="1">
+            <a:schemeClr val="accent1"/>
+          </a:lnRef>
+          <a:fillRef idx="0">
+            <a:schemeClr val="accent1"/>
+          </a:fillRef>
+          <a:effectRef idx="0">
+            <a:schemeClr val="accent1"/>
+          </a:effectRef>
+          <a:fontRef idx="minor">
+            <a:schemeClr val="tx1"/>
+          </a:fontRef>
+        </p:style>
+      </p:cxnSp>
+      <p:cxnSp>
+        <p:nvCxnSpPr>
+          <p:cNvPr id="72" name="肘形连接符 71"/>
+          <p:cNvCxnSpPr>
+            <a:stCxn id="20" idx="2"/>
+          </p:cNvCxnSpPr>
+          <p:nvPr/>
+        </p:nvCxnSpPr>
+        <p:spPr>
+          <a:xfrm rot="10800000">
+            <a:off x="3582035" y="3745230"/>
+            <a:ext cx="624840" cy="2321560"/>
+          </a:xfrm>
+          <a:prstGeom prst="bentConnector2">
+            <a:avLst/>
+          </a:prstGeom>
+          <a:ln w="44450">
+            <a:solidFill>
+              <a:schemeClr val="tx1"/>
+            </a:solidFill>
+            <a:tailEnd type="arrow"/>
+          </a:ln>
+        </p:spPr>
+        <p:style>
+          <a:lnRef idx="1">
+            <a:schemeClr val="accent1"/>
+          </a:lnRef>
+          <a:fillRef idx="0">
+            <a:schemeClr val="accent1"/>
+          </a:fillRef>
+          <a:effectRef idx="0">
+            <a:schemeClr val="accent1"/>
+          </a:effectRef>
+          <a:fontRef idx="minor">
+            <a:schemeClr val="tx1"/>
+          </a:fontRef>
+        </p:style>
+      </p:cxnSp>
+      <p:cxnSp>
+        <p:nvCxnSpPr>
+          <p:cNvPr id="74" name="直接箭头连接符 73"/>
+          <p:cNvCxnSpPr/>
+          <p:nvPr/>
+        </p:nvCxnSpPr>
+        <p:spPr>
+          <a:xfrm flipH="1" flipV="1">
+            <a:off x="3970655" y="3721100"/>
+            <a:ext cx="12065" cy="2355850"/>
+          </a:xfrm>
+          <a:prstGeom prst="straightConnector1">
+            <a:avLst/>
+          </a:prstGeom>
+          <a:ln w="44450">
+            <a:solidFill>
+              <a:schemeClr val="tx1"/>
+            </a:solidFill>
+            <a:tailEnd type="arrow"/>
+          </a:ln>
+        </p:spPr>
+        <p:style>
+          <a:lnRef idx="1">
+            <a:schemeClr val="accent1"/>
+          </a:lnRef>
+          <a:fillRef idx="0">
+            <a:schemeClr val="accent1"/>
+          </a:fillRef>
+          <a:effectRef idx="0">
+            <a:schemeClr val="accent1"/>
+          </a:effectRef>
+          <a:fontRef idx="minor">
+            <a:schemeClr val="tx1"/>
+          </a:fontRef>
+        </p:style>
+      </p:cxnSp>
+      <p:cxnSp>
+        <p:nvCxnSpPr>
+          <p:cNvPr id="75" name="直接箭头连接符 74"/>
+          <p:cNvCxnSpPr>
+            <a:stCxn id="15" idx="2"/>
+          </p:cNvCxnSpPr>
+          <p:nvPr/>
+        </p:nvCxnSpPr>
+        <p:spPr>
+          <a:xfrm flipH="1">
+            <a:off x="4492625" y="3720465"/>
+            <a:ext cx="3810" cy="1165860"/>
+          </a:xfrm>
+          <a:prstGeom prst="straightConnector1">
+            <a:avLst/>
+          </a:prstGeom>
+          <a:ln w="44450">
+            <a:solidFill>
+              <a:schemeClr val="tx1"/>
+            </a:solidFill>
+            <a:headEnd type="arrow"/>
+            <a:tailEnd type="arrow"/>
+          </a:ln>
+        </p:spPr>
+        <p:style>
+          <a:lnRef idx="1">
+            <a:schemeClr val="accent1"/>
+          </a:lnRef>
+          <a:fillRef idx="0">
+            <a:schemeClr val="accent1"/>
+          </a:fillRef>
+          <a:effectRef idx="0">
+            <a:schemeClr val="accent1"/>
+          </a:effectRef>
+          <a:fontRef idx="minor">
+            <a:schemeClr val="tx1"/>
+          </a:fontRef>
+        </p:style>
+      </p:cxnSp>
+      <p:cxnSp>
+        <p:nvCxnSpPr>
+          <p:cNvPr id="76" name="直接箭头连接符 75"/>
+          <p:cNvCxnSpPr/>
+          <p:nvPr/>
+        </p:nvCxnSpPr>
+        <p:spPr>
+          <a:xfrm>
+            <a:off x="5257800" y="2531110"/>
+            <a:ext cx="0" cy="1602740"/>
+          </a:xfrm>
+          <a:prstGeom prst="straightConnector1">
+            <a:avLst/>
+          </a:prstGeom>
+          <a:ln w="44450">
+            <a:solidFill>
+              <a:schemeClr val="tx1"/>
+            </a:solidFill>
+            <a:tailEnd type="arrow"/>
+          </a:ln>
+        </p:spPr>
+        <p:style>
+          <a:lnRef idx="1">
+            <a:schemeClr val="accent1"/>
+          </a:lnRef>
+          <a:fillRef idx="0">
+            <a:schemeClr val="accent1"/>
+          </a:fillRef>
+          <a:effectRef idx="0">
+            <a:schemeClr val="accent1"/>
+          </a:effectRef>
+          <a:fontRef idx="minor">
+            <a:schemeClr val="tx1"/>
+          </a:fontRef>
+        </p:style>
+      </p:cxnSp>
+      <p:cxnSp>
+        <p:nvCxnSpPr>
+          <p:cNvPr id="77" name="肘形连接符 76"/>
+          <p:cNvCxnSpPr>
+            <a:stCxn id="56" idx="1"/>
+            <a:endCxn id="19" idx="3"/>
+          </p:cNvCxnSpPr>
+          <p:nvPr/>
+        </p:nvCxnSpPr>
+        <p:spPr>
+          <a:xfrm rot="5400000">
+            <a:off x="4679950" y="5165090"/>
+            <a:ext cx="1410335" cy="467995"/>
+          </a:xfrm>
+          <a:prstGeom prst="bentConnector2">
+            <a:avLst/>
+          </a:prstGeom>
+          <a:ln w="44450">
+            <a:solidFill>
+              <a:schemeClr val="tx1"/>
+            </a:solidFill>
+            <a:tailEnd type="arrow"/>
+          </a:ln>
+        </p:spPr>
+        <p:style>
+          <a:lnRef idx="1">
+            <a:schemeClr val="accent1"/>
+          </a:lnRef>
+          <a:fillRef idx="0">
+            <a:schemeClr val="accent1"/>
+          </a:fillRef>
+          <a:effectRef idx="0">
+            <a:schemeClr val="accent1"/>
+          </a:effectRef>
+          <a:fontRef idx="minor">
+            <a:schemeClr val="tx1"/>
+          </a:fontRef>
+        </p:style>
+      </p:cxnSp>
+      <p:cxnSp>
+        <p:nvCxnSpPr>
+          <p:cNvPr id="78" name="肘形连接符 77"/>
+          <p:cNvCxnSpPr>
+            <a:stCxn id="59" idx="1"/>
+            <a:endCxn id="21" idx="3"/>
+          </p:cNvCxnSpPr>
+          <p:nvPr/>
+        </p:nvCxnSpPr>
+        <p:spPr>
+          <a:xfrm rot="5400000">
+            <a:off x="4235768" y="4597083"/>
+            <a:ext cx="3186430" cy="1128395"/>
+          </a:xfrm>
+          <a:prstGeom prst="bentConnector2">
+            <a:avLst/>
+          </a:prstGeom>
+          <a:ln w="44450">
+            <a:solidFill>
+              <a:schemeClr val="tx1"/>
+            </a:solidFill>
+            <a:tailEnd type="arrow"/>
+          </a:ln>
+        </p:spPr>
+        <p:style>
+          <a:lnRef idx="1">
+            <a:schemeClr val="accent1"/>
+          </a:lnRef>
+          <a:fillRef idx="0">
+            <a:schemeClr val="accent1"/>
+          </a:fillRef>
+          <a:effectRef idx="0">
+            <a:schemeClr val="accent1"/>
+          </a:effectRef>
+          <a:fontRef idx="minor">
+            <a:schemeClr val="tx1"/>
+          </a:fontRef>
+        </p:style>
+      </p:cxnSp>
+      <p:cxnSp>
+        <p:nvCxnSpPr>
+          <p:cNvPr id="79" name="直接箭头连接符 78"/>
+          <p:cNvCxnSpPr>
+            <a:stCxn id="59" idx="0"/>
+            <a:endCxn id="28" idx="2"/>
+          </p:cNvCxnSpPr>
+          <p:nvPr/>
+        </p:nvCxnSpPr>
+        <p:spPr>
+          <a:xfrm>
+            <a:off x="6932930" y="3298190"/>
+            <a:ext cx="2595245" cy="2731135"/>
+          </a:xfrm>
+          <a:prstGeom prst="straightConnector1">
+            <a:avLst/>
+          </a:prstGeom>
+          <a:ln w="44450">
+            <a:solidFill>
+              <a:schemeClr val="tx1"/>
+            </a:solidFill>
+            <a:tailEnd type="arrow"/>
+          </a:ln>
+        </p:spPr>
+        <p:style>
+          <a:lnRef idx="1">
+            <a:schemeClr val="accent1"/>
+          </a:lnRef>
+          <a:fillRef idx="0">
+            <a:schemeClr val="accent1"/>
+          </a:fillRef>
+          <a:effectRef idx="0">
+            <a:schemeClr val="accent1"/>
+          </a:effectRef>
+          <a:fontRef idx="minor">
+            <a:schemeClr val="tx1"/>
+          </a:fontRef>
+        </p:style>
+      </p:cxnSp>
+      <p:sp>
+        <p:nvSpPr>
+          <p:cNvPr id="80" name="同侧圆角矩形 79"/>
+          <p:cNvSpPr/>
+          <p:nvPr/>
+        </p:nvSpPr>
+        <p:spPr>
+          <a:xfrm>
+            <a:off x="6798945" y="4491990"/>
+            <a:ext cx="1080000" cy="540000"/>
+          </a:xfrm>
+          <a:prstGeom prst="round2SameRect">
+            <a:avLst/>
+          </a:prstGeom>
+          <a:gradFill>
+            <a:gsLst>
+              <a:gs pos="0">
+                <a:srgbClr val="14CD68"/>
+              </a:gs>
+              <a:gs pos="100000">
+                <a:srgbClr val="035C7D"/>
+              </a:gs>
+            </a:gsLst>
+            <a:lin scaled="0"/>
+          </a:gradFill>
+        </p:spPr>
+        <p:style>
+          <a:lnRef idx="1">
+            <a:schemeClr val="accent3"/>
+          </a:lnRef>
+          <a:fillRef idx="2">
+            <a:schemeClr val="accent3"/>
+          </a:fillRef>
+          <a:effectRef idx="1">
+            <a:schemeClr val="accent3"/>
+          </a:effectRef>
+          <a:fontRef idx="minor">
+            <a:schemeClr val="dk1"/>
+          </a:fontRef>
+        </p:style>
+        <p:txBody>
+          <a:bodyPr rtlCol="0" anchor="ctr"/>
+          <a:p>
+            <a:pPr algn="ctr"/>
+            <a:r>
+              <a:rPr lang="en-US" altLang="zh-CN"/>
+              <a:t>LGWR</a:t>
+            </a:r>
+            <a:endParaRPr lang="en-US" altLang="zh-CN"/>
+          </a:p>
+        </p:txBody>
+      </p:sp>
+      <p:cxnSp>
+        <p:nvCxnSpPr>
+          <p:cNvPr id="81" name="直接箭头连接符 80"/>
+          <p:cNvCxnSpPr>
+            <a:endCxn id="80" idx="3"/>
+          </p:cNvCxnSpPr>
+          <p:nvPr/>
+        </p:nvCxnSpPr>
+        <p:spPr>
+          <a:xfrm>
+            <a:off x="7334250" y="2581910"/>
+            <a:ext cx="5080" cy="1910080"/>
+          </a:xfrm>
+          <a:prstGeom prst="straightConnector1">
+            <a:avLst/>
+          </a:prstGeom>
+          <a:ln w="44450">
+            <a:solidFill>
+              <a:schemeClr val="tx1"/>
+            </a:solidFill>
+            <a:tailEnd type="arrow"/>
+          </a:ln>
+        </p:spPr>
+        <p:style>
+          <a:lnRef idx="1">
+            <a:schemeClr val="accent1"/>
+          </a:lnRef>
+          <a:fillRef idx="0">
+            <a:schemeClr val="accent1"/>
+          </a:fillRef>
+          <a:effectRef idx="0">
+            <a:schemeClr val="accent1"/>
+          </a:effectRef>
+          <a:fontRef idx="minor">
+            <a:schemeClr val="tx1"/>
+          </a:fontRef>
+        </p:style>
+      </p:cxnSp>
+      <p:cxnSp>
+        <p:nvCxnSpPr>
+          <p:cNvPr id="82" name="直接箭头连接符 81"/>
+          <p:cNvCxnSpPr>
+            <a:stCxn id="80" idx="1"/>
+            <a:endCxn id="32" idx="1"/>
+          </p:cNvCxnSpPr>
+          <p:nvPr/>
+        </p:nvCxnSpPr>
+        <p:spPr>
+          <a:xfrm>
+            <a:off x="7339330" y="5031740"/>
+            <a:ext cx="484505" cy="530860"/>
+          </a:xfrm>
+          <a:prstGeom prst="straightConnector1">
+            <a:avLst/>
+          </a:prstGeom>
+          <a:ln w="44450">
+            <a:solidFill>
+              <a:schemeClr val="tx1"/>
+            </a:solidFill>
+            <a:tailEnd type="arrow"/>
+          </a:ln>
+        </p:spPr>
+        <p:style>
+          <a:lnRef idx="1">
+            <a:schemeClr val="accent1"/>
+          </a:lnRef>
+          <a:fillRef idx="0">
+            <a:schemeClr val="accent1"/>
+          </a:fillRef>
+          <a:effectRef idx="0">
+            <a:schemeClr val="accent1"/>
+          </a:effectRef>
+          <a:fontRef idx="minor">
+            <a:schemeClr val="tx1"/>
+          </a:fontRef>
+        </p:style>
+      </p:cxnSp>
+      <p:sp>
+        <p:nvSpPr>
+          <p:cNvPr id="83" name="同侧圆角矩形 82"/>
+          <p:cNvSpPr/>
+          <p:nvPr/>
+        </p:nvSpPr>
+        <p:spPr>
+          <a:xfrm>
+            <a:off x="8315960" y="3028315"/>
+            <a:ext cx="1080000" cy="540000"/>
+          </a:xfrm>
+          <a:prstGeom prst="round2SameRect">
+            <a:avLst/>
+          </a:prstGeom>
+          <a:gradFill>
+            <a:gsLst>
+              <a:gs pos="0">
+                <a:srgbClr val="14CD68"/>
+              </a:gs>
+              <a:gs pos="100000">
+                <a:srgbClr val="035C7D"/>
+              </a:gs>
+            </a:gsLst>
+            <a:lin scaled="0"/>
+          </a:gradFill>
+        </p:spPr>
+        <p:style>
+          <a:lnRef idx="1">
+            <a:schemeClr val="accent3"/>
+          </a:lnRef>
+          <a:fillRef idx="2">
+            <a:schemeClr val="accent3"/>
+          </a:fillRef>
+          <a:effectRef idx="1">
+            <a:schemeClr val="accent3"/>
+          </a:effectRef>
+          <a:fontRef idx="minor">
+            <a:schemeClr val="dk1"/>
+          </a:fontRef>
+        </p:style>
+        <p:txBody>
+          <a:bodyPr rtlCol="0" anchor="ctr"/>
+          <a:p>
+            <a:pPr algn="ctr"/>
+            <a:r>
+              <a:rPr lang="en-US" altLang="zh-CN"/>
+              <a:t>ACRO</a:t>
+            </a:r>
+            <a:endParaRPr lang="en-US" altLang="zh-CN"/>
+          </a:p>
+        </p:txBody>
+      </p:sp>
+      <p:cxnSp>
+        <p:nvCxnSpPr>
+          <p:cNvPr id="84" name="肘形连接符 83"/>
+          <p:cNvCxnSpPr>
+            <a:stCxn id="33" idx="3"/>
+            <a:endCxn id="83" idx="1"/>
+          </p:cNvCxnSpPr>
+          <p:nvPr/>
+        </p:nvCxnSpPr>
+        <p:spPr>
+          <a:xfrm flipV="1">
+            <a:off x="8295640" y="3568065"/>
+            <a:ext cx="560705" cy="2536190"/>
+          </a:xfrm>
+          <a:prstGeom prst="bentConnector2">
+            <a:avLst/>
+          </a:prstGeom>
+          <a:ln w="44450">
+            <a:solidFill>
+              <a:schemeClr val="tx1"/>
+            </a:solidFill>
+            <a:tailEnd type="arrow"/>
+          </a:ln>
+        </p:spPr>
+        <p:style>
+          <a:lnRef idx="1">
+            <a:schemeClr val="accent1"/>
+          </a:lnRef>
+          <a:fillRef idx="0">
+            <a:schemeClr val="accent1"/>
+          </a:fillRef>
+          <a:effectRef idx="0">
+            <a:schemeClr val="accent1"/>
+          </a:effectRef>
+          <a:fontRef idx="minor">
+            <a:schemeClr val="tx1"/>
+          </a:fontRef>
+        </p:style>
+      </p:cxnSp>
+      <p:cxnSp>
+        <p:nvCxnSpPr>
+          <p:cNvPr id="85" name="直接箭头连接符 84"/>
+          <p:cNvCxnSpPr>
+            <a:stCxn id="83" idx="0"/>
+            <a:endCxn id="25" idx="1"/>
+          </p:cNvCxnSpPr>
+          <p:nvPr/>
+        </p:nvCxnSpPr>
+        <p:spPr>
+          <a:xfrm>
+            <a:off x="9396095" y="3298190"/>
+            <a:ext cx="995045" cy="378460"/>
+          </a:xfrm>
+          <a:prstGeom prst="straightConnector1">
+            <a:avLst/>
+          </a:prstGeom>
+          <a:ln w="44450">
+            <a:solidFill>
+              <a:schemeClr val="tx1"/>
+            </a:solidFill>
+            <a:tailEnd type="arrow"/>
+          </a:ln>
+        </p:spPr>
+        <p:style>
+          <a:lnRef idx="1">
+            <a:schemeClr val="accent1"/>
+          </a:lnRef>
+          <a:fillRef idx="0">
+            <a:schemeClr val="accent1"/>
+          </a:fillRef>
+          <a:effectRef idx="0">
+            <a:schemeClr val="accent1"/>
+          </a:effectRef>
+          <a:fontRef idx="minor">
+            <a:schemeClr val="tx1"/>
+          </a:fontRef>
+        </p:style>
+      </p:cxnSp>
+      <p:cxnSp>
+        <p:nvCxnSpPr>
+          <p:cNvPr id="86" name="直接箭头连接符 85"/>
+          <p:cNvCxnSpPr>
+            <a:endCxn id="28" idx="1"/>
+          </p:cNvCxnSpPr>
+          <p:nvPr/>
+        </p:nvCxnSpPr>
+        <p:spPr>
+          <a:xfrm>
+            <a:off x="9349740" y="3541395"/>
+            <a:ext cx="650875" cy="1983740"/>
+          </a:xfrm>
+          <a:prstGeom prst="straightConnector1">
+            <a:avLst/>
+          </a:prstGeom>
+          <a:ln w="44450">
+            <a:solidFill>
+              <a:schemeClr val="tx1"/>
+            </a:solidFill>
+            <a:tailEnd type="arrow"/>
+          </a:ln>
+        </p:spPr>
+        <p:style>
+          <a:lnRef idx="1">
+            <a:schemeClr val="accent1"/>
+          </a:lnRef>
+          <a:fillRef idx="0">
+            <a:schemeClr val="accent1"/>
+          </a:fillRef>
+          <a:effectRef idx="0">
+            <a:schemeClr val="accent1"/>
+          </a:effectRef>
+          <a:fontRef idx="minor">
+            <a:schemeClr val="tx1"/>
+          </a:fontRef>
+        </p:style>
+      </p:cxnSp>
+      <p:cxnSp>
+        <p:nvCxnSpPr>
+          <p:cNvPr id="88" name="肘形连接符 87"/>
+          <p:cNvCxnSpPr>
+            <a:stCxn id="13" idx="2"/>
+            <a:endCxn id="43" idx="2"/>
+          </p:cNvCxnSpPr>
+          <p:nvPr/>
+        </p:nvCxnSpPr>
+        <p:spPr>
+          <a:xfrm rot="5400000" flipV="1">
+            <a:off x="1177290" y="4145280"/>
+            <a:ext cx="565150" cy="668020"/>
+          </a:xfrm>
+          <a:prstGeom prst="bentConnector2">
+            <a:avLst/>
+          </a:prstGeom>
+          <a:ln w="44450">
+            <a:solidFill>
+              <a:schemeClr val="tx1"/>
+            </a:solidFill>
+            <a:headEnd type="arrow"/>
+            <a:tailEnd type="arrow"/>
+          </a:ln>
+        </p:spPr>
+        <p:style>
+          <a:lnRef idx="1">
+            <a:schemeClr val="accent1"/>
+          </a:lnRef>
+          <a:fillRef idx="0">
+            <a:schemeClr val="accent1"/>
+          </a:fillRef>
+          <a:effectRef idx="0">
+            <a:schemeClr val="accent1"/>
+          </a:effectRef>
+          <a:fontRef idx="minor">
+            <a:schemeClr val="tx1"/>
+          </a:fontRef>
+        </p:style>
+      </p:cxnSp>
+    </p:spTree>
+    <p:custDataLst>
+      <p:tags r:id="rId4"/>
+    </p:custDataLst>
+  </p:cSld>
+  <p:clrMapOvr>
+    <a:masterClrMapping/>
+  </p:clrMapOvr>
+</p:sld>
+</file>
+
+<file path=ppt/slides/slide5.xml><?xml version="1.0" encoding="utf-8"?>
+<p:sld xmlns:a="http://schemas.openxmlformats.org/drawingml/2006/main" xmlns:r="http://schemas.openxmlformats.org/officeDocument/2006/relationships" xmlns:p="http://schemas.openxmlformats.org/presentationml/2006/main">
+  <p:cSld>
+    <p:bg>
+      <p:bgPr>
+        <a:gradFill>
+          <a:gsLst>
+            <a:gs pos="50000">
+              <a:srgbClr val="F6EDE1"/>
+            </a:gs>
+            <a:gs pos="0">
+              <a:srgbClr val="F9F3EB"/>
+            </a:gs>
+            <a:gs pos="100000">
+              <a:srgbClr val="F3E6D7"/>
+            </a:gs>
+          </a:gsLst>
+          <a:path path="circle">
+            <a:fillToRect l="50000" t="50000" r="50000" b="50000"/>
+          </a:path>
+          <a:tileRect/>
+        </a:gradFill>
+        <a:effectLst/>
+      </p:bgPr>
+    </p:bg>
+    <p:spTree>
+      <p:nvGrpSpPr>
+        <p:cNvPr id="1" name=""/>
+        <p:cNvGrpSpPr/>
+        <p:nvPr/>
+      </p:nvGrpSpPr>
+      <p:grpSpPr>
+        <a:xfrm>
+          <a:off x="0" y="0"/>
+          <a:ext cx="0" cy="0"/>
+          <a:chOff x="0" y="0"/>
+          <a:chExt cx="0" cy="0"/>
+        </a:xfrm>
+      </p:grpSpPr>
+      <p:sp>
+        <p:nvSpPr>
+          <p:cNvPr id="4" name="圆柱形 3"/>
+          <p:cNvSpPr/>
+          <p:nvPr/>
+        </p:nvSpPr>
+        <p:spPr>
+          <a:xfrm>
+            <a:off x="1601470" y="1003935"/>
+            <a:ext cx="8834755" cy="1637030"/>
+          </a:xfrm>
+          <a:prstGeom prst="can">
+            <a:avLst/>
+          </a:prstGeom>
+          <a:gradFill>
+            <a:gsLst>
+              <a:gs pos="0">
+                <a:srgbClr val="A0B7A5"/>
+              </a:gs>
+              <a:gs pos="94000">
+                <a:srgbClr val="6AA18E"/>
+              </a:gs>
+            </a:gsLst>
+            <a:lin ang="5400000" scaled="1"/>
+          </a:gradFill>
+        </p:spPr>
+        <p:style>
+          <a:lnRef idx="2">
+            <a:schemeClr val="accent1">
+              <a:shade val="50000"/>
+            </a:schemeClr>
+          </a:lnRef>
+          <a:fillRef idx="1">
+            <a:schemeClr val="accent1"/>
+          </a:fillRef>
+          <a:effectRef idx="0">
+            <a:schemeClr val="accent1"/>
+          </a:effectRef>
+          <a:fontRef idx="minor">
+            <a:schemeClr val="lt1"/>
+          </a:fontRef>
+        </p:style>
+        <p:txBody>
+          <a:bodyPr rtlCol="0" anchor="ctr"/>
+          <a:p>
+            <a:pPr algn="ctr"/>
+            <a:endParaRPr lang="zh-CN" altLang="en-US"/>
+          </a:p>
+        </p:txBody>
+      </p:sp>
+      <p:sp>
+        <p:nvSpPr>
+          <p:cNvPr id="10" name="文本框 9"/>
+          <p:cNvSpPr txBox="1"/>
+          <p:nvPr/>
+        </p:nvSpPr>
+        <p:spPr>
+          <a:xfrm>
+            <a:off x="3858260" y="86360"/>
+            <a:ext cx="4476115" cy="706755"/>
+          </a:xfrm>
+          <a:prstGeom prst="rect">
+            <a:avLst/>
+          </a:prstGeom>
+          <a:noFill/>
+        </p:spPr>
+        <p:txBody>
+          <a:bodyPr wrap="square" rtlCol="0">
+            <a:spAutoFit/>
+            <a:scene3d>
+              <a:camera prst="orthographicFront"/>
+              <a:lightRig rig="soft" dir="t">
+                <a:rot lat="0" lon="0" rev="15600000"/>
+              </a:lightRig>
+            </a:scene3d>
+            <a:sp3d extrusionH="57150" prstMaterial="softEdge">
+              <a:bevelT w="25400" h="38100"/>
+            </a:sp3d>
+          </a:bodyPr>
+          <a:p>
+            <a:r>
+              <a:rPr lang="en-US" altLang="zh-CN" sz="4000">
+                <a:solidFill>
+                  <a:schemeClr val="accent6">
+                    <a:lumMod val="50000"/>
+                  </a:schemeClr>
+                </a:solidFill>
+                <a:effectLst/>
+                <a:latin typeface="+mn-ea"/>
+              </a:rPr>
+              <a:t>Oracle </a:t>
+            </a:r>
+            <a:r>
+              <a:rPr lang="zh-CN" altLang="en-US" sz="4000">
+                <a:solidFill>
+                  <a:schemeClr val="accent6">
+                    <a:lumMod val="50000"/>
+                  </a:schemeClr>
+                </a:solidFill>
+                <a:effectLst/>
+                <a:latin typeface="+mn-ea"/>
+              </a:rPr>
+              <a:t>逻 辑</a:t>
+            </a:r>
+            <a:r>
+              <a:rPr lang="zh-CN" altLang="en-US" sz="4000">
+                <a:solidFill>
+                  <a:schemeClr val="accent6">
+                    <a:lumMod val="50000"/>
+                  </a:schemeClr>
+                </a:solidFill>
+                <a:effectLst/>
+                <a:latin typeface="+mn-ea"/>
+              </a:rPr>
+              <a:t> 结 构</a:t>
+            </a:r>
+            <a:endParaRPr lang="zh-CN" altLang="en-US" sz="4000">
+              <a:solidFill>
+                <a:schemeClr val="accent6">
+                  <a:lumMod val="50000"/>
+                </a:schemeClr>
+              </a:solidFill>
+              <a:effectLst/>
+              <a:latin typeface="+mn-ea"/>
+            </a:endParaRPr>
+          </a:p>
+        </p:txBody>
+      </p:sp>
+      <p:sp>
+        <p:nvSpPr>
+          <p:cNvPr id="5" name="文本框 4"/>
+          <p:cNvSpPr txBox="1"/>
+          <p:nvPr/>
+        </p:nvSpPr>
+        <p:spPr>
+          <a:xfrm>
+            <a:off x="5147310" y="1003935"/>
+            <a:ext cx="1897380" cy="368300"/>
+          </a:xfrm>
+          <a:prstGeom prst="rect">
+            <a:avLst/>
+          </a:prstGeom>
+          <a:noFill/>
+        </p:spPr>
+        <p:txBody>
+          <a:bodyPr wrap="none" rtlCol="0">
+            <a:spAutoFit/>
+          </a:bodyPr>
+          <a:p>
+            <a:r>
+              <a:rPr lang="en-US" altLang="zh-CN">
+                <a:gradFill>
+                  <a:gsLst>
+                    <a:gs pos="0">
+                      <a:srgbClr val="E30000"/>
+                    </a:gs>
+                    <a:gs pos="100000">
+                      <a:srgbClr val="760303"/>
+                    </a:gs>
+                  </a:gsLst>
+                  <a:lin scaled="0"/>
+                </a:gradFill>
+                <a:effectLst>
+                  <a:reflection blurRad="6350" stA="53000" endA="300" endPos="35500" dir="5400000" sy="-90000" algn="bl" rotWithShape="0"/>
+                </a:effectLst>
+              </a:rPr>
+              <a:t>Oracle Database</a:t>
+            </a:r>
+            <a:endParaRPr lang="en-US" altLang="zh-CN">
+              <a:gradFill>
+                <a:gsLst>
+                  <a:gs pos="0">
+                    <a:srgbClr val="E30000"/>
+                  </a:gs>
+                  <a:gs pos="100000">
+                    <a:srgbClr val="760303"/>
+                  </a:gs>
+                </a:gsLst>
+                <a:lin scaled="0"/>
+              </a:gradFill>
+              <a:effectLst>
+                <a:reflection blurRad="6350" stA="53000" endA="300" endPos="35500" dir="5400000" sy="-90000" algn="bl" rotWithShape="0"/>
+              </a:effectLst>
+            </a:endParaRPr>
+          </a:p>
+        </p:txBody>
+      </p:sp>
+      <p:grpSp>
+        <p:nvGrpSpPr>
+          <p:cNvPr id="11" name="组合 10"/>
+          <p:cNvGrpSpPr/>
+          <p:nvPr/>
+        </p:nvGrpSpPr>
+        <p:grpSpPr>
+          <a:xfrm>
+            <a:off x="2794000" y="1569720"/>
+            <a:ext cx="1615440" cy="740410"/>
+            <a:chOff x="3097" y="3199"/>
+            <a:chExt cx="2544" cy="1166"/>
+          </a:xfrm>
+        </p:grpSpPr>
+        <p:sp>
+          <p:nvSpPr>
+            <p:cNvPr id="6" name="圆角矩形 5"/>
+            <p:cNvSpPr/>
+            <p:nvPr/>
+          </p:nvSpPr>
+          <p:spPr>
+            <a:xfrm>
+              <a:off x="3097" y="3199"/>
+              <a:ext cx="2544" cy="1166"/>
+            </a:xfrm>
+            <a:prstGeom prst="roundRect">
+              <a:avLst/>
+            </a:prstGeom>
+            <a:gradFill>
+              <a:path path="rect">
+                <a:fillToRect t="100000" r="100000"/>
+              </a:path>
+              <a:tileRect l="-100000" b="-100000"/>
+            </a:gradFill>
+          </p:spPr>
+          <p:style>
+            <a:lnRef idx="1">
+              <a:schemeClr val="accent2"/>
+            </a:lnRef>
+            <a:fillRef idx="2">
+              <a:schemeClr val="accent2"/>
+            </a:fillRef>
+            <a:effectRef idx="1">
+              <a:schemeClr val="accent2"/>
+            </a:effectRef>
+            <a:fontRef idx="minor">
+              <a:schemeClr val="dk1"/>
+            </a:fontRef>
+          </p:style>
+          <p:txBody>
+            <a:bodyPr rtlCol="0" anchor="ctr"/>
+            <a:p>
+              <a:pPr algn="ctr"/>
+              <a:endParaRPr lang="zh-CN" altLang="en-US"/>
+            </a:p>
+          </p:txBody>
+        </p:sp>
+        <p:sp>
+          <p:nvSpPr>
+            <p:cNvPr id="8" name="文本框 7"/>
+            <p:cNvSpPr txBox="1"/>
+            <p:nvPr/>
+          </p:nvSpPr>
+          <p:spPr>
+            <a:xfrm>
+              <a:off x="3485" y="3275"/>
+              <a:ext cx="1768" cy="580"/>
+            </a:xfrm>
+            <a:prstGeom prst="rect">
+              <a:avLst/>
+            </a:prstGeom>
+            <a:noFill/>
+          </p:spPr>
+          <p:txBody>
+            <a:bodyPr wrap="none" rtlCol="0">
+              <a:spAutoFit/>
+            </a:bodyPr>
+            <a:p>
+              <a:r>
+                <a:rPr lang="en-US" altLang="zh-CN"/>
+                <a:t>SYSTEM</a:t>
+              </a:r>
+              <a:endParaRPr lang="en-US" altLang="zh-CN"/>
+            </a:p>
+          </p:txBody>
+        </p:sp>
+        <p:sp>
+          <p:nvSpPr>
+            <p:cNvPr id="9" name="文本框 8"/>
+            <p:cNvSpPr txBox="1"/>
+            <p:nvPr/>
+          </p:nvSpPr>
+          <p:spPr>
+            <a:xfrm>
+              <a:off x="3355" y="3785"/>
+              <a:ext cx="2028" cy="580"/>
+            </a:xfrm>
+            <a:prstGeom prst="rect">
+              <a:avLst/>
+            </a:prstGeom>
+            <a:noFill/>
+          </p:spPr>
+          <p:txBody>
+            <a:bodyPr wrap="none" rtlCol="0">
+              <a:spAutoFit/>
+            </a:bodyPr>
+            <a:p>
+              <a:r>
+                <a:rPr lang="en-US" altLang="zh-CN"/>
+                <a:t>tablespace</a:t>
+              </a:r>
+              <a:endParaRPr lang="en-US" altLang="zh-CN"/>
+            </a:p>
+          </p:txBody>
+        </p:sp>
+      </p:grpSp>
+      <p:grpSp>
+        <p:nvGrpSpPr>
+          <p:cNvPr id="12" name="组合 11"/>
+          <p:cNvGrpSpPr/>
+          <p:nvPr/>
+        </p:nvGrpSpPr>
+        <p:grpSpPr>
+          <a:xfrm>
+            <a:off x="5288915" y="1594485"/>
+            <a:ext cx="1615440" cy="740410"/>
+            <a:chOff x="3097" y="3199"/>
+            <a:chExt cx="2544" cy="1166"/>
+          </a:xfrm>
+        </p:grpSpPr>
+        <p:sp>
+          <p:nvSpPr>
+            <p:cNvPr id="13" name="圆角矩形 12"/>
+            <p:cNvSpPr/>
+            <p:nvPr/>
+          </p:nvSpPr>
+          <p:spPr>
+            <a:xfrm>
+              <a:off x="3097" y="3199"/>
+              <a:ext cx="2544" cy="1166"/>
+            </a:xfrm>
+            <a:prstGeom prst="roundRect">
+              <a:avLst/>
+            </a:prstGeom>
+            <a:gradFill>
+              <a:path path="rect">
+                <a:fillToRect t="100000" r="100000"/>
+              </a:path>
+              <a:tileRect l="-100000" b="-100000"/>
+            </a:gradFill>
+          </p:spPr>
+          <p:style>
+            <a:lnRef idx="1">
+              <a:schemeClr val="accent2"/>
+            </a:lnRef>
+            <a:fillRef idx="2">
+              <a:schemeClr val="accent2"/>
+            </a:fillRef>
+            <a:effectRef idx="1">
+              <a:schemeClr val="accent2"/>
+            </a:effectRef>
+            <a:fontRef idx="minor">
+              <a:schemeClr val="dk1"/>
+            </a:fontRef>
+          </p:style>
+          <p:txBody>
+            <a:bodyPr rtlCol="0" anchor="ctr"/>
+            <a:p>
+              <a:pPr algn="ctr"/>
+              <a:endParaRPr lang="zh-CN" altLang="en-US"/>
+            </a:p>
+          </p:txBody>
+        </p:sp>
+        <p:sp>
+          <p:nvSpPr>
+            <p:cNvPr id="14" name="文本框 13"/>
+            <p:cNvSpPr txBox="1"/>
+            <p:nvPr/>
+          </p:nvSpPr>
+          <p:spPr>
+            <a:xfrm>
+              <a:off x="3695" y="3237"/>
+              <a:ext cx="1348" cy="580"/>
+            </a:xfrm>
+            <a:prstGeom prst="rect">
+              <a:avLst/>
+            </a:prstGeom>
+            <a:noFill/>
+          </p:spPr>
+          <p:txBody>
+            <a:bodyPr wrap="none" rtlCol="0">
+              <a:spAutoFit/>
+            </a:bodyPr>
+            <a:p>
+              <a:r>
+                <a:rPr lang="en-US" altLang="zh-CN"/>
+                <a:t>UNDO</a:t>
+              </a:r>
+              <a:endParaRPr lang="en-US" altLang="zh-CN"/>
+            </a:p>
+          </p:txBody>
+        </p:sp>
+        <p:sp>
+          <p:nvSpPr>
+            <p:cNvPr id="15" name="文本框 14"/>
+            <p:cNvSpPr txBox="1"/>
+            <p:nvPr/>
+          </p:nvSpPr>
+          <p:spPr>
+            <a:xfrm>
+              <a:off x="3355" y="3747"/>
+              <a:ext cx="2028" cy="580"/>
+            </a:xfrm>
+            <a:prstGeom prst="rect">
+              <a:avLst/>
+            </a:prstGeom>
+            <a:noFill/>
+          </p:spPr>
+          <p:txBody>
+            <a:bodyPr wrap="none" rtlCol="0">
+              <a:spAutoFit/>
+            </a:bodyPr>
+            <a:p>
+              <a:r>
+                <a:rPr lang="en-US" altLang="zh-CN"/>
+                <a:t>tablespace</a:t>
+              </a:r>
+              <a:endParaRPr lang="en-US" altLang="zh-CN"/>
+            </a:p>
+          </p:txBody>
+        </p:sp>
+      </p:grpSp>
+      <p:grpSp>
+        <p:nvGrpSpPr>
+          <p:cNvPr id="16" name="组合 15"/>
+          <p:cNvGrpSpPr/>
+          <p:nvPr/>
+        </p:nvGrpSpPr>
+        <p:grpSpPr>
+          <a:xfrm>
+            <a:off x="7783830" y="1619250"/>
+            <a:ext cx="1615440" cy="740410"/>
+            <a:chOff x="3097" y="3199"/>
+            <a:chExt cx="2544" cy="1166"/>
+          </a:xfrm>
+        </p:grpSpPr>
+        <p:sp>
+          <p:nvSpPr>
+            <p:cNvPr id="17" name="圆角矩形 16"/>
+            <p:cNvSpPr/>
+            <p:nvPr/>
+          </p:nvSpPr>
+          <p:spPr>
+            <a:xfrm>
+              <a:off x="3097" y="3199"/>
+              <a:ext cx="2544" cy="1166"/>
+            </a:xfrm>
+            <a:prstGeom prst="roundRect">
+              <a:avLst/>
+            </a:prstGeom>
+            <a:gradFill>
+              <a:path path="rect">
+                <a:fillToRect t="100000" r="100000"/>
+              </a:path>
+              <a:tileRect l="-100000" b="-100000"/>
+            </a:gradFill>
+          </p:spPr>
+          <p:style>
+            <a:lnRef idx="1">
+              <a:schemeClr val="accent2"/>
+            </a:lnRef>
+            <a:fillRef idx="2">
+              <a:schemeClr val="accent2"/>
+            </a:fillRef>
+            <a:effectRef idx="1">
+              <a:schemeClr val="accent2"/>
+            </a:effectRef>
+            <a:fontRef idx="minor">
+              <a:schemeClr val="dk1"/>
+            </a:fontRef>
+          </p:style>
+          <p:txBody>
+            <a:bodyPr rtlCol="0" anchor="ctr"/>
+            <a:p>
+              <a:pPr algn="ctr"/>
+              <a:endParaRPr lang="zh-CN" altLang="en-US"/>
+            </a:p>
+          </p:txBody>
+        </p:sp>
+        <p:sp>
+          <p:nvSpPr>
+            <p:cNvPr id="18" name="文本框 17"/>
+            <p:cNvSpPr txBox="1"/>
+            <p:nvPr/>
+          </p:nvSpPr>
+          <p:spPr>
+            <a:xfrm>
+              <a:off x="3475" y="3275"/>
+              <a:ext cx="1788" cy="580"/>
+            </a:xfrm>
+            <a:prstGeom prst="rect">
+              <a:avLst/>
+            </a:prstGeom>
+            <a:noFill/>
+          </p:spPr>
+          <p:txBody>
+            <a:bodyPr wrap="none" rtlCol="0">
+              <a:spAutoFit/>
+            </a:bodyPr>
+            <a:p>
+              <a:r>
+                <a:rPr lang="en-US" altLang="zh-CN"/>
+                <a:t>OTHERS</a:t>
+              </a:r>
+              <a:endParaRPr lang="en-US" altLang="zh-CN"/>
+            </a:p>
+          </p:txBody>
+        </p:sp>
+        <p:sp>
+          <p:nvSpPr>
+            <p:cNvPr id="19" name="文本框 18"/>
+            <p:cNvSpPr txBox="1"/>
+            <p:nvPr/>
+          </p:nvSpPr>
+          <p:spPr>
+            <a:xfrm>
+              <a:off x="3355" y="3747"/>
+              <a:ext cx="2028" cy="580"/>
+            </a:xfrm>
+            <a:prstGeom prst="rect">
+              <a:avLst/>
+            </a:prstGeom>
+            <a:noFill/>
+          </p:spPr>
+          <p:txBody>
+            <a:bodyPr wrap="none" rtlCol="0">
+              <a:spAutoFit/>
+            </a:bodyPr>
+            <a:p>
+              <a:r>
+                <a:rPr lang="en-US" altLang="zh-CN"/>
+                <a:t>tablespace</a:t>
+              </a:r>
+              <a:endParaRPr lang="en-US" altLang="zh-CN"/>
+            </a:p>
+          </p:txBody>
+        </p:sp>
+      </p:grpSp>
+      <p:grpSp>
+        <p:nvGrpSpPr>
+          <p:cNvPr id="22" name="组合 21"/>
+          <p:cNvGrpSpPr/>
+          <p:nvPr/>
+        </p:nvGrpSpPr>
+        <p:grpSpPr>
+          <a:xfrm>
+            <a:off x="7576820" y="3445510"/>
+            <a:ext cx="3338830" cy="2475865"/>
+            <a:chOff x="3097" y="3199"/>
+            <a:chExt cx="2544" cy="1166"/>
+          </a:xfrm>
+        </p:grpSpPr>
+        <p:sp>
+          <p:nvSpPr>
+            <p:cNvPr id="23" name="圆角矩形 22"/>
+            <p:cNvSpPr/>
+            <p:nvPr/>
+          </p:nvSpPr>
+          <p:spPr>
+            <a:xfrm>
+              <a:off x="3097" y="3199"/>
+              <a:ext cx="2544" cy="1166"/>
+            </a:xfrm>
+            <a:prstGeom prst="roundRect">
+              <a:avLst/>
+            </a:prstGeom>
+            <a:gradFill>
+              <a:path path="rect">
+                <a:fillToRect t="100000" r="100000"/>
+              </a:path>
+              <a:tileRect l="-100000" b="-100000"/>
+            </a:gradFill>
+          </p:spPr>
+          <p:style>
+            <a:lnRef idx="1">
+              <a:schemeClr val="accent2"/>
+            </a:lnRef>
+            <a:fillRef idx="2">
+              <a:schemeClr val="accent2"/>
+            </a:fillRef>
+            <a:effectRef idx="1">
+              <a:schemeClr val="accent2"/>
+            </a:effectRef>
+            <a:fontRef idx="minor">
+              <a:schemeClr val="dk1"/>
+            </a:fontRef>
+          </p:style>
+          <p:txBody>
+            <a:bodyPr rtlCol="0" anchor="ctr"/>
+            <a:p>
+              <a:pPr algn="ctr"/>
+              <a:endParaRPr lang="zh-CN" altLang="en-US"/>
+            </a:p>
+          </p:txBody>
+        </p:sp>
+        <p:sp>
+          <p:nvSpPr>
+            <p:cNvPr id="25" name="文本框 24"/>
+            <p:cNvSpPr txBox="1"/>
+            <p:nvPr/>
+          </p:nvSpPr>
+          <p:spPr>
+            <a:xfrm>
+              <a:off x="3780" y="4153"/>
+              <a:ext cx="1178" cy="173"/>
+            </a:xfrm>
+            <a:prstGeom prst="rect">
+              <a:avLst/>
+            </a:prstGeom>
+            <a:noFill/>
+          </p:spPr>
+          <p:txBody>
+            <a:bodyPr wrap="square" rtlCol="0">
+              <a:spAutoFit/>
+            </a:bodyPr>
+            <a:p>
+              <a:r>
+                <a:rPr lang="en-US" altLang="zh-CN"/>
+                <a:t>Tablespace</a:t>
+              </a:r>
+              <a:endParaRPr lang="en-US" altLang="zh-CN"/>
+            </a:p>
+          </p:txBody>
+        </p:sp>
+      </p:grpSp>
+      <p:sp>
+        <p:nvSpPr>
+          <p:cNvPr id="26" name="矩形 25"/>
+          <p:cNvSpPr/>
+          <p:nvPr/>
+        </p:nvSpPr>
+        <p:spPr>
+          <a:xfrm>
+            <a:off x="7712710" y="3801745"/>
+            <a:ext cx="1408430" cy="570865"/>
+          </a:xfrm>
+          <a:prstGeom prst="rect">
+            <a:avLst/>
+          </a:prstGeom>
+          <a:gradFill>
+            <a:gsLst>
+              <a:gs pos="85000">
+                <a:srgbClr val="EEC988"/>
+              </a:gs>
+              <a:gs pos="0">
+                <a:srgbClr val="CB954D"/>
+              </a:gs>
+            </a:gsLst>
+            <a:path path="circle">
+              <a:fillToRect l="50000" t="50000" r="50000" b="50000"/>
+            </a:path>
+            <a:tileRect/>
+          </a:gradFill>
+          <a:scene3d>
+            <a:camera prst="orthographicFront"/>
+            <a:lightRig rig="threePt" dir="t"/>
+          </a:scene3d>
+          <a:sp3d extrusionH="19050" contourW="19050" prstMaterial="dkEdge"/>
+        </p:spPr>
+        <p:style>
+          <a:lnRef idx="2">
+            <a:schemeClr val="accent1">
+              <a:shade val="50000"/>
+            </a:schemeClr>
+          </a:lnRef>
+          <a:fillRef idx="1">
+            <a:schemeClr val="accent1"/>
+          </a:fillRef>
+          <a:effectRef idx="0">
+            <a:schemeClr val="accent1"/>
+          </a:effectRef>
+          <a:fontRef idx="minor">
+            <a:schemeClr val="lt1"/>
+          </a:fontRef>
+        </p:style>
+        <p:txBody>
+          <a:bodyPr rtlCol="0" anchor="ctr"/>
+          <a:p>
+            <a:pPr algn="ctr"/>
+            <a:r>
+              <a:rPr lang="zh-CN" altLang="en-US">
+                <a:gradFill>
+                  <a:gsLst>
+                    <a:gs pos="0">
+                      <a:srgbClr val="012D86"/>
+                    </a:gs>
+                    <a:gs pos="100000">
+                      <a:srgbClr val="0E2557"/>
+                    </a:gs>
+                  </a:gsLst>
+                  <a:lin scaled="0"/>
+                </a:gradFill>
+                <a:effectLst>
+                  <a:reflection blurRad="6350" stA="53000" endA="300" endPos="35500" dir="5400000" sy="-90000" algn="bl" rotWithShape="0"/>
+                </a:effectLst>
+              </a:rPr>
+              <a:t>Data segment</a:t>
+            </a:r>
+            <a:endParaRPr lang="zh-CN" altLang="en-US">
+              <a:gradFill>
+                <a:gsLst>
+                  <a:gs pos="0">
+                    <a:srgbClr val="012D86"/>
+                  </a:gs>
+                  <a:gs pos="100000">
+                    <a:srgbClr val="0E2557"/>
+                  </a:gs>
+                </a:gsLst>
+                <a:lin scaled="0"/>
+              </a:gradFill>
+              <a:effectLst>
+                <a:reflection blurRad="6350" stA="53000" endA="300" endPos="35500" dir="5400000" sy="-90000" algn="bl" rotWithShape="0"/>
+              </a:effectLst>
+            </a:endParaRPr>
+          </a:p>
+        </p:txBody>
+      </p:sp>
+      <p:sp>
+        <p:nvSpPr>
+          <p:cNvPr id="27" name="矩形 26"/>
+          <p:cNvSpPr/>
+          <p:nvPr/>
+        </p:nvSpPr>
+        <p:spPr>
+          <a:xfrm>
+            <a:off x="7712710" y="4667250"/>
+            <a:ext cx="1408430" cy="570865"/>
+          </a:xfrm>
+          <a:prstGeom prst="rect">
+            <a:avLst/>
+          </a:prstGeom>
+          <a:gradFill>
+            <a:gsLst>
+              <a:gs pos="85000">
+                <a:srgbClr val="EEC988"/>
+              </a:gs>
+              <a:gs pos="0">
+                <a:srgbClr val="CB954D"/>
+              </a:gs>
+            </a:gsLst>
+            <a:path path="circle">
+              <a:fillToRect l="50000" t="50000" r="50000" b="50000"/>
+            </a:path>
+            <a:tileRect/>
+          </a:gradFill>
+          <a:scene3d>
+            <a:camera prst="orthographicFront"/>
+            <a:lightRig rig="threePt" dir="t"/>
+          </a:scene3d>
+          <a:sp3d extrusionH="19050" contourW="19050" prstMaterial="dkEdge"/>
+        </p:spPr>
+        <p:style>
+          <a:lnRef idx="2">
+            <a:schemeClr val="accent1">
+              <a:shade val="50000"/>
+            </a:schemeClr>
+          </a:lnRef>
+          <a:fillRef idx="1">
+            <a:schemeClr val="accent1"/>
+          </a:fillRef>
+          <a:effectRef idx="0">
+            <a:schemeClr val="accent1"/>
+          </a:effectRef>
+          <a:fontRef idx="minor">
+            <a:schemeClr val="lt1"/>
+          </a:fontRef>
+        </p:style>
+        <p:txBody>
+          <a:bodyPr rtlCol="0" anchor="ctr"/>
+          <a:p>
+            <a:pPr algn="ctr"/>
+            <a:r>
+              <a:rPr lang="zh-CN" altLang="en-US">
+                <a:gradFill>
+                  <a:gsLst>
+                    <a:gs pos="0">
+                      <a:srgbClr val="012D86"/>
+                    </a:gs>
+                    <a:gs pos="100000">
+                      <a:srgbClr val="0E2557"/>
+                    </a:gs>
+                  </a:gsLst>
+                  <a:lin scaled="0"/>
+                </a:gradFill>
+                <a:effectLst>
+                  <a:reflection blurRad="6350" stA="53000" endA="300" endPos="35500" dir="5400000" sy="-90000" algn="bl" rotWithShape="0"/>
+                </a:effectLst>
+              </a:rPr>
+              <a:t>Index segment</a:t>
+            </a:r>
+            <a:endParaRPr lang="zh-CN" altLang="en-US">
+              <a:gradFill>
+                <a:gsLst>
+                  <a:gs pos="0">
+                    <a:srgbClr val="012D86"/>
+                  </a:gs>
+                  <a:gs pos="100000">
+                    <a:srgbClr val="0E2557"/>
+                  </a:gs>
+                </a:gsLst>
+                <a:lin scaled="0"/>
+              </a:gradFill>
+              <a:effectLst>
+                <a:reflection blurRad="6350" stA="53000" endA="300" endPos="35500" dir="5400000" sy="-90000" algn="bl" rotWithShape="0"/>
+              </a:effectLst>
+            </a:endParaRPr>
+          </a:p>
+        </p:txBody>
+      </p:sp>
+      <p:sp>
+        <p:nvSpPr>
+          <p:cNvPr id="28" name="矩形 27"/>
+          <p:cNvSpPr/>
+          <p:nvPr/>
+        </p:nvSpPr>
+        <p:spPr>
+          <a:xfrm>
+            <a:off x="9399270" y="3801745"/>
+            <a:ext cx="1408430" cy="570865"/>
+          </a:xfrm>
+          <a:prstGeom prst="rect">
+            <a:avLst/>
+          </a:prstGeom>
+          <a:gradFill>
+            <a:gsLst>
+              <a:gs pos="85000">
+                <a:srgbClr val="EEC988"/>
+              </a:gs>
+              <a:gs pos="0">
+                <a:srgbClr val="CB954D"/>
+              </a:gs>
+            </a:gsLst>
+            <a:path path="circle">
+              <a:fillToRect l="50000" t="50000" r="50000" b="50000"/>
+            </a:path>
+            <a:tileRect/>
+          </a:gradFill>
+          <a:scene3d>
+            <a:camera prst="orthographicFront"/>
+            <a:lightRig rig="threePt" dir="t"/>
+          </a:scene3d>
+          <a:sp3d extrusionH="19050" contourW="19050" prstMaterial="dkEdge"/>
+        </p:spPr>
+        <p:style>
+          <a:lnRef idx="2">
+            <a:schemeClr val="accent1">
+              <a:shade val="50000"/>
+            </a:schemeClr>
+          </a:lnRef>
+          <a:fillRef idx="1">
+            <a:schemeClr val="accent1"/>
+          </a:fillRef>
+          <a:effectRef idx="0">
+            <a:schemeClr val="accent1"/>
+          </a:effectRef>
+          <a:fontRef idx="minor">
+            <a:schemeClr val="lt1"/>
+          </a:fontRef>
+        </p:style>
+        <p:txBody>
+          <a:bodyPr rtlCol="0" anchor="ctr"/>
+          <a:p>
+            <a:pPr algn="ctr"/>
+            <a:r>
+              <a:rPr lang="en-US" altLang="zh-CN">
+                <a:gradFill>
+                  <a:gsLst>
+                    <a:gs pos="0">
+                      <a:srgbClr val="012D86"/>
+                    </a:gs>
+                    <a:gs pos="100000">
+                      <a:srgbClr val="0E2557"/>
+                    </a:gs>
+                  </a:gsLst>
+                  <a:lin scaled="0"/>
+                </a:gradFill>
+                <a:effectLst>
+                  <a:reflection blurRad="6350" stA="53000" endA="300" endPos="35500" dir="5400000" sy="-90000" algn="bl" rotWithShape="0"/>
+                </a:effectLst>
+              </a:rPr>
+              <a:t>Revoke</a:t>
+            </a:r>
+            <a:endParaRPr lang="en-US" altLang="zh-CN">
+              <a:gradFill>
+                <a:gsLst>
+                  <a:gs pos="0">
+                    <a:srgbClr val="012D86"/>
+                  </a:gs>
+                  <a:gs pos="100000">
+                    <a:srgbClr val="0E2557"/>
+                  </a:gs>
+                </a:gsLst>
+                <a:lin scaled="0"/>
+              </a:gradFill>
+              <a:effectLst>
+                <a:reflection blurRad="6350" stA="53000" endA="300" endPos="35500" dir="5400000" sy="-90000" algn="bl" rotWithShape="0"/>
+              </a:effectLst>
+            </a:endParaRPr>
+          </a:p>
+          <a:p>
+            <a:pPr algn="ctr"/>
+            <a:r>
+              <a:rPr lang="en-US" altLang="zh-CN">
+                <a:gradFill>
+                  <a:gsLst>
+                    <a:gs pos="0">
+                      <a:srgbClr val="012D86"/>
+                    </a:gs>
+                    <a:gs pos="100000">
+                      <a:srgbClr val="0E2557"/>
+                    </a:gs>
+                  </a:gsLst>
+                  <a:lin scaled="0"/>
+                </a:gradFill>
+                <a:effectLst>
+                  <a:reflection blurRad="6350" stA="53000" endA="300" endPos="35500" dir="5400000" sy="-90000" algn="bl" rotWithShape="0"/>
+                </a:effectLst>
+              </a:rPr>
+              <a:t>segment</a:t>
+            </a:r>
+            <a:endParaRPr lang="en-US" altLang="zh-CN">
+              <a:gradFill>
+                <a:gsLst>
+                  <a:gs pos="0">
+                    <a:srgbClr val="012D86"/>
+                  </a:gs>
+                  <a:gs pos="100000">
+                    <a:srgbClr val="0E2557"/>
+                  </a:gs>
+                </a:gsLst>
+                <a:lin scaled="0"/>
+              </a:gradFill>
+              <a:effectLst>
+                <a:reflection blurRad="6350" stA="53000" endA="300" endPos="35500" dir="5400000" sy="-90000" algn="bl" rotWithShape="0"/>
+              </a:effectLst>
+            </a:endParaRPr>
+          </a:p>
+        </p:txBody>
+      </p:sp>
+      <p:sp>
+        <p:nvSpPr>
+          <p:cNvPr id="29" name="矩形 28"/>
+          <p:cNvSpPr/>
+          <p:nvPr/>
+        </p:nvSpPr>
+        <p:spPr>
+          <a:xfrm>
+            <a:off x="9399270" y="4667250"/>
+            <a:ext cx="1408430" cy="570865"/>
+          </a:xfrm>
+          <a:prstGeom prst="rect">
+            <a:avLst/>
+          </a:prstGeom>
+          <a:gradFill>
+            <a:gsLst>
+              <a:gs pos="85000">
+                <a:srgbClr val="EEC988"/>
+              </a:gs>
+              <a:gs pos="0">
+                <a:srgbClr val="CB954D"/>
+              </a:gs>
+            </a:gsLst>
+            <a:path path="circle">
+              <a:fillToRect l="50000" t="50000" r="50000" b="50000"/>
+            </a:path>
+            <a:tileRect/>
+          </a:gradFill>
+          <a:scene3d>
+            <a:camera prst="orthographicFront"/>
+            <a:lightRig rig="threePt" dir="t"/>
+          </a:scene3d>
+          <a:sp3d extrusionH="19050" contourW="19050" prstMaterial="dkEdge"/>
+        </p:spPr>
+        <p:style>
+          <a:lnRef idx="2">
+            <a:schemeClr val="accent1">
+              <a:shade val="50000"/>
+            </a:schemeClr>
+          </a:lnRef>
+          <a:fillRef idx="1">
+            <a:schemeClr val="accent1"/>
+          </a:fillRef>
+          <a:effectRef idx="0">
+            <a:schemeClr val="accent1"/>
+          </a:effectRef>
+          <a:fontRef idx="minor">
+            <a:schemeClr val="lt1"/>
+          </a:fontRef>
+        </p:style>
+        <p:txBody>
+          <a:bodyPr rtlCol="0" anchor="ctr"/>
+          <a:p>
+            <a:pPr algn="ctr"/>
+            <a:r>
+              <a:rPr lang="zh-CN" altLang="en-US">
+                <a:gradFill>
+                  <a:gsLst>
+                    <a:gs pos="0">
+                      <a:srgbClr val="012D86"/>
+                    </a:gs>
+                    <a:gs pos="100000">
+                      <a:srgbClr val="0E2557"/>
+                    </a:gs>
+                  </a:gsLst>
+                  <a:lin scaled="0"/>
+                </a:gradFill>
+                <a:effectLst>
+                  <a:reflection blurRad="6350" stA="53000" endA="300" endPos="35500" dir="5400000" sy="-90000" algn="bl" rotWithShape="0"/>
+                </a:effectLst>
+              </a:rPr>
+              <a:t>Rollback segment</a:t>
+            </a:r>
+            <a:endParaRPr lang="zh-CN" altLang="en-US">
+              <a:gradFill>
+                <a:gsLst>
+                  <a:gs pos="0">
+                    <a:srgbClr val="012D86"/>
+                  </a:gs>
+                  <a:gs pos="100000">
+                    <a:srgbClr val="0E2557"/>
+                  </a:gs>
+                </a:gsLst>
+                <a:lin scaled="0"/>
+              </a:gradFill>
+              <a:effectLst>
+                <a:reflection blurRad="6350" stA="53000" endA="300" endPos="35500" dir="5400000" sy="-90000" algn="bl" rotWithShape="0"/>
+              </a:effectLst>
+            </a:endParaRPr>
+          </a:p>
+        </p:txBody>
+      </p:sp>
+      <p:cxnSp>
+        <p:nvCxnSpPr>
+          <p:cNvPr id="30" name="直接连接符 29"/>
+          <p:cNvCxnSpPr>
+            <a:stCxn id="17" idx="1"/>
+          </p:cNvCxnSpPr>
+          <p:nvPr/>
+        </p:nvCxnSpPr>
+        <p:spPr>
+          <a:xfrm flipH="1">
+            <a:off x="7576820" y="1989455"/>
+            <a:ext cx="207010" cy="1754505"/>
+          </a:xfrm>
+          <a:prstGeom prst="line">
+            <a:avLst/>
+          </a:prstGeom>
+          <a:ln w="28575" cmpd="sng">
+            <a:solidFill>
+              <a:schemeClr val="tx1"/>
+            </a:solidFill>
+            <a:prstDash val="sysDot"/>
+          </a:ln>
+        </p:spPr>
+        <p:style>
+          <a:lnRef idx="1">
+            <a:schemeClr val="accent1"/>
+          </a:lnRef>
+          <a:fillRef idx="0">
+            <a:schemeClr val="accent1"/>
+          </a:fillRef>
+          <a:effectRef idx="0">
+            <a:schemeClr val="accent1"/>
+          </a:effectRef>
+          <a:fontRef idx="minor">
+            <a:schemeClr val="tx1"/>
+          </a:fontRef>
+        </p:style>
+      </p:cxnSp>
+      <p:cxnSp>
+        <p:nvCxnSpPr>
+          <p:cNvPr id="31" name="直接连接符 30"/>
+          <p:cNvCxnSpPr>
+            <a:stCxn id="17" idx="3"/>
+          </p:cNvCxnSpPr>
+          <p:nvPr/>
+        </p:nvCxnSpPr>
+        <p:spPr>
+          <a:xfrm>
+            <a:off x="9399270" y="1989455"/>
+            <a:ext cx="1407795" cy="1633220"/>
+          </a:xfrm>
+          <a:prstGeom prst="line">
+            <a:avLst/>
+          </a:prstGeom>
+          <a:ln w="28575">
+            <a:solidFill>
+              <a:schemeClr val="tx1"/>
+            </a:solidFill>
+            <a:prstDash val="sysDot"/>
+          </a:ln>
+        </p:spPr>
+        <p:style>
+          <a:lnRef idx="1">
+            <a:schemeClr val="accent1"/>
+          </a:lnRef>
+          <a:fillRef idx="0">
+            <a:schemeClr val="accent1"/>
+          </a:fillRef>
+          <a:effectRef idx="0">
+            <a:schemeClr val="accent1"/>
+          </a:effectRef>
+          <a:fontRef idx="minor">
+            <a:schemeClr val="tx1"/>
+          </a:fontRef>
+        </p:style>
+      </p:cxnSp>
+      <p:sp>
+        <p:nvSpPr>
+          <p:cNvPr id="32" name="矩形 31"/>
+          <p:cNvSpPr/>
+          <p:nvPr/>
+        </p:nvSpPr>
+        <p:spPr>
+          <a:xfrm>
+            <a:off x="1614805" y="2907030"/>
+            <a:ext cx="4918075" cy="2171065"/>
+          </a:xfrm>
+          <a:prstGeom prst="rect">
+            <a:avLst/>
+          </a:prstGeom>
+          <a:gradFill>
+            <a:gsLst>
+              <a:gs pos="100000">
+                <a:srgbClr val="EEC988"/>
+              </a:gs>
+              <a:gs pos="0">
+                <a:srgbClr val="CB954D"/>
+              </a:gs>
+            </a:gsLst>
+            <a:path path="circle">
+              <a:fillToRect l="50000" t="50000" r="50000" b="50000"/>
+            </a:path>
+            <a:tileRect/>
+          </a:gradFill>
+        </p:spPr>
+        <p:style>
+          <a:lnRef idx="2">
+            <a:schemeClr val="accent1">
+              <a:shade val="50000"/>
+            </a:schemeClr>
+          </a:lnRef>
+          <a:fillRef idx="1">
+            <a:schemeClr val="accent1"/>
+          </a:fillRef>
+          <a:effectRef idx="0">
+            <a:schemeClr val="accent1"/>
+          </a:effectRef>
+          <a:fontRef idx="minor">
+            <a:schemeClr val="lt1"/>
+          </a:fontRef>
+        </p:style>
+        <p:txBody>
+          <a:bodyPr rtlCol="0" anchor="ctr"/>
+          <a:p>
+            <a:pPr algn="ctr"/>
+            <a:endParaRPr lang="zh-CN" altLang="en-US"/>
+          </a:p>
+        </p:txBody>
+      </p:sp>
+      <p:cxnSp>
+        <p:nvCxnSpPr>
+          <p:cNvPr id="33" name="直接连接符 32"/>
+          <p:cNvCxnSpPr/>
+          <p:nvPr/>
+        </p:nvCxnSpPr>
+        <p:spPr>
+          <a:xfrm flipH="1" flipV="1">
+            <a:off x="6504940" y="2903855"/>
+            <a:ext cx="1229995" cy="1750695"/>
+          </a:xfrm>
+          <a:prstGeom prst="line">
+            <a:avLst/>
+          </a:prstGeom>
+          <a:ln w="28575" cmpd="sng">
+            <a:solidFill>
+              <a:schemeClr val="tx1"/>
+            </a:solidFill>
+            <a:prstDash val="sysDot"/>
+          </a:ln>
+        </p:spPr>
+        <p:style>
+          <a:lnRef idx="1">
+            <a:schemeClr val="accent1"/>
+          </a:lnRef>
+          <a:fillRef idx="0">
+            <a:schemeClr val="accent1"/>
+          </a:fillRef>
+          <a:effectRef idx="0">
+            <a:schemeClr val="accent1"/>
+          </a:effectRef>
+          <a:fontRef idx="minor">
+            <a:schemeClr val="tx1"/>
+          </a:fontRef>
+        </p:style>
+      </p:cxnSp>
+      <p:cxnSp>
+        <p:nvCxnSpPr>
+          <p:cNvPr id="34" name="直接连接符 33"/>
+          <p:cNvCxnSpPr/>
+          <p:nvPr/>
+        </p:nvCxnSpPr>
+        <p:spPr>
+          <a:xfrm flipH="1" flipV="1">
+            <a:off x="6515735" y="5077460"/>
+            <a:ext cx="1207135" cy="160020"/>
+          </a:xfrm>
+          <a:prstGeom prst="line">
+            <a:avLst/>
+          </a:prstGeom>
+          <a:ln w="28575" cmpd="sng">
+            <a:solidFill>
+              <a:schemeClr val="tx1"/>
+            </a:solidFill>
+            <a:prstDash val="sysDot"/>
+          </a:ln>
+        </p:spPr>
+        <p:style>
+          <a:lnRef idx="1">
+            <a:schemeClr val="accent1"/>
+          </a:lnRef>
+          <a:fillRef idx="0">
+            <a:schemeClr val="accent1"/>
+          </a:fillRef>
+          <a:effectRef idx="0">
+            <a:schemeClr val="accent1"/>
+          </a:effectRef>
+          <a:fontRef idx="minor">
+            <a:schemeClr val="tx1"/>
+          </a:fontRef>
+        </p:style>
+      </p:cxnSp>
+      <p:graphicFrame>
+        <p:nvGraphicFramePr>
+          <p:cNvPr id="35" name="表格 34"/>
+          <p:cNvGraphicFramePr/>
+          <p:nvPr/>
+        </p:nvGraphicFramePr>
+        <p:xfrm>
+          <a:off x="3147060" y="3434715"/>
+          <a:ext cx="3846830" cy="381000"/>
+        </p:xfrm>
+        <a:graphic>
+          <a:graphicData uri="http://schemas.openxmlformats.org/drawingml/2006/table">
+            <a:tbl>
+              <a:tblPr firstCol="1" bandCol="1">
+                <a:tableStyleId>{5940675A-B579-460E-94D1-54222C63F5DA}</a:tableStyleId>
+              </a:tblPr>
+              <a:tblGrid>
+                <a:gridCol w="252000"/>
+                <a:gridCol w="252000"/>
+                <a:gridCol w="252000"/>
+                <a:gridCol w="251460"/>
+                <a:gridCol w="252540"/>
+                <a:gridCol w="252000"/>
+                <a:gridCol w="252000"/>
+                <a:gridCol w="252000"/>
+                <a:gridCol w="252000"/>
+                <a:gridCol w="252000"/>
+                <a:gridCol w="252000"/>
+                <a:gridCol w="252000"/>
+                <a:gridCol w="252000"/>
+              </a:tblGrid>
+              <a:tr h="367200">
+                <a:tc>
+                  <a:txBody>
+                    <a:bodyPr/>
+                    <a:p>
+                      <a:pPr>
+                        <a:buNone/>
+                      </a:pPr>
+                      <a:endParaRPr lang="zh-CN" altLang="en-US"/>
+                    </a:p>
+                  </a:txBody>
+                  <a:tcPr>
+                    <a:gradFill>
+                      <a:gsLst>
+                        <a:gs pos="0">
+                          <a:srgbClr val="A0B7A5"/>
+                        </a:gs>
+                        <a:gs pos="94000">
+                          <a:srgbClr val="6AA18E"/>
+                        </a:gs>
+                      </a:gsLst>
+                      <a:lin scaled="1"/>
+                    </a:gradFill>
+                  </a:tcPr>
+                </a:tc>
+                <a:tc>
+                  <a:txBody>
+                    <a:bodyPr/>
+                    <a:p>
+                      <a:pPr>
+                        <a:buNone/>
+                      </a:pPr>
+                      <a:endParaRPr lang="zh-CN" altLang="en-US"/>
+                    </a:p>
+                  </a:txBody>
+                  <a:tcPr>
+                    <a:gradFill>
+                      <a:gsLst>
+                        <a:gs pos="0">
+                          <a:srgbClr val="A0B7A5"/>
+                        </a:gs>
+                        <a:gs pos="94000">
+                          <a:srgbClr val="6AA18E"/>
+                        </a:gs>
+                      </a:gsLst>
+                      <a:lin scaled="1"/>
+                    </a:gradFill>
+                  </a:tcPr>
+                </a:tc>
+                <a:tc>
+                  <a:txBody>
+                    <a:bodyPr/>
+                    <a:p>
+                      <a:pPr>
+                        <a:buNone/>
+                      </a:pPr>
+                      <a:endParaRPr lang="zh-CN" altLang="en-US"/>
+                    </a:p>
+                  </a:txBody>
+                  <a:tcPr>
+                    <a:gradFill>
+                      <a:gsLst>
+                        <a:gs pos="0">
+                          <a:srgbClr val="A0B7A5"/>
+                        </a:gs>
+                        <a:gs pos="94000">
+                          <a:srgbClr val="6AA18E"/>
+                        </a:gs>
+                      </a:gsLst>
+                      <a:lin scaled="1"/>
+                    </a:gradFill>
+                  </a:tcPr>
+                </a:tc>
+                <a:tc>
+                  <a:txBody>
+                    <a:bodyPr/>
+                    <a:p>
+                      <a:pPr>
+                        <a:buNone/>
+                      </a:pPr>
+                      <a:endParaRPr lang="zh-CN" altLang="en-US"/>
+                    </a:p>
+                  </a:txBody>
+                  <a:tcPr>
+                    <a:gradFill>
+                      <a:gsLst>
+                        <a:gs pos="0">
+                          <a:srgbClr val="A0B7A5"/>
+                        </a:gs>
+                        <a:gs pos="94000">
+                          <a:srgbClr val="6AA18E"/>
+                        </a:gs>
+                      </a:gsLst>
+                      <a:lin scaled="1"/>
+                    </a:gradFill>
+                  </a:tcPr>
+                </a:tc>
+                <a:tc>
+                  <a:txBody>
+                    <a:bodyPr/>
+                    <a:p>
+                      <a:pPr>
+                        <a:buNone/>
+                      </a:pPr>
+                      <a:endParaRPr lang="zh-CN" altLang="en-US"/>
+                    </a:p>
+                  </a:txBody>
+                  <a:tcPr>
+                    <a:gradFill>
+                      <a:gsLst>
+                        <a:gs pos="0">
+                          <a:srgbClr val="A0B7A5"/>
+                        </a:gs>
+                        <a:gs pos="94000">
+                          <a:srgbClr val="6AA18E"/>
+                        </a:gs>
+                      </a:gsLst>
+                      <a:lin scaled="1"/>
+                    </a:gradFill>
+                  </a:tcPr>
+                </a:tc>
+                <a:tc>
+                  <a:txBody>
+                    <a:bodyPr/>
+                    <a:p>
+                      <a:pPr>
+                        <a:buNone/>
+                      </a:pPr>
+                      <a:endParaRPr lang="zh-CN" altLang="en-US"/>
+                    </a:p>
+                  </a:txBody>
+                  <a:tcPr>
+                    <a:gradFill>
+                      <a:gsLst>
+                        <a:gs pos="0">
+                          <a:srgbClr val="A0B7A5"/>
+                        </a:gs>
+                        <a:gs pos="94000">
+                          <a:srgbClr val="6AA18E"/>
+                        </a:gs>
+                      </a:gsLst>
+                      <a:lin scaled="1"/>
+                    </a:gradFill>
+                  </a:tcPr>
+                </a:tc>
+                <a:tc>
+                  <a:txBody>
+                    <a:bodyPr/>
+                    <a:p>
+                      <a:pPr>
+                        <a:buNone/>
+                      </a:pPr>
+                      <a:endParaRPr lang="zh-CN" altLang="en-US"/>
+                    </a:p>
+                  </a:txBody>
+                  <a:tcPr>
+                    <a:gradFill>
+                      <a:gsLst>
+                        <a:gs pos="0">
+                          <a:srgbClr val="A0B7A5"/>
+                        </a:gs>
+                        <a:gs pos="94000">
+                          <a:srgbClr val="6AA18E"/>
+                        </a:gs>
+                      </a:gsLst>
+                      <a:lin scaled="1"/>
+                    </a:gradFill>
+                  </a:tcPr>
+                </a:tc>
+                <a:tc>
+                  <a:txBody>
+                    <a:bodyPr/>
+                    <a:p>
+                      <a:pPr>
+                        <a:buNone/>
+                      </a:pPr>
+                      <a:endParaRPr lang="zh-CN" altLang="en-US"/>
+                    </a:p>
+                  </a:txBody>
+                  <a:tcPr>
+                    <a:gradFill>
+                      <a:gsLst>
+                        <a:gs pos="0">
+                          <a:srgbClr val="A0B7A5"/>
+                        </a:gs>
+                        <a:gs pos="94000">
+                          <a:srgbClr val="6AA18E"/>
+                        </a:gs>
+                      </a:gsLst>
+                      <a:lin scaled="1"/>
+                    </a:gradFill>
+                  </a:tcPr>
+                </a:tc>
+                <a:tc>
+                  <a:txBody>
+                    <a:bodyPr/>
+                    <a:p>
+                      <a:pPr>
+                        <a:buNone/>
+                      </a:pPr>
+                      <a:endParaRPr lang="zh-CN" altLang="en-US"/>
+                    </a:p>
+                  </a:txBody>
+                  <a:tcPr>
+                    <a:gradFill>
+                      <a:gsLst>
+                        <a:gs pos="0">
+                          <a:srgbClr val="A0B7A5"/>
+                        </a:gs>
+                        <a:gs pos="94000">
+                          <a:srgbClr val="6AA18E"/>
+                        </a:gs>
+                      </a:gsLst>
+                      <a:lin scaled="1"/>
+                    </a:gradFill>
+                  </a:tcPr>
+                </a:tc>
+                <a:tc>
+                  <a:txBody>
+                    <a:bodyPr/>
+                    <a:p>
+                      <a:pPr>
+                        <a:buNone/>
+                      </a:pPr>
+                      <a:endParaRPr lang="zh-CN" altLang="en-US"/>
+                    </a:p>
+                  </a:txBody>
+                  <a:tcPr>
+                    <a:gradFill>
+                      <a:gsLst>
+                        <a:gs pos="0">
+                          <a:srgbClr val="A0B7A5"/>
+                        </a:gs>
+                        <a:gs pos="94000">
+                          <a:srgbClr val="6AA18E"/>
+                        </a:gs>
+                      </a:gsLst>
+                      <a:lin scaled="1"/>
+                    </a:gradFill>
+                  </a:tcPr>
+                </a:tc>
+                <a:tc>
+                  <a:txBody>
+                    <a:bodyPr/>
+                    <a:p>
+                      <a:pPr>
+                        <a:buNone/>
+                      </a:pPr>
+                      <a:endParaRPr lang="zh-CN" altLang="en-US"/>
+                    </a:p>
+                  </a:txBody>
+                  <a:tcPr>
+                    <a:gradFill>
+                      <a:gsLst>
+                        <a:gs pos="0">
+                          <a:srgbClr val="A0B7A5"/>
+                        </a:gs>
+                        <a:gs pos="94000">
+                          <a:srgbClr val="6AA18E"/>
+                        </a:gs>
+                      </a:gsLst>
+                      <a:lin scaled="1"/>
+                    </a:gradFill>
+                  </a:tcPr>
+                </a:tc>
+                <a:tc>
+                  <a:txBody>
+                    <a:bodyPr/>
+                    <a:p>
+                      <a:pPr>
+                        <a:buNone/>
+                      </a:pPr>
+                      <a:endParaRPr lang="zh-CN" altLang="en-US"/>
+                    </a:p>
+                  </a:txBody>
+                  <a:tcPr>
+                    <a:gradFill>
+                      <a:gsLst>
+                        <a:gs pos="0">
+                          <a:srgbClr val="A0B7A5"/>
+                        </a:gs>
+                        <a:gs pos="94000">
+                          <a:srgbClr val="6AA18E"/>
+                        </a:gs>
+                      </a:gsLst>
+                      <a:lin scaled="1"/>
+                    </a:gradFill>
+                  </a:tcPr>
+                </a:tc>
+                <a:tc>
+                  <a:txBody>
+                    <a:bodyPr/>
+                    <a:p>
+                      <a:pPr>
+                        <a:buNone/>
+                      </a:pPr>
+                      <a:endParaRPr lang="zh-CN" altLang="en-US"/>
+                    </a:p>
+                  </a:txBody>
+                  <a:tcPr>
+                    <a:gradFill>
+                      <a:gsLst>
+                        <a:gs pos="0">
+                          <a:srgbClr val="A0B7A5"/>
+                        </a:gs>
+                        <a:gs pos="94000">
+                          <a:srgbClr val="6AA18E"/>
+                        </a:gs>
+                      </a:gsLst>
+                      <a:lin scaled="1"/>
+                    </a:gradFill>
+                  </a:tcPr>
+                </a:tc>
+              </a:tr>
+            </a:tbl>
+          </a:graphicData>
+        </a:graphic>
+      </p:graphicFrame>
+      <p:graphicFrame>
+        <p:nvGraphicFramePr>
+          <p:cNvPr id="37" name="表格 36"/>
+          <p:cNvGraphicFramePr/>
+          <p:nvPr/>
+        </p:nvGraphicFramePr>
+        <p:xfrm>
+          <a:off x="3147060" y="4204335"/>
+          <a:ext cx="3846830" cy="381000"/>
+        </p:xfrm>
+        <a:graphic>
+          <a:graphicData uri="http://schemas.openxmlformats.org/drawingml/2006/table">
+            <a:tbl>
+              <a:tblPr firstCol="1" bandCol="1">
+                <a:tableStyleId>{327F97BB-C833-4FB7-BDE5-3F7075034690}</a:tableStyleId>
+              </a:tblPr>
+              <a:tblGrid>
+                <a:gridCol w="252000"/>
+                <a:gridCol w="252000"/>
+                <a:gridCol w="252000"/>
+                <a:gridCol w="252000"/>
+                <a:gridCol w="252000"/>
+                <a:gridCol w="252000"/>
+                <a:gridCol w="252000"/>
+                <a:gridCol w="252000"/>
+                <a:gridCol w="252000"/>
+                <a:gridCol w="252000"/>
+                <a:gridCol w="252000"/>
+                <a:gridCol w="252000"/>
+                <a:gridCol w="252000"/>
+              </a:tblGrid>
+              <a:tr h="367200">
+                <a:tc>
+                  <a:txBody>
+                    <a:bodyPr/>
+                    <a:p>
+                      <a:pPr>
+                        <a:buNone/>
+                      </a:pPr>
+                      <a:endParaRPr lang="zh-CN" altLang="en-US"/>
+                    </a:p>
+                  </a:txBody>
+                  <a:tcPr/>
+                </a:tc>
+                <a:tc>
+                  <a:txBody>
+                    <a:bodyPr/>
+                    <a:p>
+                      <a:pPr>
+                        <a:buNone/>
+                      </a:pPr>
+                      <a:endParaRPr lang="zh-CN" altLang="en-US"/>
+                    </a:p>
+                  </a:txBody>
+                  <a:tcPr/>
+                </a:tc>
+                <a:tc>
+                  <a:txBody>
+                    <a:bodyPr/>
+                    <a:p>
+                      <a:pPr>
+                        <a:buNone/>
+                      </a:pPr>
+                      <a:endParaRPr lang="zh-CN" altLang="en-US"/>
+                    </a:p>
+                  </a:txBody>
+                  <a:tcPr/>
+                </a:tc>
+                <a:tc>
+                  <a:txBody>
+                    <a:bodyPr/>
+                    <a:p>
+                      <a:pPr>
+                        <a:buNone/>
+                      </a:pPr>
+                      <a:endParaRPr lang="zh-CN" altLang="en-US"/>
+                    </a:p>
+                  </a:txBody>
+                  <a:tcPr/>
+                </a:tc>
+                <a:tc>
+                  <a:txBody>
+                    <a:bodyPr/>
+                    <a:p>
+                      <a:pPr>
+                        <a:buNone/>
+                      </a:pPr>
+                      <a:endParaRPr lang="zh-CN" altLang="en-US"/>
+                    </a:p>
+                  </a:txBody>
+                  <a:tcPr/>
+                </a:tc>
+                <a:tc>
+                  <a:txBody>
+                    <a:bodyPr/>
+                    <a:p>
+                      <a:pPr>
+                        <a:buNone/>
+                      </a:pPr>
+                      <a:endParaRPr lang="zh-CN" altLang="en-US"/>
+                    </a:p>
+                  </a:txBody>
+                  <a:tcPr/>
+                </a:tc>
+                <a:tc>
+                  <a:txBody>
+                    <a:bodyPr/>
+                    <a:p>
+                      <a:pPr>
+                        <a:buNone/>
+                      </a:pPr>
+                      <a:endParaRPr lang="zh-CN" altLang="en-US"/>
+                    </a:p>
+                  </a:txBody>
+                  <a:tcPr/>
+                </a:tc>
+                <a:tc>
+                  <a:txBody>
+                    <a:bodyPr/>
+                    <a:p>
+                      <a:pPr>
+                        <a:buNone/>
+                      </a:pPr>
+                      <a:endParaRPr lang="zh-CN" altLang="en-US"/>
+                    </a:p>
+                  </a:txBody>
+                  <a:tcPr/>
+                </a:tc>
+                <a:tc>
+                  <a:txBody>
+                    <a:bodyPr/>
+                    <a:p>
+                      <a:pPr>
+                        <a:buNone/>
+                      </a:pPr>
+                      <a:endParaRPr lang="zh-CN" altLang="en-US"/>
+                    </a:p>
+                  </a:txBody>
+                  <a:tcPr/>
+                </a:tc>
+                <a:tc>
+                  <a:txBody>
+                    <a:bodyPr/>
+                    <a:p>
+                      <a:pPr>
+                        <a:buNone/>
+                      </a:pPr>
+                      <a:endParaRPr lang="zh-CN" altLang="en-US"/>
+                    </a:p>
+                  </a:txBody>
+                  <a:tcPr/>
+                </a:tc>
+                <a:tc>
+                  <a:txBody>
+                    <a:bodyPr/>
+                    <a:p>
+                      <a:pPr>
+                        <a:buNone/>
+                      </a:pPr>
+                      <a:endParaRPr lang="zh-CN" altLang="en-US"/>
+                    </a:p>
+                  </a:txBody>
+                  <a:tcPr/>
+                </a:tc>
+                <a:tc>
+                  <a:txBody>
+                    <a:bodyPr/>
+                    <a:p>
+                      <a:pPr>
+                        <a:buNone/>
+                      </a:pPr>
+                      <a:endParaRPr lang="zh-CN" altLang="en-US"/>
+                    </a:p>
+                  </a:txBody>
+                  <a:tcPr/>
+                </a:tc>
+                <a:tc>
+                  <a:txBody>
+                    <a:bodyPr/>
+                    <a:p>
+                      <a:pPr>
+                        <a:buNone/>
+                      </a:pPr>
+                      <a:endParaRPr lang="zh-CN" altLang="en-US"/>
+                    </a:p>
+                  </a:txBody>
+                  <a:tcPr/>
+                </a:tc>
+              </a:tr>
+            </a:tbl>
+          </a:graphicData>
+        </a:graphic>
+      </p:graphicFrame>
+      <p:sp>
+        <p:nvSpPr>
+          <p:cNvPr id="38" name="文本框 37"/>
+          <p:cNvSpPr txBox="1"/>
+          <p:nvPr/>
+        </p:nvSpPr>
+        <p:spPr>
+          <a:xfrm>
+            <a:off x="3525520" y="2903855"/>
+            <a:ext cx="1097280" cy="368300"/>
+          </a:xfrm>
+          <a:prstGeom prst="rect">
+            <a:avLst/>
+          </a:prstGeom>
+          <a:noFill/>
+        </p:spPr>
+        <p:txBody>
+          <a:bodyPr wrap="none" rtlCol="0">
+            <a:spAutoFit/>
+            <a:scene3d>
+              <a:camera prst="orthographicFront"/>
+              <a:lightRig rig="threePt" dir="t"/>
+            </a:scene3d>
+          </a:bodyPr>
+          <a:p>
+            <a:r>
+              <a:rPr lang="en-US" altLang="zh-CN">
+                <a:gradFill>
+                  <a:gsLst>
+                    <a:gs pos="0">
+                      <a:srgbClr val="7B32B2"/>
+                    </a:gs>
+                    <a:gs pos="100000">
+                      <a:srgbClr val="401A5D"/>
+                    </a:gs>
+                  </a:gsLst>
+                  <a:lin scaled="0"/>
+                </a:gradFill>
+                <a:effectLst>
+                  <a:reflection blurRad="6350" stA="53000" endA="300" endPos="35500" dir="5400000" sy="-90000" algn="bl" rotWithShape="0"/>
+                </a:effectLst>
+              </a:rPr>
+              <a:t>Segment</a:t>
+            </a:r>
+            <a:endParaRPr lang="en-US" altLang="zh-CN">
+              <a:gradFill>
+                <a:gsLst>
+                  <a:gs pos="0">
+                    <a:srgbClr val="7B32B2"/>
+                  </a:gs>
+                  <a:gs pos="100000">
+                    <a:srgbClr val="401A5D"/>
+                  </a:gs>
+                </a:gsLst>
+                <a:lin scaled="0"/>
+              </a:gradFill>
+              <a:effectLst>
+                <a:reflection blurRad="6350" stA="53000" endA="300" endPos="35500" dir="5400000" sy="-90000" algn="bl" rotWithShape="0"/>
+              </a:effectLst>
+            </a:endParaRPr>
+          </a:p>
+        </p:txBody>
+      </p:sp>
+      <p:sp>
+        <p:nvSpPr>
+          <p:cNvPr id="39" name="文本框 38"/>
+          <p:cNvSpPr txBox="1"/>
+          <p:nvPr/>
+        </p:nvSpPr>
+        <p:spPr>
+          <a:xfrm>
+            <a:off x="1614805" y="3446780"/>
+            <a:ext cx="1532255" cy="368300"/>
+          </a:xfrm>
+          <a:prstGeom prst="rect">
+            <a:avLst/>
+          </a:prstGeom>
+          <a:noFill/>
+        </p:spPr>
+        <p:txBody>
+          <a:bodyPr wrap="square" rtlCol="0">
+            <a:spAutoFit/>
+          </a:bodyPr>
+          <a:p>
+            <a:r>
+              <a:rPr lang="en-US" altLang="zh-CN"/>
+              <a:t>Free Extent</a:t>
+            </a:r>
+            <a:endParaRPr lang="en-US" altLang="zh-CN"/>
+          </a:p>
+        </p:txBody>
+      </p:sp>
+      <p:sp>
+        <p:nvSpPr>
+          <p:cNvPr id="40" name="文本框 39"/>
+          <p:cNvSpPr txBox="1"/>
+          <p:nvPr/>
+        </p:nvSpPr>
+        <p:spPr>
+          <a:xfrm>
+            <a:off x="1614805" y="4203065"/>
+            <a:ext cx="1532255" cy="368300"/>
+          </a:xfrm>
+          <a:prstGeom prst="rect">
+            <a:avLst/>
+          </a:prstGeom>
+          <a:noFill/>
+        </p:spPr>
+        <p:txBody>
+          <a:bodyPr wrap="square" rtlCol="0">
+            <a:spAutoFit/>
+          </a:bodyPr>
+          <a:p>
+            <a:r>
+              <a:rPr lang="en-US" altLang="zh-CN"/>
+              <a:t>Used Extent</a:t>
+            </a:r>
+            <a:endParaRPr lang="en-US" altLang="zh-CN"/>
+          </a:p>
+        </p:txBody>
+      </p:sp>
+      <p:sp>
+        <p:nvSpPr>
+          <p:cNvPr id="41" name="立方体 40"/>
+          <p:cNvSpPr/>
+          <p:nvPr/>
+        </p:nvSpPr>
+        <p:spPr>
+          <a:xfrm>
+            <a:off x="2536825" y="5305425"/>
+            <a:ext cx="988060" cy="698500"/>
+          </a:xfrm>
+          <a:prstGeom prst="cube">
+            <a:avLst/>
+          </a:prstGeom>
+          <a:gradFill>
+            <a:gsLst>
+              <a:gs pos="100000">
+                <a:srgbClr val="B3CED5"/>
+              </a:gs>
+              <a:gs pos="0">
+                <a:srgbClr val="DDE3D8"/>
+              </a:gs>
+            </a:gsLst>
+            <a:lin scaled="1"/>
+          </a:gradFill>
+        </p:spPr>
+        <p:style>
+          <a:lnRef idx="2">
+            <a:schemeClr val="accent1">
+              <a:shade val="50000"/>
+            </a:schemeClr>
+          </a:lnRef>
+          <a:fillRef idx="1">
+            <a:schemeClr val="accent1"/>
+          </a:fillRef>
+          <a:effectRef idx="0">
+            <a:schemeClr val="accent1"/>
+          </a:effectRef>
+          <a:fontRef idx="minor">
+            <a:schemeClr val="lt1"/>
+          </a:fontRef>
+        </p:style>
+        <p:txBody>
+          <a:bodyPr rtlCol="0" anchor="ctr">
+            <a:scene3d>
+              <a:camera prst="orthographicFront"/>
+              <a:lightRig rig="threePt" dir="t"/>
+            </a:scene3d>
+          </a:bodyPr>
+          <a:p>
+            <a:pPr algn="ctr"/>
+            <a:r>
+              <a:rPr lang="en-US" altLang="zh-CN">
+                <a:gradFill>
+                  <a:gsLst>
+                    <a:gs pos="0">
+                      <a:srgbClr val="E30000"/>
+                    </a:gs>
+                    <a:gs pos="100000">
+                      <a:srgbClr val="760303"/>
+                    </a:gs>
+                  </a:gsLst>
+                  <a:lin scaled="0"/>
+                </a:gradFill>
+                <a:effectLst>
+                  <a:reflection blurRad="6350" stA="53000" endA="300" endPos="35500" dir="5400000" sy="-90000" algn="bl" rotWithShape="0"/>
+                </a:effectLst>
+              </a:rPr>
+              <a:t>Block</a:t>
+            </a:r>
+            <a:endParaRPr lang="en-US" altLang="zh-CN">
+              <a:gradFill>
+                <a:gsLst>
+                  <a:gs pos="0">
+                    <a:srgbClr val="E30000"/>
+                  </a:gs>
+                  <a:gs pos="100000">
+                    <a:srgbClr val="760303"/>
+                  </a:gs>
+                </a:gsLst>
+                <a:lin scaled="0"/>
+              </a:gradFill>
+              <a:effectLst>
+                <a:reflection blurRad="6350" stA="53000" endA="300" endPos="35500" dir="5400000" sy="-90000" algn="bl" rotWithShape="0"/>
+              </a:effectLst>
+            </a:endParaRPr>
+          </a:p>
+        </p:txBody>
+      </p:sp>
+      <p:cxnSp>
+        <p:nvCxnSpPr>
+          <p:cNvPr id="42" name="直接连接符 41"/>
+          <p:cNvCxnSpPr/>
+          <p:nvPr/>
+        </p:nvCxnSpPr>
+        <p:spPr>
+          <a:xfrm flipH="1">
+            <a:off x="2682875" y="4571365"/>
+            <a:ext cx="464185" cy="756920"/>
+          </a:xfrm>
+          <a:prstGeom prst="line">
+            <a:avLst/>
+          </a:prstGeom>
+          <a:ln w="28575" cmpd="sng">
+            <a:solidFill>
+              <a:schemeClr val="tx1"/>
+            </a:solidFill>
+            <a:prstDash val="sysDot"/>
+          </a:ln>
+        </p:spPr>
+        <p:style>
+          <a:lnRef idx="1">
+            <a:schemeClr val="accent1"/>
+          </a:lnRef>
+          <a:fillRef idx="0">
+            <a:schemeClr val="accent1"/>
+          </a:fillRef>
+          <a:effectRef idx="0">
+            <a:schemeClr val="accent1"/>
+          </a:effectRef>
+          <a:fontRef idx="minor">
+            <a:schemeClr val="tx1"/>
+          </a:fontRef>
+        </p:style>
+      </p:cxnSp>
+      <p:cxnSp>
+        <p:nvCxnSpPr>
+          <p:cNvPr id="43" name="直接连接符 42"/>
+          <p:cNvCxnSpPr/>
+          <p:nvPr/>
+        </p:nvCxnSpPr>
+        <p:spPr>
+          <a:xfrm>
+            <a:off x="3381375" y="4552950"/>
+            <a:ext cx="142240" cy="775335"/>
+          </a:xfrm>
+          <a:prstGeom prst="line">
+            <a:avLst/>
+          </a:prstGeom>
+          <a:ln w="28575" cmpd="sng">
+            <a:solidFill>
+              <a:schemeClr val="tx1"/>
+            </a:solidFill>
+            <a:prstDash val="sysDot"/>
+          </a:ln>
+        </p:spPr>
+        <p:style>
+          <a:lnRef idx="1">
+            <a:schemeClr val="accent1"/>
+          </a:lnRef>
+          <a:fillRef idx="0">
+            <a:schemeClr val="accent1"/>
+          </a:fillRef>
+          <a:effectRef idx="0">
+            <a:schemeClr val="accent1"/>
+          </a:effectRef>
+          <a:fontRef idx="minor">
+            <a:schemeClr val="tx1"/>
+          </a:fontRef>
+        </p:style>
+      </p:cxnSp>
+    </p:spTree>
+    <p:custDataLst>
+      <p:tags r:id="rId1"/>
+    </p:custDataLst>
+  </p:cSld>
+  <p:clrMapOvr>
+    <a:masterClrMapping/>
+  </p:clrMapOvr>
+</p:sld>
+</file>
+
+<file path=ppt/slides/slide6.xml><?xml version="1.0" encoding="utf-8"?>
+<p:sld xmlns:a="http://schemas.openxmlformats.org/drawingml/2006/main" xmlns:r="http://schemas.openxmlformats.org/officeDocument/2006/relationships" xmlns:p="http://schemas.openxmlformats.org/presentationml/2006/main">
+  <p:cSld>
+    <p:spTree>
+      <p:nvGrpSpPr>
+        <p:cNvPr id="1" name=""/>
+        <p:cNvGrpSpPr/>
+        <p:nvPr/>
+      </p:nvGrpSpPr>
+      <p:grpSpPr>
+        <a:xfrm>
+          <a:off x="0" y="0"/>
+          <a:ext cx="0" cy="0"/>
+          <a:chOff x="0" y="0"/>
+          <a:chExt cx="0" cy="0"/>
+        </a:xfrm>
+      </p:grpSpPr>
+      <p:sp>
+        <p:nvSpPr>
+          <p:cNvPr id="4" name="椭圆 3"/>
+          <p:cNvSpPr/>
+          <p:nvPr/>
+        </p:nvSpPr>
+        <p:spPr>
+          <a:xfrm>
+            <a:off x="3556635" y="1027430"/>
+            <a:ext cx="5078095" cy="4802505"/>
+          </a:xfrm>
+          <a:prstGeom prst="ellipse">
+            <a:avLst/>
+          </a:prstGeom>
+          <a:solidFill>
+            <a:schemeClr val="accent2">
+              <a:lumMod val="60000"/>
+              <a:lumOff val="40000"/>
+            </a:schemeClr>
+          </a:solidFill>
+          <a:ln>
+            <a:noFill/>
+          </a:ln>
+        </p:spPr>
+        <p:style>
+          <a:lnRef idx="2">
+            <a:schemeClr val="accent1">
+              <a:shade val="50000"/>
+            </a:schemeClr>
+          </a:lnRef>
+          <a:fillRef idx="1">
+            <a:schemeClr val="accent1"/>
+          </a:fillRef>
+          <a:effectRef idx="0">
+            <a:schemeClr val="accent1"/>
+          </a:effectRef>
+          <a:fontRef idx="minor">
+            <a:schemeClr val="lt1"/>
+          </a:fontRef>
+        </p:style>
+        <p:txBody>
+          <a:bodyPr rtlCol="0" anchor="ctr"/>
+          <a:p>
+            <a:pPr algn="ctr"/>
+            <a:endParaRPr lang="zh-CN" altLang="en-US"/>
+          </a:p>
+        </p:txBody>
+      </p:sp>
+      <p:sp>
+        <p:nvSpPr>
           <p:cNvPr id="5" name="椭圆 4"/>
           <p:cNvSpPr/>
           <p:nvPr/>
@@ -9680,9 +14636,28 @@
 </p:sld>
 </file>
 
-<file path=ppt/slides/slide5.xml><?xml version="1.0" encoding="utf-8"?>
+<file path=ppt/slides/slide7.xml><?xml version="1.0" encoding="utf-8"?>
 <p:sld xmlns:a="http://schemas.openxmlformats.org/drawingml/2006/main" xmlns:r="http://schemas.openxmlformats.org/officeDocument/2006/relationships" xmlns:p="http://schemas.openxmlformats.org/presentationml/2006/main">
   <p:cSld>
+    <p:bg>
+      <p:bgPr>
+        <a:gradFill>
+          <a:gsLst>
+            <a:gs pos="50000">
+              <a:srgbClr val="F6EDE1"/>
+            </a:gs>
+            <a:gs pos="0">
+              <a:srgbClr val="F9F3EB"/>
+            </a:gs>
+            <a:gs pos="100000">
+              <a:srgbClr val="F3E6D7"/>
+            </a:gs>
+          </a:gsLst>
+          <a:lin ang="5400000" scaled="1"/>
+        </a:gradFill>
+        <a:effectLst/>
+      </p:bgPr>
+    </p:bg>
     <p:spTree>
       <p:nvGrpSpPr>
         <p:cNvPr id="1" name=""/>
@@ -9705,7 +14680,7 @@
         </p:nvSpPr>
         <p:spPr>
           <a:xfrm>
-            <a:off x="4554855" y="1221740"/>
+            <a:off x="5073650" y="2035810"/>
             <a:ext cx="2044700" cy="703580"/>
           </a:xfrm>
           <a:prstGeom prst="rect">
@@ -9744,7 +14719,7 @@
         </p:nvSpPr>
         <p:spPr>
           <a:xfrm>
-            <a:off x="4554855" y="1925320"/>
+            <a:off x="5073650" y="2739390"/>
             <a:ext cx="2044700" cy="703580"/>
           </a:xfrm>
           <a:prstGeom prst="rect">
@@ -9783,7 +14758,7 @@
         </p:nvSpPr>
         <p:spPr>
           <a:xfrm>
-            <a:off x="4554855" y="2628900"/>
+            <a:off x="5073650" y="3442970"/>
             <a:ext cx="2044700" cy="703580"/>
           </a:xfrm>
           <a:prstGeom prst="rect">
@@ -9822,7 +14797,7 @@
         </p:nvSpPr>
         <p:spPr>
           <a:xfrm>
-            <a:off x="4554855" y="3332480"/>
+            <a:off x="5073650" y="4146550"/>
             <a:ext cx="2044700" cy="703580"/>
           </a:xfrm>
           <a:prstGeom prst="rect">
@@ -9866,7 +14841,7 @@
         </p:nvSpPr>
         <p:spPr>
           <a:xfrm>
-            <a:off x="4554855" y="4036060"/>
+            <a:off x="5073650" y="4850130"/>
             <a:ext cx="2044700" cy="703580"/>
           </a:xfrm>
           <a:prstGeom prst="rect">
@@ -9905,7 +14880,7 @@
         </p:nvSpPr>
         <p:spPr>
           <a:xfrm>
-            <a:off x="4595495" y="1275080"/>
+            <a:off x="5114290" y="2089150"/>
             <a:ext cx="538480" cy="306705"/>
           </a:xfrm>
           <a:prstGeom prst="rect">
@@ -9942,7 +14917,7 @@
         </p:nvSpPr>
         <p:spPr>
           <a:xfrm>
-            <a:off x="4595495" y="1981835"/>
+            <a:off x="5114290" y="2795905"/>
             <a:ext cx="716280" cy="306705"/>
           </a:xfrm>
           <a:prstGeom prst="rect">
@@ -9979,7 +14954,7 @@
         </p:nvSpPr>
         <p:spPr>
           <a:xfrm>
-            <a:off x="4598035" y="2686685"/>
+            <a:off x="5116830" y="3500755"/>
             <a:ext cx="716280" cy="306705"/>
           </a:xfrm>
           <a:prstGeom prst="rect">
@@ -10016,7 +14991,7 @@
         </p:nvSpPr>
         <p:spPr>
           <a:xfrm>
-            <a:off x="4598035" y="3441700"/>
+            <a:off x="5116830" y="4255770"/>
             <a:ext cx="894080" cy="306705"/>
           </a:xfrm>
           <a:prstGeom prst="rect">
@@ -10053,7 +15028,7 @@
         </p:nvSpPr>
         <p:spPr>
           <a:xfrm>
-            <a:off x="4595495" y="4110990"/>
+            <a:off x="5114290" y="4925060"/>
             <a:ext cx="716280" cy="306705"/>
           </a:xfrm>
           <a:prstGeom prst="rect">
@@ -10078,6 +15053,136 @@
               <a:solidFill>
                 <a:schemeClr val="bg1"/>
               </a:solidFill>
+            </a:endParaRPr>
+          </a:p>
+        </p:txBody>
+      </p:sp>
+      <p:sp>
+        <p:nvSpPr>
+          <p:cNvPr id="3" name="文本框 2"/>
+          <p:cNvSpPr txBox="1"/>
+          <p:nvPr/>
+        </p:nvSpPr>
+        <p:spPr>
+          <a:xfrm>
+            <a:off x="1356360" y="575310"/>
+            <a:ext cx="5347970" cy="706755"/>
+          </a:xfrm>
+          <a:prstGeom prst="rect">
+            <a:avLst/>
+          </a:prstGeom>
+          <a:noFill/>
+        </p:spPr>
+        <p:txBody>
+          <a:bodyPr wrap="square" rtlCol="0">
+            <a:spAutoFit/>
+            <a:scene3d>
+              <a:camera prst="orthographicFront"/>
+              <a:lightRig rig="threePt" dir="t"/>
+            </a:scene3d>
+          </a:bodyPr>
+          <a:p>
+            <a:r>
+              <a:rPr lang="zh-CN" sz="4000">
+                <a:ln/>
+                <a:gradFill>
+                  <a:gsLst>
+                    <a:gs pos="0">
+                      <a:srgbClr val="23607C"/>
+                    </a:gs>
+                    <a:gs pos="100000">
+                      <a:srgbClr val="0C364F"/>
+                    </a:gs>
+                  </a:gsLst>
+                  <a:lin scaled="1"/>
+                </a:gradFill>
+                <a:effectLst>
+                  <a:reflection blurRad="6350" stA="53000" endA="300" endPos="35500" dir="5400000" sy="-90000" algn="bl" rotWithShape="0"/>
+                </a:effectLst>
+                <a:latin typeface="+mn-ea"/>
+              </a:rPr>
+              <a:t>数据块（</a:t>
+            </a:r>
+            <a:r>
+              <a:rPr lang="en-US" altLang="zh-CN" sz="4000">
+                <a:ln/>
+                <a:gradFill>
+                  <a:gsLst>
+                    <a:gs pos="0">
+                      <a:srgbClr val="23607C"/>
+                    </a:gs>
+                    <a:gs pos="100000">
+                      <a:srgbClr val="0C364F"/>
+                    </a:gs>
+                  </a:gsLst>
+                  <a:lin scaled="1"/>
+                </a:gradFill>
+                <a:effectLst>
+                  <a:reflection blurRad="6350" stA="53000" endA="300" endPos="35500" dir="5400000" sy="-90000" algn="bl" rotWithShape="0"/>
+                </a:effectLst>
+                <a:latin typeface="+mn-ea"/>
+              </a:rPr>
+              <a:t>Block</a:t>
+            </a:r>
+            <a:r>
+              <a:rPr lang="zh-CN" sz="4000">
+                <a:ln/>
+                <a:gradFill>
+                  <a:gsLst>
+                    <a:gs pos="0">
+                      <a:srgbClr val="23607C"/>
+                    </a:gs>
+                    <a:gs pos="100000">
+                      <a:srgbClr val="0C364F"/>
+                    </a:gs>
+                  </a:gsLst>
+                  <a:lin scaled="1"/>
+                </a:gradFill>
+                <a:effectLst>
+                  <a:reflection blurRad="6350" stA="53000" endA="300" endPos="35500" dir="5400000" sy="-90000" algn="bl" rotWithShape="0"/>
+                </a:effectLst>
+                <a:latin typeface="+mn-ea"/>
+              </a:rPr>
+              <a:t>）</a:t>
+            </a:r>
+            <a:r>
+              <a:rPr lang="zh-CN" altLang="en-US" sz="4000">
+                <a:ln/>
+                <a:gradFill>
+                  <a:gsLst>
+                    <a:gs pos="0">
+                      <a:srgbClr val="23607C"/>
+                    </a:gs>
+                    <a:gs pos="100000">
+                      <a:srgbClr val="0C364F"/>
+                    </a:gs>
+                  </a:gsLst>
+                  <a:lin scaled="1"/>
+                </a:gradFill>
+                <a:effectLst>
+                  <a:reflection blurRad="6350" stA="53000" endA="300" endPos="35500" dir="5400000" sy="-90000" algn="bl" rotWithShape="0"/>
+                </a:effectLst>
+                <a:latin typeface="+mn-ea"/>
+              </a:rPr>
+              <a:t>结 构</a:t>
+            </a:r>
+            <a:endParaRPr lang="zh-CN" altLang="en-US" sz="4000">
+              <a:ln/>
+              <a:gradFill>
+                <a:gsLst>
+                  <a:gs pos="0">
+                    <a:srgbClr val="23607C"/>
+                  </a:gs>
+                  <a:gs pos="100000">
+                    <a:srgbClr val="0C364F"/>
+                  </a:gs>
+                </a:gsLst>
+                <a:lin scaled="1"/>
+              </a:gradFill>
+              <a:effectLst>
+                <a:reflection blurRad="6350" stA="53000" endA="300" endPos="35500" dir="5400000" sy="-90000" algn="bl" rotWithShape="0"/>
+              </a:effectLst>
+              <a:latin typeface="+mn-ea"/>
             </a:endParaRPr>
           </a:p>
         </p:txBody>
@@ -10996,6 +16101,48 @@
 </p:tagLst>
 </file>
 
+<file path=ppt/tags/tag70.xml><?xml version="1.0" encoding="utf-8"?>
+<p:tagLst xmlns:p="http://schemas.openxmlformats.org/presentationml/2006/main">
+  <p:tag name="KSO_WM_SLIDE_ID" val="custom20205176_1"/>
+  <p:tag name="KSO_WM_TEMPLATE_SUBCATEGORY" val="19"/>
+  <p:tag name="KSO_WM_TEMPLATE_MASTER_TYPE" val="0"/>
+  <p:tag name="KSO_WM_TEMPLATE_COLOR_TYPE" val="1"/>
+  <p:tag name="KSO_WM_SLIDE_TYPE" val="title"/>
+  <p:tag name="KSO_WM_SLIDE_SUBTYPE" val="defaultBlank"/>
+  <p:tag name="KSO_WM_SLIDE_ITEM_CNT" val="0"/>
+  <p:tag name="KSO_WM_SLIDE_INDEX" val="1"/>
+  <p:tag name="KSO_WM_TAG_VERSION" val="1.0"/>
+  <p:tag name="KSO_WM_BEAUTIFY_FLAG" val="#wm#"/>
+  <p:tag name="KSO_WM_TEMPLATE_CATEGORY" val="custom"/>
+  <p:tag name="KSO_WM_TEMPLATE_INDEX" val="20205176"/>
+  <p:tag name="KSO_WM_SLIDE_LAYOUT" val="a_b"/>
+  <p:tag name="KSO_WM_SLIDE_LAYOUT_CNT" val="1_1"/>
+  <p:tag name="KSO_WM_UNIT_SHOW_EDIT_AREA_INDICATION" val="1"/>
+  <p:tag name="KSO_WM_TEMPLATE_THUMBS_INDEX" val="1、4、7、12、13、14、15、16、17、18、20、24、25、28、33、36、40、43、44"/>
+</p:tagLst>
+</file>
+
+<file path=ppt/tags/tag71.xml><?xml version="1.0" encoding="utf-8"?>
+<p:tagLst xmlns:p="http://schemas.openxmlformats.org/presentationml/2006/main">
+  <p:tag name="KSO_WM_SLIDE_ID" val="custom20205176_1"/>
+  <p:tag name="KSO_WM_TEMPLATE_SUBCATEGORY" val="19"/>
+  <p:tag name="KSO_WM_TEMPLATE_MASTER_TYPE" val="0"/>
+  <p:tag name="KSO_WM_TEMPLATE_COLOR_TYPE" val="1"/>
+  <p:tag name="KSO_WM_SLIDE_TYPE" val="title"/>
+  <p:tag name="KSO_WM_SLIDE_SUBTYPE" val="defaultBlank"/>
+  <p:tag name="KSO_WM_SLIDE_ITEM_CNT" val="0"/>
+  <p:tag name="KSO_WM_SLIDE_INDEX" val="1"/>
+  <p:tag name="KSO_WM_TAG_VERSION" val="1.0"/>
+  <p:tag name="KSO_WM_BEAUTIFY_FLAG" val="#wm#"/>
+  <p:tag name="KSO_WM_TEMPLATE_CATEGORY" val="custom"/>
+  <p:tag name="KSO_WM_TEMPLATE_INDEX" val="20205176"/>
+  <p:tag name="KSO_WM_SLIDE_LAYOUT" val="a_b"/>
+  <p:tag name="KSO_WM_SLIDE_LAYOUT_CNT" val="1_1"/>
+  <p:tag name="KSO_WM_UNIT_SHOW_EDIT_AREA_INDICATION" val="1"/>
+  <p:tag name="KSO_WM_TEMPLATE_THUMBS_INDEX" val="1、4、7、12、13、14、15、16、17、18、20、24、25、28、33、36、40、43、44"/>
+</p:tagLst>
+</file>
+
 <file path=ppt/tags/tag8.xml><?xml version="1.0" encoding="utf-8"?>
 <p:tagLst xmlns:p="http://schemas.openxmlformats.org/presentationml/2006/main">
   <p:tag name="KSO_WM_UNIT_HIGHLIGHT" val="0"/>
